--- a/SBC_Praesentation_DimitrijevicTraxler.pptx
+++ b/SBC_Praesentation_DimitrijevicTraxler.pptx
@@ -5,43 +5,45 @@
     <p:sldMasterId id="2147483648" r:id="rId2"/>
     <p:sldMasterId id="2147483661" r:id="rId3"/>
     <p:sldMasterId id="2147483674" r:id="rId4"/>
+    <p:sldMasterId id="2147483687" r:id="rId5"/>
+    <p:sldMasterId id="2147483700" r:id="rId6"/>
   </p:sldMasterIdLst>
   <p:sldIdLst>
-    <p:sldId id="256" r:id="rId5"/>
-    <p:sldId id="257" r:id="rId6"/>
-    <p:sldId id="258" r:id="rId7"/>
-    <p:sldId id="259" r:id="rId8"/>
-    <p:sldId id="260" r:id="rId9"/>
-    <p:sldId id="261" r:id="rId10"/>
-    <p:sldId id="262" r:id="rId11"/>
-    <p:sldId id="263" r:id="rId12"/>
-    <p:sldId id="264" r:id="rId13"/>
-    <p:sldId id="265" r:id="rId14"/>
-    <p:sldId id="266" r:id="rId15"/>
-    <p:sldId id="267" r:id="rId16"/>
-    <p:sldId id="268" r:id="rId17"/>
-    <p:sldId id="269" r:id="rId18"/>
-    <p:sldId id="270" r:id="rId19"/>
-    <p:sldId id="271" r:id="rId20"/>
-    <p:sldId id="272" r:id="rId21"/>
-    <p:sldId id="273" r:id="rId22"/>
-    <p:sldId id="274" r:id="rId23"/>
-    <p:sldId id="275" r:id="rId24"/>
-    <p:sldId id="276" r:id="rId25"/>
-    <p:sldId id="277" r:id="rId26"/>
-    <p:sldId id="278" r:id="rId27"/>
-    <p:sldId id="279" r:id="rId28"/>
-    <p:sldId id="280" r:id="rId29"/>
-    <p:sldId id="281" r:id="rId30"/>
-    <p:sldId id="282" r:id="rId31"/>
-    <p:sldId id="283" r:id="rId32"/>
-    <p:sldId id="284" r:id="rId33"/>
-    <p:sldId id="285" r:id="rId34"/>
-    <p:sldId id="286" r:id="rId35"/>
-    <p:sldId id="287" r:id="rId36"/>
-    <p:sldId id="288" r:id="rId37"/>
-    <p:sldId id="289" r:id="rId38"/>
-    <p:sldId id="290" r:id="rId39"/>
+    <p:sldId id="256" r:id="rId7"/>
+    <p:sldId id="257" r:id="rId8"/>
+    <p:sldId id="258" r:id="rId9"/>
+    <p:sldId id="259" r:id="rId10"/>
+    <p:sldId id="260" r:id="rId11"/>
+    <p:sldId id="261" r:id="rId12"/>
+    <p:sldId id="262" r:id="rId13"/>
+    <p:sldId id="263" r:id="rId14"/>
+    <p:sldId id="264" r:id="rId15"/>
+    <p:sldId id="265" r:id="rId16"/>
+    <p:sldId id="266" r:id="rId17"/>
+    <p:sldId id="267" r:id="rId18"/>
+    <p:sldId id="268" r:id="rId19"/>
+    <p:sldId id="269" r:id="rId20"/>
+    <p:sldId id="270" r:id="rId21"/>
+    <p:sldId id="271" r:id="rId22"/>
+    <p:sldId id="272" r:id="rId23"/>
+    <p:sldId id="273" r:id="rId24"/>
+    <p:sldId id="274" r:id="rId25"/>
+    <p:sldId id="275" r:id="rId26"/>
+    <p:sldId id="276" r:id="rId27"/>
+    <p:sldId id="277" r:id="rId28"/>
+    <p:sldId id="278" r:id="rId29"/>
+    <p:sldId id="279" r:id="rId30"/>
+    <p:sldId id="280" r:id="rId31"/>
+    <p:sldId id="281" r:id="rId32"/>
+    <p:sldId id="282" r:id="rId33"/>
+    <p:sldId id="283" r:id="rId34"/>
+    <p:sldId id="284" r:id="rId35"/>
+    <p:sldId id="285" r:id="rId36"/>
+    <p:sldId id="286" r:id="rId37"/>
+    <p:sldId id="287" r:id="rId38"/>
+    <p:sldId id="288" r:id="rId39"/>
+    <p:sldId id="289" r:id="rId40"/>
+    <p:sldId id="290" r:id="rId41"/>
   </p:sldIdLst>
   <p:sldSz cx="9144000" cy="6858000"/>
   <p:notesSz cx="7559675" cy="10691812"/>
@@ -100,7 +102,7 @@
         <p:spPr>
           <a:xfrm>
             <a:off x="457200" y="273600"/>
-            <a:ext cx="8229240" cy="1145160"/>
+            <a:ext cx="8228880" cy="1145160"/>
           </a:xfrm>
           <a:prstGeom prst="rect">
             <a:avLst/>
@@ -109,6 +111,7 @@
         <p:txBody>
           <a:bodyPr anchor="ctr" bIns="0" lIns="0" rIns="0" tIns="0" wrap="none"/>
           <a:p>
+            <a:pPr algn="ctr"/>
             <a:endParaRPr/>
           </a:p>
         </p:txBody>
@@ -126,7 +129,7 @@
         <p:spPr>
           <a:xfrm>
             <a:off x="457200" y="1604520"/>
-            <a:ext cx="8229240" cy="1896840"/>
+            <a:ext cx="8228880" cy="1896480"/>
           </a:xfrm>
           <a:prstGeom prst="rect">
             <a:avLst/>
@@ -151,8 +154,8 @@
         </p:nvSpPr>
         <p:spPr>
           <a:xfrm>
-            <a:off x="457200" y="3681720"/>
-            <a:ext cx="8229240" cy="1896840"/>
+            <a:off x="457200" y="3681360"/>
+            <a:ext cx="8228880" cy="1896480"/>
           </a:xfrm>
           <a:prstGeom prst="rect">
             <a:avLst/>
@@ -200,7 +203,7 @@
         <p:spPr>
           <a:xfrm>
             <a:off x="457200" y="273600"/>
-            <a:ext cx="8229240" cy="1145160"/>
+            <a:ext cx="8228880" cy="1145160"/>
           </a:xfrm>
           <a:prstGeom prst="rect">
             <a:avLst/>
@@ -209,6 +212,7 @@
         <p:txBody>
           <a:bodyPr anchor="ctr" bIns="0" lIns="0" rIns="0" tIns="0" wrap="none"/>
           <a:p>
+            <a:pPr algn="ctr"/>
             <a:endParaRPr/>
           </a:p>
         </p:txBody>
@@ -226,7 +230,7 @@
         <p:spPr>
           <a:xfrm>
             <a:off x="457200" y="1604520"/>
-            <a:ext cx="4015440" cy="1896840"/>
+            <a:ext cx="4015440" cy="1896480"/>
           </a:xfrm>
           <a:prstGeom prst="rect">
             <a:avLst/>
@@ -252,7 +256,7 @@
         <p:spPr>
           <a:xfrm>
             <a:off x="4673520" y="1604520"/>
-            <a:ext cx="4015440" cy="1896840"/>
+            <a:ext cx="4015440" cy="1896480"/>
           </a:xfrm>
           <a:prstGeom prst="rect">
             <a:avLst/>
@@ -277,8 +281,8 @@
         </p:nvSpPr>
         <p:spPr>
           <a:xfrm>
-            <a:off x="4673520" y="3681720"/>
-            <a:ext cx="4015440" cy="1896840"/>
+            <a:off x="4673520" y="3681360"/>
+            <a:ext cx="4015440" cy="1896480"/>
           </a:xfrm>
           <a:prstGeom prst="rect">
             <a:avLst/>
@@ -303,8 +307,8 @@
         </p:nvSpPr>
         <p:spPr>
           <a:xfrm>
-            <a:off x="457200" y="3681720"/>
-            <a:ext cx="4015440" cy="1896840"/>
+            <a:off x="457200" y="3681360"/>
+            <a:ext cx="4015440" cy="1896480"/>
           </a:xfrm>
           <a:prstGeom prst="rect">
             <a:avLst/>
@@ -352,7 +356,7 @@
         <p:spPr>
           <a:xfrm>
             <a:off x="457200" y="273600"/>
-            <a:ext cx="8229240" cy="1145160"/>
+            <a:ext cx="8228880" cy="1145160"/>
           </a:xfrm>
           <a:prstGeom prst="rect">
             <a:avLst/>
@@ -361,6 +365,7 @@
         <p:txBody>
           <a:bodyPr anchor="ctr" bIns="0" lIns="0" rIns="0" tIns="0" wrap="none"/>
           <a:p>
+            <a:pPr algn="ctr"/>
             <a:endParaRPr/>
           </a:p>
         </p:txBody>
@@ -378,7 +383,7 @@
         <p:spPr>
           <a:xfrm>
             <a:off x="457200" y="1604520"/>
-            <a:ext cx="4015440" cy="1896840"/>
+            <a:ext cx="4015440" cy="1896480"/>
           </a:xfrm>
           <a:prstGeom prst="rect">
             <a:avLst/>
@@ -404,7 +409,7 @@
         <p:spPr>
           <a:xfrm>
             <a:off x="4673520" y="1604520"/>
-            <a:ext cx="4015440" cy="1896840"/>
+            <a:ext cx="4015440" cy="1896480"/>
           </a:xfrm>
           <a:prstGeom prst="rect">
             <a:avLst/>
@@ -431,8 +436,8 @@
         </p:blipFill>
         <p:spPr>
           <a:xfrm>
-            <a:off x="5492520" y="3681360"/>
-            <a:ext cx="2377440" cy="1896840"/>
+            <a:off x="5492880" y="3681360"/>
+            <a:ext cx="2376720" cy="1896480"/>
           </a:xfrm>
           <a:prstGeom prst="rect">
             <a:avLst/>
@@ -456,8 +461,8 @@
         </p:blipFill>
         <p:spPr>
           <a:xfrm>
-            <a:off x="1276200" y="3681360"/>
-            <a:ext cx="2377440" cy="1896840"/>
+            <a:off x="1276560" y="3681360"/>
+            <a:ext cx="2376720" cy="1896480"/>
           </a:xfrm>
           <a:prstGeom prst="rect">
             <a:avLst/>
@@ -524,7 +529,7 @@
         <p:spPr>
           <a:xfrm>
             <a:off x="457200" y="273600"/>
-            <a:ext cx="8229240" cy="1145160"/>
+            <a:ext cx="8228880" cy="1145160"/>
           </a:xfrm>
           <a:prstGeom prst="rect">
             <a:avLst/>
@@ -533,6 +538,7 @@
         <p:txBody>
           <a:bodyPr anchor="ctr" bIns="0" lIns="0" rIns="0" tIns="0" wrap="none"/>
           <a:p>
+            <a:pPr algn="ctr"/>
             <a:endParaRPr/>
           </a:p>
         </p:txBody>
@@ -550,7 +556,7 @@
         <p:spPr>
           <a:xfrm>
             <a:off x="457200" y="1604520"/>
-            <a:ext cx="8229240" cy="3977640"/>
+            <a:ext cx="8228880" cy="3977280"/>
           </a:xfrm>
           <a:prstGeom prst="rect">
             <a:avLst/>
@@ -599,7 +605,7 @@
         <p:spPr>
           <a:xfrm>
             <a:off x="457200" y="273600"/>
-            <a:ext cx="8229240" cy="1145160"/>
+            <a:ext cx="8228880" cy="1145160"/>
           </a:xfrm>
           <a:prstGeom prst="rect">
             <a:avLst/>
@@ -608,6 +614,7 @@
         <p:txBody>
           <a:bodyPr anchor="ctr" bIns="0" lIns="0" rIns="0" tIns="0" wrap="none"/>
           <a:p>
+            <a:pPr algn="ctr"/>
             <a:endParaRPr/>
           </a:p>
         </p:txBody>
@@ -625,7 +632,7 @@
         <p:spPr>
           <a:xfrm>
             <a:off x="457200" y="1604520"/>
-            <a:ext cx="8229240" cy="3977280"/>
+            <a:ext cx="8228880" cy="3976920"/>
           </a:xfrm>
           <a:prstGeom prst="rect">
             <a:avLst/>
@@ -673,7 +680,7 @@
         <p:spPr>
           <a:xfrm>
             <a:off x="457200" y="273600"/>
-            <a:ext cx="8229240" cy="1145160"/>
+            <a:ext cx="8228880" cy="1145160"/>
           </a:xfrm>
           <a:prstGeom prst="rect">
             <a:avLst/>
@@ -682,6 +689,7 @@
         <p:txBody>
           <a:bodyPr anchor="ctr" bIns="0" lIns="0" rIns="0" tIns="0" wrap="none"/>
           <a:p>
+            <a:pPr algn="ctr"/>
             <a:endParaRPr/>
           </a:p>
         </p:txBody>
@@ -699,7 +707,7 @@
         <p:spPr>
           <a:xfrm>
             <a:off x="457200" y="1604520"/>
-            <a:ext cx="4015440" cy="3977280"/>
+            <a:ext cx="4015440" cy="3976920"/>
           </a:xfrm>
           <a:prstGeom prst="rect">
             <a:avLst/>
@@ -725,7 +733,7 @@
         <p:spPr>
           <a:xfrm>
             <a:off x="4673520" y="1604520"/>
-            <a:ext cx="4015440" cy="3977280"/>
+            <a:ext cx="4015440" cy="3976920"/>
           </a:xfrm>
           <a:prstGeom prst="rect">
             <a:avLst/>
@@ -773,7 +781,7 @@
         <p:spPr>
           <a:xfrm>
             <a:off x="457200" y="273600"/>
-            <a:ext cx="8229240" cy="1145160"/>
+            <a:ext cx="8228880" cy="1145160"/>
           </a:xfrm>
           <a:prstGeom prst="rect">
             <a:avLst/>
@@ -782,6 +790,7 @@
         <p:txBody>
           <a:bodyPr anchor="ctr" bIns="0" lIns="0" rIns="0" tIns="0" wrap="none"/>
           <a:p>
+            <a:pPr algn="ctr"/>
             <a:endParaRPr/>
           </a:p>
         </p:txBody>
@@ -821,7 +830,7 @@
         <p:spPr>
           <a:xfrm>
             <a:off x="457200" y="273600"/>
-            <a:ext cx="8229240" cy="5308200"/>
+            <a:ext cx="8228880" cy="5307840"/>
           </a:xfrm>
           <a:prstGeom prst="rect">
             <a:avLst/>
@@ -870,7 +879,7 @@
         <p:spPr>
           <a:xfrm>
             <a:off x="457200" y="273600"/>
-            <a:ext cx="8229240" cy="1145160"/>
+            <a:ext cx="8228880" cy="1145160"/>
           </a:xfrm>
           <a:prstGeom prst="rect">
             <a:avLst/>
@@ -879,6 +888,7 @@
         <p:txBody>
           <a:bodyPr anchor="ctr" bIns="0" lIns="0" rIns="0" tIns="0" wrap="none"/>
           <a:p>
+            <a:pPr algn="ctr"/>
             <a:endParaRPr/>
           </a:p>
         </p:txBody>
@@ -896,7 +906,7 @@
         <p:spPr>
           <a:xfrm>
             <a:off x="457200" y="1604520"/>
-            <a:ext cx="4015440" cy="1896840"/>
+            <a:ext cx="4015440" cy="1896480"/>
           </a:xfrm>
           <a:prstGeom prst="rect">
             <a:avLst/>
@@ -921,8 +931,8 @@
         </p:nvSpPr>
         <p:spPr>
           <a:xfrm>
-            <a:off x="457200" y="3681720"/>
-            <a:ext cx="4015440" cy="1896840"/>
+            <a:off x="457200" y="3681360"/>
+            <a:ext cx="4015440" cy="1896480"/>
           </a:xfrm>
           <a:prstGeom prst="rect">
             <a:avLst/>
@@ -948,7 +958,7 @@
         <p:spPr>
           <a:xfrm>
             <a:off x="4673520" y="1604520"/>
-            <a:ext cx="4015440" cy="3977280"/>
+            <a:ext cx="4015440" cy="3976920"/>
           </a:xfrm>
           <a:prstGeom prst="rect">
             <a:avLst/>
@@ -996,7 +1006,7 @@
         <p:spPr>
           <a:xfrm>
             <a:off x="457200" y="273600"/>
-            <a:ext cx="8229240" cy="1145160"/>
+            <a:ext cx="8228880" cy="1145160"/>
           </a:xfrm>
           <a:prstGeom prst="rect">
             <a:avLst/>
@@ -1005,6 +1015,7 @@
         <p:txBody>
           <a:bodyPr anchor="ctr" bIns="0" lIns="0" rIns="0" tIns="0" wrap="none"/>
           <a:p>
+            <a:pPr algn="ctr"/>
             <a:endParaRPr/>
           </a:p>
         </p:txBody>
@@ -1022,7 +1033,7 @@
         <p:spPr>
           <a:xfrm>
             <a:off x="457200" y="1604520"/>
-            <a:ext cx="8229240" cy="3977640"/>
+            <a:ext cx="8228880" cy="3977280"/>
           </a:xfrm>
           <a:prstGeom prst="rect">
             <a:avLst/>
@@ -1071,7 +1082,7 @@
         <p:spPr>
           <a:xfrm>
             <a:off x="457200" y="273600"/>
-            <a:ext cx="8229240" cy="1145160"/>
+            <a:ext cx="8228880" cy="1145160"/>
           </a:xfrm>
           <a:prstGeom prst="rect">
             <a:avLst/>
@@ -1080,6 +1091,7 @@
         <p:txBody>
           <a:bodyPr anchor="ctr" bIns="0" lIns="0" rIns="0" tIns="0" wrap="none"/>
           <a:p>
+            <a:pPr algn="ctr"/>
             <a:endParaRPr/>
           </a:p>
         </p:txBody>
@@ -1097,7 +1109,7 @@
         <p:spPr>
           <a:xfrm>
             <a:off x="457200" y="1604520"/>
-            <a:ext cx="4015440" cy="3977280"/>
+            <a:ext cx="4015440" cy="3976920"/>
           </a:xfrm>
           <a:prstGeom prst="rect">
             <a:avLst/>
@@ -1123,7 +1135,7 @@
         <p:spPr>
           <a:xfrm>
             <a:off x="4673520" y="1604520"/>
-            <a:ext cx="4015440" cy="1896840"/>
+            <a:ext cx="4015440" cy="1896480"/>
           </a:xfrm>
           <a:prstGeom prst="rect">
             <a:avLst/>
@@ -1148,8 +1160,8 @@
         </p:nvSpPr>
         <p:spPr>
           <a:xfrm>
-            <a:off x="4673520" y="3681720"/>
-            <a:ext cx="4015440" cy="1896840"/>
+            <a:off x="4673520" y="3681360"/>
+            <a:ext cx="4015440" cy="1896480"/>
           </a:xfrm>
           <a:prstGeom prst="rect">
             <a:avLst/>
@@ -1197,7 +1209,7 @@
         <p:spPr>
           <a:xfrm>
             <a:off x="457200" y="273600"/>
-            <a:ext cx="8229240" cy="1145160"/>
+            <a:ext cx="8228880" cy="1145160"/>
           </a:xfrm>
           <a:prstGeom prst="rect">
             <a:avLst/>
@@ -1206,6 +1218,7 @@
         <p:txBody>
           <a:bodyPr anchor="ctr" bIns="0" lIns="0" rIns="0" tIns="0" wrap="none"/>
           <a:p>
+            <a:pPr algn="ctr"/>
             <a:endParaRPr/>
           </a:p>
         </p:txBody>
@@ -1223,7 +1236,7 @@
         <p:spPr>
           <a:xfrm>
             <a:off x="457200" y="1604520"/>
-            <a:ext cx="4015440" cy="1896840"/>
+            <a:ext cx="4015440" cy="1896480"/>
           </a:xfrm>
           <a:prstGeom prst="rect">
             <a:avLst/>
@@ -1249,7 +1262,7 @@
         <p:spPr>
           <a:xfrm>
             <a:off x="4673520" y="1604520"/>
-            <a:ext cx="4015440" cy="1896840"/>
+            <a:ext cx="4015440" cy="1896480"/>
           </a:xfrm>
           <a:prstGeom prst="rect">
             <a:avLst/>
@@ -1274,8 +1287,8 @@
         </p:nvSpPr>
         <p:spPr>
           <a:xfrm>
-            <a:off x="457200" y="3681720"/>
-            <a:ext cx="8228520" cy="1896840"/>
+            <a:off x="457200" y="3681360"/>
+            <a:ext cx="8228520" cy="1896480"/>
           </a:xfrm>
           <a:prstGeom prst="rect">
             <a:avLst/>
@@ -1323,7 +1336,7 @@
         <p:spPr>
           <a:xfrm>
             <a:off x="457200" y="273600"/>
-            <a:ext cx="8229240" cy="1145160"/>
+            <a:ext cx="8228880" cy="1145160"/>
           </a:xfrm>
           <a:prstGeom prst="rect">
             <a:avLst/>
@@ -1332,6 +1345,7 @@
         <p:txBody>
           <a:bodyPr anchor="ctr" bIns="0" lIns="0" rIns="0" tIns="0" wrap="none"/>
           <a:p>
+            <a:pPr algn="ctr"/>
             <a:endParaRPr/>
           </a:p>
         </p:txBody>
@@ -1349,7 +1363,7 @@
         <p:spPr>
           <a:xfrm>
             <a:off x="457200" y="1604520"/>
-            <a:ext cx="8229240" cy="1896840"/>
+            <a:ext cx="8228880" cy="1896480"/>
           </a:xfrm>
           <a:prstGeom prst="rect">
             <a:avLst/>
@@ -1374,8 +1388,8 @@
         </p:nvSpPr>
         <p:spPr>
           <a:xfrm>
-            <a:off x="457200" y="3681720"/>
-            <a:ext cx="8229240" cy="1896840"/>
+            <a:off x="457200" y="3681360"/>
+            <a:ext cx="8228880" cy="1896480"/>
           </a:xfrm>
           <a:prstGeom prst="rect">
             <a:avLst/>
@@ -1423,7 +1437,7 @@
         <p:spPr>
           <a:xfrm>
             <a:off x="457200" y="273600"/>
-            <a:ext cx="8229240" cy="1145160"/>
+            <a:ext cx="8228880" cy="1145160"/>
           </a:xfrm>
           <a:prstGeom prst="rect">
             <a:avLst/>
@@ -1432,6 +1446,7 @@
         <p:txBody>
           <a:bodyPr anchor="ctr" bIns="0" lIns="0" rIns="0" tIns="0" wrap="none"/>
           <a:p>
+            <a:pPr algn="ctr"/>
             <a:endParaRPr/>
           </a:p>
         </p:txBody>
@@ -1449,7 +1464,7 @@
         <p:spPr>
           <a:xfrm>
             <a:off x="457200" y="1604520"/>
-            <a:ext cx="4015440" cy="1896840"/>
+            <a:ext cx="4015440" cy="1896480"/>
           </a:xfrm>
           <a:prstGeom prst="rect">
             <a:avLst/>
@@ -1475,7 +1490,7 @@
         <p:spPr>
           <a:xfrm>
             <a:off x="4673520" y="1604520"/>
-            <a:ext cx="4015440" cy="1896840"/>
+            <a:ext cx="4015440" cy="1896480"/>
           </a:xfrm>
           <a:prstGeom prst="rect">
             <a:avLst/>
@@ -1500,8 +1515,8 @@
         </p:nvSpPr>
         <p:spPr>
           <a:xfrm>
-            <a:off x="4673520" y="3681720"/>
-            <a:ext cx="4015440" cy="1896840"/>
+            <a:off x="4673520" y="3681360"/>
+            <a:ext cx="4015440" cy="1896480"/>
           </a:xfrm>
           <a:prstGeom prst="rect">
             <a:avLst/>
@@ -1526,8 +1541,8 @@
         </p:nvSpPr>
         <p:spPr>
           <a:xfrm>
-            <a:off x="457200" y="3681720"/>
-            <a:ext cx="4015440" cy="1896840"/>
+            <a:off x="457200" y="3681360"/>
+            <a:ext cx="4015440" cy="1896480"/>
           </a:xfrm>
           <a:prstGeom prst="rect">
             <a:avLst/>
@@ -1575,7 +1590,7 @@
         <p:spPr>
           <a:xfrm>
             <a:off x="457200" y="273600"/>
-            <a:ext cx="8229240" cy="1145160"/>
+            <a:ext cx="8228880" cy="1145160"/>
           </a:xfrm>
           <a:prstGeom prst="rect">
             <a:avLst/>
@@ -1584,6 +1599,7 @@
         <p:txBody>
           <a:bodyPr anchor="ctr" bIns="0" lIns="0" rIns="0" tIns="0" wrap="none"/>
           <a:p>
+            <a:pPr algn="ctr"/>
             <a:endParaRPr/>
           </a:p>
         </p:txBody>
@@ -1601,7 +1617,7 @@
         <p:spPr>
           <a:xfrm>
             <a:off x="457200" y="1604520"/>
-            <a:ext cx="4015440" cy="1896840"/>
+            <a:ext cx="4015440" cy="1896480"/>
           </a:xfrm>
           <a:prstGeom prst="rect">
             <a:avLst/>
@@ -1627,7 +1643,7 @@
         <p:spPr>
           <a:xfrm>
             <a:off x="4673520" y="1604520"/>
-            <a:ext cx="4015440" cy="1896840"/>
+            <a:ext cx="4015440" cy="1896480"/>
           </a:xfrm>
           <a:prstGeom prst="rect">
             <a:avLst/>
@@ -1654,8 +1670,8 @@
         </p:blipFill>
         <p:spPr>
           <a:xfrm>
-            <a:off x="5492520" y="3681360"/>
-            <a:ext cx="2377440" cy="1896840"/>
+            <a:off x="5492880" y="3681360"/>
+            <a:ext cx="2376720" cy="1896480"/>
           </a:xfrm>
           <a:prstGeom prst="rect">
             <a:avLst/>
@@ -1679,8 +1695,8 @@
         </p:blipFill>
         <p:spPr>
           <a:xfrm>
-            <a:off x="1276200" y="3681360"/>
-            <a:ext cx="2377440" cy="1896840"/>
+            <a:off x="1276560" y="3681360"/>
+            <a:ext cx="2376720" cy="1896480"/>
           </a:xfrm>
           <a:prstGeom prst="rect">
             <a:avLst/>
@@ -1747,7 +1763,7 @@
         <p:spPr>
           <a:xfrm>
             <a:off x="457200" y="273600"/>
-            <a:ext cx="8229240" cy="1145160"/>
+            <a:ext cx="8228880" cy="1145160"/>
           </a:xfrm>
           <a:prstGeom prst="rect">
             <a:avLst/>
@@ -1756,6 +1772,7 @@
         <p:txBody>
           <a:bodyPr anchor="ctr" bIns="0" lIns="0" rIns="0" tIns="0" wrap="none"/>
           <a:p>
+            <a:pPr algn="ctr"/>
             <a:endParaRPr/>
           </a:p>
         </p:txBody>
@@ -1773,7 +1790,7 @@
         <p:spPr>
           <a:xfrm>
             <a:off x="457200" y="1604520"/>
-            <a:ext cx="8229240" cy="3977640"/>
+            <a:ext cx="8228880" cy="3977280"/>
           </a:xfrm>
           <a:prstGeom prst="rect">
             <a:avLst/>
@@ -1822,7 +1839,7 @@
         <p:spPr>
           <a:xfrm>
             <a:off x="457200" y="273600"/>
-            <a:ext cx="8229240" cy="1145160"/>
+            <a:ext cx="8228880" cy="1145160"/>
           </a:xfrm>
           <a:prstGeom prst="rect">
             <a:avLst/>
@@ -1831,6 +1848,7 @@
         <p:txBody>
           <a:bodyPr anchor="ctr" bIns="0" lIns="0" rIns="0" tIns="0" wrap="none"/>
           <a:p>
+            <a:pPr algn="ctr"/>
             <a:endParaRPr/>
           </a:p>
         </p:txBody>
@@ -1848,7 +1866,7 @@
         <p:spPr>
           <a:xfrm>
             <a:off x="457200" y="1604520"/>
-            <a:ext cx="8229240" cy="3977280"/>
+            <a:ext cx="8228880" cy="3976920"/>
           </a:xfrm>
           <a:prstGeom prst="rect">
             <a:avLst/>
@@ -1896,7 +1914,7 @@
         <p:spPr>
           <a:xfrm>
             <a:off x="457200" y="273600"/>
-            <a:ext cx="8229240" cy="1145160"/>
+            <a:ext cx="8228880" cy="1145160"/>
           </a:xfrm>
           <a:prstGeom prst="rect">
             <a:avLst/>
@@ -1905,6 +1923,7 @@
         <p:txBody>
           <a:bodyPr anchor="ctr" bIns="0" lIns="0" rIns="0" tIns="0" wrap="none"/>
           <a:p>
+            <a:pPr algn="ctr"/>
             <a:endParaRPr/>
           </a:p>
         </p:txBody>
@@ -1922,7 +1941,7 @@
         <p:spPr>
           <a:xfrm>
             <a:off x="457200" y="1604520"/>
-            <a:ext cx="4015440" cy="3977280"/>
+            <a:ext cx="4015440" cy="3976920"/>
           </a:xfrm>
           <a:prstGeom prst="rect">
             <a:avLst/>
@@ -1948,7 +1967,7 @@
         <p:spPr>
           <a:xfrm>
             <a:off x="4673520" y="1604520"/>
-            <a:ext cx="4015440" cy="3977280"/>
+            <a:ext cx="4015440" cy="3976920"/>
           </a:xfrm>
           <a:prstGeom prst="rect">
             <a:avLst/>
@@ -1996,7 +2015,7 @@
         <p:spPr>
           <a:xfrm>
             <a:off x="457200" y="273600"/>
-            <a:ext cx="8229240" cy="1145160"/>
+            <a:ext cx="8228880" cy="1145160"/>
           </a:xfrm>
           <a:prstGeom prst="rect">
             <a:avLst/>
@@ -2005,6 +2024,7 @@
         <p:txBody>
           <a:bodyPr anchor="ctr" bIns="0" lIns="0" rIns="0" tIns="0" wrap="none"/>
           <a:p>
+            <a:pPr algn="ctr"/>
             <a:endParaRPr/>
           </a:p>
         </p:txBody>
@@ -2044,7 +2064,7 @@
         <p:spPr>
           <a:xfrm>
             <a:off x="457200" y="273600"/>
-            <a:ext cx="8229240" cy="1145160"/>
+            <a:ext cx="8228880" cy="1145160"/>
           </a:xfrm>
           <a:prstGeom prst="rect">
             <a:avLst/>
@@ -2053,6 +2073,7 @@
         <p:txBody>
           <a:bodyPr anchor="ctr" bIns="0" lIns="0" rIns="0" tIns="0" wrap="none"/>
           <a:p>
+            <a:pPr algn="ctr"/>
             <a:endParaRPr/>
           </a:p>
         </p:txBody>
@@ -2070,7 +2091,7 @@
         <p:spPr>
           <a:xfrm>
             <a:off x="457200" y="1604520"/>
-            <a:ext cx="8229240" cy="3977280"/>
+            <a:ext cx="8228880" cy="3976920"/>
           </a:xfrm>
           <a:prstGeom prst="rect">
             <a:avLst/>
@@ -2118,7 +2139,7 @@
         <p:spPr>
           <a:xfrm>
             <a:off x="457200" y="273600"/>
-            <a:ext cx="8229240" cy="5308200"/>
+            <a:ext cx="8228880" cy="5307840"/>
           </a:xfrm>
           <a:prstGeom prst="rect">
             <a:avLst/>
@@ -2167,7 +2188,7 @@
         <p:spPr>
           <a:xfrm>
             <a:off x="457200" y="273600"/>
-            <a:ext cx="8229240" cy="1145160"/>
+            <a:ext cx="8228880" cy="1145160"/>
           </a:xfrm>
           <a:prstGeom prst="rect">
             <a:avLst/>
@@ -2176,6 +2197,7 @@
         <p:txBody>
           <a:bodyPr anchor="ctr" bIns="0" lIns="0" rIns="0" tIns="0" wrap="none"/>
           <a:p>
+            <a:pPr algn="ctr"/>
             <a:endParaRPr/>
           </a:p>
         </p:txBody>
@@ -2193,7 +2215,7 @@
         <p:spPr>
           <a:xfrm>
             <a:off x="457200" y="1604520"/>
-            <a:ext cx="4015440" cy="1896840"/>
+            <a:ext cx="4015440" cy="1896480"/>
           </a:xfrm>
           <a:prstGeom prst="rect">
             <a:avLst/>
@@ -2218,8 +2240,8 @@
         </p:nvSpPr>
         <p:spPr>
           <a:xfrm>
-            <a:off x="457200" y="3681720"/>
-            <a:ext cx="4015440" cy="1896840"/>
+            <a:off x="457200" y="3681360"/>
+            <a:ext cx="4015440" cy="1896480"/>
           </a:xfrm>
           <a:prstGeom prst="rect">
             <a:avLst/>
@@ -2245,7 +2267,7 @@
         <p:spPr>
           <a:xfrm>
             <a:off x="4673520" y="1604520"/>
-            <a:ext cx="4015440" cy="3977280"/>
+            <a:ext cx="4015440" cy="3976920"/>
           </a:xfrm>
           <a:prstGeom prst="rect">
             <a:avLst/>
@@ -2293,7 +2315,7 @@
         <p:spPr>
           <a:xfrm>
             <a:off x="457200" y="273600"/>
-            <a:ext cx="8229240" cy="1145160"/>
+            <a:ext cx="8228880" cy="1145160"/>
           </a:xfrm>
           <a:prstGeom prst="rect">
             <a:avLst/>
@@ -2302,6 +2324,7 @@
         <p:txBody>
           <a:bodyPr anchor="ctr" bIns="0" lIns="0" rIns="0" tIns="0" wrap="none"/>
           <a:p>
+            <a:pPr algn="ctr"/>
             <a:endParaRPr/>
           </a:p>
         </p:txBody>
@@ -2319,7 +2342,7 @@
         <p:spPr>
           <a:xfrm>
             <a:off x="457200" y="1604520"/>
-            <a:ext cx="4015440" cy="3977280"/>
+            <a:ext cx="4015440" cy="3976920"/>
           </a:xfrm>
           <a:prstGeom prst="rect">
             <a:avLst/>
@@ -2345,7 +2368,7 @@
         <p:spPr>
           <a:xfrm>
             <a:off x="4673520" y="1604520"/>
-            <a:ext cx="4015440" cy="1896840"/>
+            <a:ext cx="4015440" cy="1896480"/>
           </a:xfrm>
           <a:prstGeom prst="rect">
             <a:avLst/>
@@ -2370,8 +2393,8 @@
         </p:nvSpPr>
         <p:spPr>
           <a:xfrm>
-            <a:off x="4673520" y="3681720"/>
-            <a:ext cx="4015440" cy="1896840"/>
+            <a:off x="4673520" y="3681360"/>
+            <a:ext cx="4015440" cy="1896480"/>
           </a:xfrm>
           <a:prstGeom prst="rect">
             <a:avLst/>
@@ -2419,7 +2442,7 @@
         <p:spPr>
           <a:xfrm>
             <a:off x="457200" y="273600"/>
-            <a:ext cx="8229240" cy="1145160"/>
+            <a:ext cx="8228880" cy="1145160"/>
           </a:xfrm>
           <a:prstGeom prst="rect">
             <a:avLst/>
@@ -2428,6 +2451,7 @@
         <p:txBody>
           <a:bodyPr anchor="ctr" bIns="0" lIns="0" rIns="0" tIns="0" wrap="none"/>
           <a:p>
+            <a:pPr algn="ctr"/>
             <a:endParaRPr/>
           </a:p>
         </p:txBody>
@@ -2445,7 +2469,7 @@
         <p:spPr>
           <a:xfrm>
             <a:off x="457200" y="1604520"/>
-            <a:ext cx="4015440" cy="1896840"/>
+            <a:ext cx="4015440" cy="1896480"/>
           </a:xfrm>
           <a:prstGeom prst="rect">
             <a:avLst/>
@@ -2471,7 +2495,7 @@
         <p:spPr>
           <a:xfrm>
             <a:off x="4673520" y="1604520"/>
-            <a:ext cx="4015440" cy="1896840"/>
+            <a:ext cx="4015440" cy="1896480"/>
           </a:xfrm>
           <a:prstGeom prst="rect">
             <a:avLst/>
@@ -2496,8 +2520,8 @@
         </p:nvSpPr>
         <p:spPr>
           <a:xfrm>
-            <a:off x="457200" y="3681720"/>
-            <a:ext cx="8228520" cy="1896840"/>
+            <a:off x="457200" y="3681360"/>
+            <a:ext cx="8228520" cy="1896480"/>
           </a:xfrm>
           <a:prstGeom prst="rect">
             <a:avLst/>
@@ -2545,7 +2569,7 @@
         <p:spPr>
           <a:xfrm>
             <a:off x="457200" y="273600"/>
-            <a:ext cx="8229240" cy="1145160"/>
+            <a:ext cx="8228880" cy="1145160"/>
           </a:xfrm>
           <a:prstGeom prst="rect">
             <a:avLst/>
@@ -2554,6 +2578,7 @@
         <p:txBody>
           <a:bodyPr anchor="ctr" bIns="0" lIns="0" rIns="0" tIns="0" wrap="none"/>
           <a:p>
+            <a:pPr algn="ctr"/>
             <a:endParaRPr/>
           </a:p>
         </p:txBody>
@@ -2571,7 +2596,7 @@
         <p:spPr>
           <a:xfrm>
             <a:off x="457200" y="1604520"/>
-            <a:ext cx="8229240" cy="1896840"/>
+            <a:ext cx="8228880" cy="1896480"/>
           </a:xfrm>
           <a:prstGeom prst="rect">
             <a:avLst/>
@@ -2596,8 +2621,8 @@
         </p:nvSpPr>
         <p:spPr>
           <a:xfrm>
-            <a:off x="457200" y="3681720"/>
-            <a:ext cx="8229240" cy="1896840"/>
+            <a:off x="457200" y="3681360"/>
+            <a:ext cx="8228880" cy="1896480"/>
           </a:xfrm>
           <a:prstGeom prst="rect">
             <a:avLst/>
@@ -2645,7 +2670,7 @@
         <p:spPr>
           <a:xfrm>
             <a:off x="457200" y="273600"/>
-            <a:ext cx="8229240" cy="1145160"/>
+            <a:ext cx="8228880" cy="1145160"/>
           </a:xfrm>
           <a:prstGeom prst="rect">
             <a:avLst/>
@@ -2654,6 +2679,7 @@
         <p:txBody>
           <a:bodyPr anchor="ctr" bIns="0" lIns="0" rIns="0" tIns="0" wrap="none"/>
           <a:p>
+            <a:pPr algn="ctr"/>
             <a:endParaRPr/>
           </a:p>
         </p:txBody>
@@ -2671,7 +2697,7 @@
         <p:spPr>
           <a:xfrm>
             <a:off x="457200" y="1604520"/>
-            <a:ext cx="4015440" cy="1896840"/>
+            <a:ext cx="4015440" cy="1896480"/>
           </a:xfrm>
           <a:prstGeom prst="rect">
             <a:avLst/>
@@ -2697,7 +2723,7 @@
         <p:spPr>
           <a:xfrm>
             <a:off x="4673520" y="1604520"/>
-            <a:ext cx="4015440" cy="1896840"/>
+            <a:ext cx="4015440" cy="1896480"/>
           </a:xfrm>
           <a:prstGeom prst="rect">
             <a:avLst/>
@@ -2722,8 +2748,8 @@
         </p:nvSpPr>
         <p:spPr>
           <a:xfrm>
-            <a:off x="4673520" y="3681720"/>
-            <a:ext cx="4015440" cy="1896840"/>
+            <a:off x="4673520" y="3681360"/>
+            <a:ext cx="4015440" cy="1896480"/>
           </a:xfrm>
           <a:prstGeom prst="rect">
             <a:avLst/>
@@ -2748,8 +2774,8 @@
         </p:nvSpPr>
         <p:spPr>
           <a:xfrm>
-            <a:off x="457200" y="3681720"/>
-            <a:ext cx="4015440" cy="1896840"/>
+            <a:off x="457200" y="3681360"/>
+            <a:ext cx="4015440" cy="1896480"/>
           </a:xfrm>
           <a:prstGeom prst="rect">
             <a:avLst/>
@@ -2797,7 +2823,7 @@
         <p:spPr>
           <a:xfrm>
             <a:off x="457200" y="273600"/>
-            <a:ext cx="8229240" cy="1145160"/>
+            <a:ext cx="8228880" cy="1145160"/>
           </a:xfrm>
           <a:prstGeom prst="rect">
             <a:avLst/>
@@ -2806,6 +2832,7 @@
         <p:txBody>
           <a:bodyPr anchor="ctr" bIns="0" lIns="0" rIns="0" tIns="0" wrap="none"/>
           <a:p>
+            <a:pPr algn="ctr"/>
             <a:endParaRPr/>
           </a:p>
         </p:txBody>
@@ -2823,7 +2850,7 @@
         <p:spPr>
           <a:xfrm>
             <a:off x="457200" y="1604520"/>
-            <a:ext cx="4015440" cy="1896840"/>
+            <a:ext cx="4015440" cy="1896480"/>
           </a:xfrm>
           <a:prstGeom prst="rect">
             <a:avLst/>
@@ -2849,7 +2876,7 @@
         <p:spPr>
           <a:xfrm>
             <a:off x="4673520" y="1604520"/>
-            <a:ext cx="4015440" cy="1896840"/>
+            <a:ext cx="4015440" cy="1896480"/>
           </a:xfrm>
           <a:prstGeom prst="rect">
             <a:avLst/>
@@ -2876,8 +2903,8 @@
         </p:blipFill>
         <p:spPr>
           <a:xfrm>
-            <a:off x="5492520" y="3681360"/>
-            <a:ext cx="2377440" cy="1896840"/>
+            <a:off x="5492880" y="3681360"/>
+            <a:ext cx="2376720" cy="1896480"/>
           </a:xfrm>
           <a:prstGeom prst="rect">
             <a:avLst/>
@@ -2901,8 +2928,8 @@
         </p:blipFill>
         <p:spPr>
           <a:xfrm>
-            <a:off x="1276200" y="3681360"/>
-            <a:ext cx="2377440" cy="1896840"/>
+            <a:off x="1276560" y="3681360"/>
+            <a:ext cx="2376720" cy="1896480"/>
           </a:xfrm>
           <a:prstGeom prst="rect">
             <a:avLst/>
@@ -2912,6 +2939,179 @@
           </a:ln>
         </p:spPr>
       </p:pic>
+    </p:spTree>
+  </p:cSld>
+</p:sldLayout>
+</file>
+
+<file path=ppt/slideLayouts/slideLayout37.xml><?xml version="1.0" encoding="utf-8"?>
+<p:sldLayout xmlns:a="http://schemas.openxmlformats.org/drawingml/2006/main" xmlns:p="http://schemas.openxmlformats.org/presentationml/2006/main" xmlns:r="http://schemas.openxmlformats.org/officeDocument/2006/relationships" preserve="1" type="blank">
+  <p:cSld name="Blank Slide">
+    <p:spTree>
+      <p:nvGrpSpPr>
+        <p:cNvPr id="1" name=""/>
+        <p:cNvGrpSpPr/>
+        <p:nvPr/>
+      </p:nvGrpSpPr>
+      <p:grpSpPr>
+        <a:xfrm>
+          <a:off x="0" y="0"/>
+          <a:ext cx="0" cy="0"/>
+          <a:chOff x="0" y="0"/>
+          <a:chExt cx="0" cy="0"/>
+        </a:xfrm>
+      </p:grpSpPr>
+    </p:spTree>
+  </p:cSld>
+</p:sldLayout>
+</file>
+
+<file path=ppt/slideLayouts/slideLayout38.xml><?xml version="1.0" encoding="utf-8"?>
+<p:sldLayout xmlns:a="http://schemas.openxmlformats.org/drawingml/2006/main" xmlns:p="http://schemas.openxmlformats.org/presentationml/2006/main" xmlns:r="http://schemas.openxmlformats.org/officeDocument/2006/relationships" preserve="1" type="tx">
+  <p:cSld name="Title Slide">
+    <p:spTree>
+      <p:nvGrpSpPr>
+        <p:cNvPr id="1" name=""/>
+        <p:cNvGrpSpPr/>
+        <p:nvPr/>
+      </p:nvGrpSpPr>
+      <p:grpSpPr>
+        <a:xfrm>
+          <a:off x="0" y="0"/>
+          <a:ext cx="0" cy="0"/>
+          <a:chOff x="0" y="0"/>
+          <a:chExt cx="0" cy="0"/>
+        </a:xfrm>
+      </p:grpSpPr>
+      <p:sp>
+        <p:nvSpPr>
+          <p:cNvPr id="114" name="PlaceHolder 1"/>
+          <p:cNvSpPr>
+            <a:spLocks noGrp="1"/>
+          </p:cNvSpPr>
+          <p:nvPr>
+            <p:ph type="title"/>
+          </p:nvPr>
+        </p:nvSpPr>
+        <p:spPr>
+          <a:xfrm>
+            <a:off x="457200" y="273600"/>
+            <a:ext cx="8228880" cy="1145160"/>
+          </a:xfrm>
+          <a:prstGeom prst="rect">
+            <a:avLst/>
+          </a:prstGeom>
+        </p:spPr>
+        <p:txBody>
+          <a:bodyPr anchor="ctr" bIns="0" lIns="0" rIns="0" tIns="0" wrap="none"/>
+          <a:p>
+            <a:pPr algn="ctr"/>
+            <a:endParaRPr/>
+          </a:p>
+        </p:txBody>
+      </p:sp>
+      <p:sp>
+        <p:nvSpPr>
+          <p:cNvPr id="115" name="PlaceHolder 2"/>
+          <p:cNvSpPr>
+            <a:spLocks noGrp="1"/>
+          </p:cNvSpPr>
+          <p:nvPr>
+            <p:ph type="subTitle"/>
+          </p:nvPr>
+        </p:nvSpPr>
+        <p:spPr>
+          <a:xfrm>
+            <a:off x="457200" y="1604520"/>
+            <a:ext cx="8228880" cy="3977280"/>
+          </a:xfrm>
+          <a:prstGeom prst="rect">
+            <a:avLst/>
+          </a:prstGeom>
+        </p:spPr>
+        <p:txBody>
+          <a:bodyPr anchor="ctr" bIns="0" lIns="0" rIns="0" tIns="0" wrap="none"/>
+          <a:p>
+            <a:pPr algn="ctr"/>
+            <a:endParaRPr/>
+          </a:p>
+        </p:txBody>
+      </p:sp>
+    </p:spTree>
+  </p:cSld>
+</p:sldLayout>
+</file>
+
+<file path=ppt/slideLayouts/slideLayout39.xml><?xml version="1.0" encoding="utf-8"?>
+<p:sldLayout xmlns:a="http://schemas.openxmlformats.org/drawingml/2006/main" xmlns:p="http://schemas.openxmlformats.org/presentationml/2006/main" xmlns:r="http://schemas.openxmlformats.org/officeDocument/2006/relationships" preserve="1" type="obj">
+  <p:cSld name="Title, Content">
+    <p:spTree>
+      <p:nvGrpSpPr>
+        <p:cNvPr id="1" name=""/>
+        <p:cNvGrpSpPr/>
+        <p:nvPr/>
+      </p:nvGrpSpPr>
+      <p:grpSpPr>
+        <a:xfrm>
+          <a:off x="0" y="0"/>
+          <a:ext cx="0" cy="0"/>
+          <a:chOff x="0" y="0"/>
+          <a:chExt cx="0" cy="0"/>
+        </a:xfrm>
+      </p:grpSpPr>
+      <p:sp>
+        <p:nvSpPr>
+          <p:cNvPr id="116" name="PlaceHolder 1"/>
+          <p:cNvSpPr>
+            <a:spLocks noGrp="1"/>
+          </p:cNvSpPr>
+          <p:nvPr>
+            <p:ph type="title"/>
+          </p:nvPr>
+        </p:nvSpPr>
+        <p:spPr>
+          <a:xfrm>
+            <a:off x="457200" y="273600"/>
+            <a:ext cx="8228880" cy="1145160"/>
+          </a:xfrm>
+          <a:prstGeom prst="rect">
+            <a:avLst/>
+          </a:prstGeom>
+        </p:spPr>
+        <p:txBody>
+          <a:bodyPr anchor="ctr" bIns="0" lIns="0" rIns="0" tIns="0" wrap="none"/>
+          <a:p>
+            <a:pPr algn="ctr"/>
+            <a:endParaRPr/>
+          </a:p>
+        </p:txBody>
+      </p:sp>
+      <p:sp>
+        <p:nvSpPr>
+          <p:cNvPr id="117" name="PlaceHolder 2"/>
+          <p:cNvSpPr>
+            <a:spLocks noGrp="1"/>
+          </p:cNvSpPr>
+          <p:nvPr>
+            <p:ph type="body"/>
+          </p:nvPr>
+        </p:nvSpPr>
+        <p:spPr>
+          <a:xfrm>
+            <a:off x="457200" y="1604520"/>
+            <a:ext cx="8228880" cy="3976920"/>
+          </a:xfrm>
+          <a:prstGeom prst="rect">
+            <a:avLst/>
+          </a:prstGeom>
+        </p:spPr>
+        <p:txBody>
+          <a:bodyPr bIns="0" lIns="0" rIns="0" tIns="0" wrap="none"/>
+          <a:p>
+            <a:endParaRPr/>
+          </a:p>
+        </p:txBody>
+      </p:sp>
     </p:spTree>
   </p:cSld>
 </p:sldLayout>
@@ -2947,7 +3147,7 @@
         <p:spPr>
           <a:xfrm>
             <a:off x="457200" y="273600"/>
-            <a:ext cx="8229240" cy="1145160"/>
+            <a:ext cx="8228880" cy="1145160"/>
           </a:xfrm>
           <a:prstGeom prst="rect">
             <a:avLst/>
@@ -2956,6 +3156,7 @@
         <p:txBody>
           <a:bodyPr anchor="ctr" bIns="0" lIns="0" rIns="0" tIns="0" wrap="none"/>
           <a:p>
+            <a:pPr algn="ctr"/>
             <a:endParaRPr/>
           </a:p>
         </p:txBody>
@@ -2973,7 +3174,7 @@
         <p:spPr>
           <a:xfrm>
             <a:off x="457200" y="1604520"/>
-            <a:ext cx="4015440" cy="3977280"/>
+            <a:ext cx="4015440" cy="3976920"/>
           </a:xfrm>
           <a:prstGeom prst="rect">
             <a:avLst/>
@@ -2999,7 +3200,7 @@
         <p:spPr>
           <a:xfrm>
             <a:off x="4673520" y="1604520"/>
-            <a:ext cx="4015440" cy="3977280"/>
+            <a:ext cx="4015440" cy="3976920"/>
           </a:xfrm>
           <a:prstGeom prst="rect">
             <a:avLst/>
@@ -3012,6 +3213,1013 @@
           </a:p>
         </p:txBody>
       </p:sp>
+    </p:spTree>
+  </p:cSld>
+</p:sldLayout>
+</file>
+
+<file path=ppt/slideLayouts/slideLayout40.xml><?xml version="1.0" encoding="utf-8"?>
+<p:sldLayout xmlns:a="http://schemas.openxmlformats.org/drawingml/2006/main" xmlns:p="http://schemas.openxmlformats.org/presentationml/2006/main" xmlns:r="http://schemas.openxmlformats.org/officeDocument/2006/relationships" preserve="1" type="twoObj">
+  <p:cSld name="Title, 2 Content">
+    <p:spTree>
+      <p:nvGrpSpPr>
+        <p:cNvPr id="1" name=""/>
+        <p:cNvGrpSpPr/>
+        <p:nvPr/>
+      </p:nvGrpSpPr>
+      <p:grpSpPr>
+        <a:xfrm>
+          <a:off x="0" y="0"/>
+          <a:ext cx="0" cy="0"/>
+          <a:chOff x="0" y="0"/>
+          <a:chExt cx="0" cy="0"/>
+        </a:xfrm>
+      </p:grpSpPr>
+      <p:sp>
+        <p:nvSpPr>
+          <p:cNvPr id="118" name="PlaceHolder 1"/>
+          <p:cNvSpPr>
+            <a:spLocks noGrp="1"/>
+          </p:cNvSpPr>
+          <p:nvPr>
+            <p:ph type="title"/>
+          </p:nvPr>
+        </p:nvSpPr>
+        <p:spPr>
+          <a:xfrm>
+            <a:off x="457200" y="273600"/>
+            <a:ext cx="8228880" cy="1145160"/>
+          </a:xfrm>
+          <a:prstGeom prst="rect">
+            <a:avLst/>
+          </a:prstGeom>
+        </p:spPr>
+        <p:txBody>
+          <a:bodyPr anchor="ctr" bIns="0" lIns="0" rIns="0" tIns="0" wrap="none"/>
+          <a:p>
+            <a:pPr algn="ctr"/>
+            <a:endParaRPr/>
+          </a:p>
+        </p:txBody>
+      </p:sp>
+      <p:sp>
+        <p:nvSpPr>
+          <p:cNvPr id="119" name="PlaceHolder 2"/>
+          <p:cNvSpPr>
+            <a:spLocks noGrp="1"/>
+          </p:cNvSpPr>
+          <p:nvPr>
+            <p:ph type="body"/>
+          </p:nvPr>
+        </p:nvSpPr>
+        <p:spPr>
+          <a:xfrm>
+            <a:off x="457200" y="1604520"/>
+            <a:ext cx="4015440" cy="3976920"/>
+          </a:xfrm>
+          <a:prstGeom prst="rect">
+            <a:avLst/>
+          </a:prstGeom>
+        </p:spPr>
+        <p:txBody>
+          <a:bodyPr bIns="0" lIns="0" rIns="0" tIns="0" wrap="none"/>
+          <a:p>
+            <a:endParaRPr/>
+          </a:p>
+        </p:txBody>
+      </p:sp>
+      <p:sp>
+        <p:nvSpPr>
+          <p:cNvPr id="120" name="PlaceHolder 3"/>
+          <p:cNvSpPr>
+            <a:spLocks noGrp="1"/>
+          </p:cNvSpPr>
+          <p:nvPr>
+            <p:ph type="body"/>
+          </p:nvPr>
+        </p:nvSpPr>
+        <p:spPr>
+          <a:xfrm>
+            <a:off x="4673520" y="1604520"/>
+            <a:ext cx="4015440" cy="3976920"/>
+          </a:xfrm>
+          <a:prstGeom prst="rect">
+            <a:avLst/>
+          </a:prstGeom>
+        </p:spPr>
+        <p:txBody>
+          <a:bodyPr bIns="0" lIns="0" rIns="0" tIns="0" wrap="none"/>
+          <a:p>
+            <a:endParaRPr/>
+          </a:p>
+        </p:txBody>
+      </p:sp>
+    </p:spTree>
+  </p:cSld>
+</p:sldLayout>
+</file>
+
+<file path=ppt/slideLayouts/slideLayout41.xml><?xml version="1.0" encoding="utf-8"?>
+<p:sldLayout xmlns:a="http://schemas.openxmlformats.org/drawingml/2006/main" xmlns:p="http://schemas.openxmlformats.org/presentationml/2006/main" xmlns:r="http://schemas.openxmlformats.org/officeDocument/2006/relationships" preserve="1" type="titleOnly">
+  <p:cSld name="Title Only">
+    <p:spTree>
+      <p:nvGrpSpPr>
+        <p:cNvPr id="1" name=""/>
+        <p:cNvGrpSpPr/>
+        <p:nvPr/>
+      </p:nvGrpSpPr>
+      <p:grpSpPr>
+        <a:xfrm>
+          <a:off x="0" y="0"/>
+          <a:ext cx="0" cy="0"/>
+          <a:chOff x="0" y="0"/>
+          <a:chExt cx="0" cy="0"/>
+        </a:xfrm>
+      </p:grpSpPr>
+      <p:sp>
+        <p:nvSpPr>
+          <p:cNvPr id="121" name="PlaceHolder 1"/>
+          <p:cNvSpPr>
+            <a:spLocks noGrp="1"/>
+          </p:cNvSpPr>
+          <p:nvPr>
+            <p:ph type="title"/>
+          </p:nvPr>
+        </p:nvSpPr>
+        <p:spPr>
+          <a:xfrm>
+            <a:off x="457200" y="273600"/>
+            <a:ext cx="8228880" cy="1145160"/>
+          </a:xfrm>
+          <a:prstGeom prst="rect">
+            <a:avLst/>
+          </a:prstGeom>
+        </p:spPr>
+        <p:txBody>
+          <a:bodyPr anchor="ctr" bIns="0" lIns="0" rIns="0" tIns="0" wrap="none"/>
+          <a:p>
+            <a:pPr algn="ctr"/>
+            <a:endParaRPr/>
+          </a:p>
+        </p:txBody>
+      </p:sp>
+    </p:spTree>
+  </p:cSld>
+</p:sldLayout>
+</file>
+
+<file path=ppt/slideLayouts/slideLayout42.xml><?xml version="1.0" encoding="utf-8"?>
+<p:sldLayout xmlns:a="http://schemas.openxmlformats.org/drawingml/2006/main" xmlns:p="http://schemas.openxmlformats.org/presentationml/2006/main" xmlns:r="http://schemas.openxmlformats.org/officeDocument/2006/relationships" preserve="1" type="objOnly">
+  <p:cSld name="Centered Text">
+    <p:spTree>
+      <p:nvGrpSpPr>
+        <p:cNvPr id="1" name=""/>
+        <p:cNvGrpSpPr/>
+        <p:nvPr/>
+      </p:nvGrpSpPr>
+      <p:grpSpPr>
+        <a:xfrm>
+          <a:off x="0" y="0"/>
+          <a:ext cx="0" cy="0"/>
+          <a:chOff x="0" y="0"/>
+          <a:chExt cx="0" cy="0"/>
+        </a:xfrm>
+      </p:grpSpPr>
+      <p:sp>
+        <p:nvSpPr>
+          <p:cNvPr id="122" name="PlaceHolder 1"/>
+          <p:cNvSpPr>
+            <a:spLocks noGrp="1"/>
+          </p:cNvSpPr>
+          <p:nvPr>
+            <p:ph type="subTitle"/>
+          </p:nvPr>
+        </p:nvSpPr>
+        <p:spPr>
+          <a:xfrm>
+            <a:off x="457200" y="273600"/>
+            <a:ext cx="8228880" cy="5307840"/>
+          </a:xfrm>
+          <a:prstGeom prst="rect">
+            <a:avLst/>
+          </a:prstGeom>
+        </p:spPr>
+        <p:txBody>
+          <a:bodyPr anchor="ctr" bIns="0" lIns="0" rIns="0" tIns="0" wrap="none"/>
+          <a:p>
+            <a:pPr algn="ctr"/>
+            <a:endParaRPr/>
+          </a:p>
+        </p:txBody>
+      </p:sp>
+    </p:spTree>
+  </p:cSld>
+</p:sldLayout>
+</file>
+
+<file path=ppt/slideLayouts/slideLayout43.xml><?xml version="1.0" encoding="utf-8"?>
+<p:sldLayout xmlns:a="http://schemas.openxmlformats.org/drawingml/2006/main" xmlns:p="http://schemas.openxmlformats.org/presentationml/2006/main" xmlns:r="http://schemas.openxmlformats.org/officeDocument/2006/relationships" preserve="1" type="twoObjAndObj">
+  <p:cSld name="Title, 2 Content and Content">
+    <p:spTree>
+      <p:nvGrpSpPr>
+        <p:cNvPr id="1" name=""/>
+        <p:cNvGrpSpPr/>
+        <p:nvPr/>
+      </p:nvGrpSpPr>
+      <p:grpSpPr>
+        <a:xfrm>
+          <a:off x="0" y="0"/>
+          <a:ext cx="0" cy="0"/>
+          <a:chOff x="0" y="0"/>
+          <a:chExt cx="0" cy="0"/>
+        </a:xfrm>
+      </p:grpSpPr>
+      <p:sp>
+        <p:nvSpPr>
+          <p:cNvPr id="123" name="PlaceHolder 1"/>
+          <p:cNvSpPr>
+            <a:spLocks noGrp="1"/>
+          </p:cNvSpPr>
+          <p:nvPr>
+            <p:ph type="title"/>
+          </p:nvPr>
+        </p:nvSpPr>
+        <p:spPr>
+          <a:xfrm>
+            <a:off x="457200" y="273600"/>
+            <a:ext cx="8228880" cy="1145160"/>
+          </a:xfrm>
+          <a:prstGeom prst="rect">
+            <a:avLst/>
+          </a:prstGeom>
+        </p:spPr>
+        <p:txBody>
+          <a:bodyPr anchor="ctr" bIns="0" lIns="0" rIns="0" tIns="0" wrap="none"/>
+          <a:p>
+            <a:pPr algn="ctr"/>
+            <a:endParaRPr/>
+          </a:p>
+        </p:txBody>
+      </p:sp>
+      <p:sp>
+        <p:nvSpPr>
+          <p:cNvPr id="124" name="PlaceHolder 2"/>
+          <p:cNvSpPr>
+            <a:spLocks noGrp="1"/>
+          </p:cNvSpPr>
+          <p:nvPr>
+            <p:ph type="body"/>
+          </p:nvPr>
+        </p:nvSpPr>
+        <p:spPr>
+          <a:xfrm>
+            <a:off x="457200" y="1604520"/>
+            <a:ext cx="4015440" cy="1896480"/>
+          </a:xfrm>
+          <a:prstGeom prst="rect">
+            <a:avLst/>
+          </a:prstGeom>
+        </p:spPr>
+        <p:txBody>
+          <a:bodyPr bIns="0" lIns="0" rIns="0" tIns="0" wrap="none"/>
+          <a:p>
+            <a:endParaRPr/>
+          </a:p>
+        </p:txBody>
+      </p:sp>
+      <p:sp>
+        <p:nvSpPr>
+          <p:cNvPr id="125" name="PlaceHolder 3"/>
+          <p:cNvSpPr>
+            <a:spLocks noGrp="1"/>
+          </p:cNvSpPr>
+          <p:nvPr>
+            <p:ph type="body"/>
+          </p:nvPr>
+        </p:nvSpPr>
+        <p:spPr>
+          <a:xfrm>
+            <a:off x="457200" y="3681360"/>
+            <a:ext cx="4015440" cy="1896480"/>
+          </a:xfrm>
+          <a:prstGeom prst="rect">
+            <a:avLst/>
+          </a:prstGeom>
+        </p:spPr>
+        <p:txBody>
+          <a:bodyPr bIns="0" lIns="0" rIns="0" tIns="0" wrap="none"/>
+          <a:p>
+            <a:endParaRPr/>
+          </a:p>
+        </p:txBody>
+      </p:sp>
+      <p:sp>
+        <p:nvSpPr>
+          <p:cNvPr id="126" name="PlaceHolder 4"/>
+          <p:cNvSpPr>
+            <a:spLocks noGrp="1"/>
+          </p:cNvSpPr>
+          <p:nvPr>
+            <p:ph type="body"/>
+          </p:nvPr>
+        </p:nvSpPr>
+        <p:spPr>
+          <a:xfrm>
+            <a:off x="4673520" y="1604520"/>
+            <a:ext cx="4015440" cy="3976920"/>
+          </a:xfrm>
+          <a:prstGeom prst="rect">
+            <a:avLst/>
+          </a:prstGeom>
+        </p:spPr>
+        <p:txBody>
+          <a:bodyPr bIns="0" lIns="0" rIns="0" tIns="0" wrap="none"/>
+          <a:p>
+            <a:endParaRPr/>
+          </a:p>
+        </p:txBody>
+      </p:sp>
+    </p:spTree>
+  </p:cSld>
+</p:sldLayout>
+</file>
+
+<file path=ppt/slideLayouts/slideLayout44.xml><?xml version="1.0" encoding="utf-8"?>
+<p:sldLayout xmlns:a="http://schemas.openxmlformats.org/drawingml/2006/main" xmlns:p="http://schemas.openxmlformats.org/presentationml/2006/main" xmlns:r="http://schemas.openxmlformats.org/officeDocument/2006/relationships" preserve="1" type="objAndTwoObj">
+  <p:cSld name="Title Content and 2 Content">
+    <p:spTree>
+      <p:nvGrpSpPr>
+        <p:cNvPr id="1" name=""/>
+        <p:cNvGrpSpPr/>
+        <p:nvPr/>
+      </p:nvGrpSpPr>
+      <p:grpSpPr>
+        <a:xfrm>
+          <a:off x="0" y="0"/>
+          <a:ext cx="0" cy="0"/>
+          <a:chOff x="0" y="0"/>
+          <a:chExt cx="0" cy="0"/>
+        </a:xfrm>
+      </p:grpSpPr>
+      <p:sp>
+        <p:nvSpPr>
+          <p:cNvPr id="127" name="PlaceHolder 1"/>
+          <p:cNvSpPr>
+            <a:spLocks noGrp="1"/>
+          </p:cNvSpPr>
+          <p:nvPr>
+            <p:ph type="title"/>
+          </p:nvPr>
+        </p:nvSpPr>
+        <p:spPr>
+          <a:xfrm>
+            <a:off x="457200" y="273600"/>
+            <a:ext cx="8228880" cy="1145160"/>
+          </a:xfrm>
+          <a:prstGeom prst="rect">
+            <a:avLst/>
+          </a:prstGeom>
+        </p:spPr>
+        <p:txBody>
+          <a:bodyPr anchor="ctr" bIns="0" lIns="0" rIns="0" tIns="0" wrap="none"/>
+          <a:p>
+            <a:pPr algn="ctr"/>
+            <a:endParaRPr/>
+          </a:p>
+        </p:txBody>
+      </p:sp>
+      <p:sp>
+        <p:nvSpPr>
+          <p:cNvPr id="128" name="PlaceHolder 2"/>
+          <p:cNvSpPr>
+            <a:spLocks noGrp="1"/>
+          </p:cNvSpPr>
+          <p:nvPr>
+            <p:ph type="body"/>
+          </p:nvPr>
+        </p:nvSpPr>
+        <p:spPr>
+          <a:xfrm>
+            <a:off x="457200" y="1604520"/>
+            <a:ext cx="4015440" cy="3976920"/>
+          </a:xfrm>
+          <a:prstGeom prst="rect">
+            <a:avLst/>
+          </a:prstGeom>
+        </p:spPr>
+        <p:txBody>
+          <a:bodyPr bIns="0" lIns="0" rIns="0" tIns="0" wrap="none"/>
+          <a:p>
+            <a:endParaRPr/>
+          </a:p>
+        </p:txBody>
+      </p:sp>
+      <p:sp>
+        <p:nvSpPr>
+          <p:cNvPr id="129" name="PlaceHolder 3"/>
+          <p:cNvSpPr>
+            <a:spLocks noGrp="1"/>
+          </p:cNvSpPr>
+          <p:nvPr>
+            <p:ph type="body"/>
+          </p:nvPr>
+        </p:nvSpPr>
+        <p:spPr>
+          <a:xfrm>
+            <a:off x="4673520" y="1604520"/>
+            <a:ext cx="4015440" cy="1896480"/>
+          </a:xfrm>
+          <a:prstGeom prst="rect">
+            <a:avLst/>
+          </a:prstGeom>
+        </p:spPr>
+        <p:txBody>
+          <a:bodyPr bIns="0" lIns="0" rIns="0" tIns="0" wrap="none"/>
+          <a:p>
+            <a:endParaRPr/>
+          </a:p>
+        </p:txBody>
+      </p:sp>
+      <p:sp>
+        <p:nvSpPr>
+          <p:cNvPr id="130" name="PlaceHolder 4"/>
+          <p:cNvSpPr>
+            <a:spLocks noGrp="1"/>
+          </p:cNvSpPr>
+          <p:nvPr>
+            <p:ph type="body"/>
+          </p:nvPr>
+        </p:nvSpPr>
+        <p:spPr>
+          <a:xfrm>
+            <a:off x="4673520" y="3681360"/>
+            <a:ext cx="4015440" cy="1896480"/>
+          </a:xfrm>
+          <a:prstGeom prst="rect">
+            <a:avLst/>
+          </a:prstGeom>
+        </p:spPr>
+        <p:txBody>
+          <a:bodyPr bIns="0" lIns="0" rIns="0" tIns="0" wrap="none"/>
+          <a:p>
+            <a:endParaRPr/>
+          </a:p>
+        </p:txBody>
+      </p:sp>
+    </p:spTree>
+  </p:cSld>
+</p:sldLayout>
+</file>
+
+<file path=ppt/slideLayouts/slideLayout45.xml><?xml version="1.0" encoding="utf-8"?>
+<p:sldLayout xmlns:a="http://schemas.openxmlformats.org/drawingml/2006/main" xmlns:p="http://schemas.openxmlformats.org/presentationml/2006/main" xmlns:r="http://schemas.openxmlformats.org/officeDocument/2006/relationships" preserve="1" type="twoObjOverTx">
+  <p:cSld name="Title, 2 Content over Content">
+    <p:spTree>
+      <p:nvGrpSpPr>
+        <p:cNvPr id="1" name=""/>
+        <p:cNvGrpSpPr/>
+        <p:nvPr/>
+      </p:nvGrpSpPr>
+      <p:grpSpPr>
+        <a:xfrm>
+          <a:off x="0" y="0"/>
+          <a:ext cx="0" cy="0"/>
+          <a:chOff x="0" y="0"/>
+          <a:chExt cx="0" cy="0"/>
+        </a:xfrm>
+      </p:grpSpPr>
+      <p:sp>
+        <p:nvSpPr>
+          <p:cNvPr id="131" name="PlaceHolder 1"/>
+          <p:cNvSpPr>
+            <a:spLocks noGrp="1"/>
+          </p:cNvSpPr>
+          <p:nvPr>
+            <p:ph type="title"/>
+          </p:nvPr>
+        </p:nvSpPr>
+        <p:spPr>
+          <a:xfrm>
+            <a:off x="457200" y="273600"/>
+            <a:ext cx="8228880" cy="1145160"/>
+          </a:xfrm>
+          <a:prstGeom prst="rect">
+            <a:avLst/>
+          </a:prstGeom>
+        </p:spPr>
+        <p:txBody>
+          <a:bodyPr anchor="ctr" bIns="0" lIns="0" rIns="0" tIns="0" wrap="none"/>
+          <a:p>
+            <a:pPr algn="ctr"/>
+            <a:endParaRPr/>
+          </a:p>
+        </p:txBody>
+      </p:sp>
+      <p:sp>
+        <p:nvSpPr>
+          <p:cNvPr id="132" name="PlaceHolder 2"/>
+          <p:cNvSpPr>
+            <a:spLocks noGrp="1"/>
+          </p:cNvSpPr>
+          <p:nvPr>
+            <p:ph type="body"/>
+          </p:nvPr>
+        </p:nvSpPr>
+        <p:spPr>
+          <a:xfrm>
+            <a:off x="457200" y="1604520"/>
+            <a:ext cx="4015440" cy="1896480"/>
+          </a:xfrm>
+          <a:prstGeom prst="rect">
+            <a:avLst/>
+          </a:prstGeom>
+        </p:spPr>
+        <p:txBody>
+          <a:bodyPr bIns="0" lIns="0" rIns="0" tIns="0" wrap="none"/>
+          <a:p>
+            <a:endParaRPr/>
+          </a:p>
+        </p:txBody>
+      </p:sp>
+      <p:sp>
+        <p:nvSpPr>
+          <p:cNvPr id="133" name="PlaceHolder 3"/>
+          <p:cNvSpPr>
+            <a:spLocks noGrp="1"/>
+          </p:cNvSpPr>
+          <p:nvPr>
+            <p:ph type="body"/>
+          </p:nvPr>
+        </p:nvSpPr>
+        <p:spPr>
+          <a:xfrm>
+            <a:off x="4673520" y="1604520"/>
+            <a:ext cx="4015440" cy="1896480"/>
+          </a:xfrm>
+          <a:prstGeom prst="rect">
+            <a:avLst/>
+          </a:prstGeom>
+        </p:spPr>
+        <p:txBody>
+          <a:bodyPr bIns="0" lIns="0" rIns="0" tIns="0" wrap="none"/>
+          <a:p>
+            <a:endParaRPr/>
+          </a:p>
+        </p:txBody>
+      </p:sp>
+      <p:sp>
+        <p:nvSpPr>
+          <p:cNvPr id="134" name="PlaceHolder 4"/>
+          <p:cNvSpPr>
+            <a:spLocks noGrp="1"/>
+          </p:cNvSpPr>
+          <p:nvPr>
+            <p:ph type="body"/>
+          </p:nvPr>
+        </p:nvSpPr>
+        <p:spPr>
+          <a:xfrm>
+            <a:off x="457200" y="3681360"/>
+            <a:ext cx="8228520" cy="1896480"/>
+          </a:xfrm>
+          <a:prstGeom prst="rect">
+            <a:avLst/>
+          </a:prstGeom>
+        </p:spPr>
+        <p:txBody>
+          <a:bodyPr bIns="0" lIns="0" rIns="0" tIns="0" wrap="none"/>
+          <a:p>
+            <a:endParaRPr/>
+          </a:p>
+        </p:txBody>
+      </p:sp>
+    </p:spTree>
+  </p:cSld>
+</p:sldLayout>
+</file>
+
+<file path=ppt/slideLayouts/slideLayout46.xml><?xml version="1.0" encoding="utf-8"?>
+<p:sldLayout xmlns:a="http://schemas.openxmlformats.org/drawingml/2006/main" xmlns:p="http://schemas.openxmlformats.org/presentationml/2006/main" xmlns:r="http://schemas.openxmlformats.org/officeDocument/2006/relationships" preserve="1" type="objOverTx">
+  <p:cSld name="Title, Content over Content">
+    <p:spTree>
+      <p:nvGrpSpPr>
+        <p:cNvPr id="1" name=""/>
+        <p:cNvGrpSpPr/>
+        <p:nvPr/>
+      </p:nvGrpSpPr>
+      <p:grpSpPr>
+        <a:xfrm>
+          <a:off x="0" y="0"/>
+          <a:ext cx="0" cy="0"/>
+          <a:chOff x="0" y="0"/>
+          <a:chExt cx="0" cy="0"/>
+        </a:xfrm>
+      </p:grpSpPr>
+      <p:sp>
+        <p:nvSpPr>
+          <p:cNvPr id="135" name="PlaceHolder 1"/>
+          <p:cNvSpPr>
+            <a:spLocks noGrp="1"/>
+          </p:cNvSpPr>
+          <p:nvPr>
+            <p:ph type="title"/>
+          </p:nvPr>
+        </p:nvSpPr>
+        <p:spPr>
+          <a:xfrm>
+            <a:off x="457200" y="273600"/>
+            <a:ext cx="8228880" cy="1145160"/>
+          </a:xfrm>
+          <a:prstGeom prst="rect">
+            <a:avLst/>
+          </a:prstGeom>
+        </p:spPr>
+        <p:txBody>
+          <a:bodyPr anchor="ctr" bIns="0" lIns="0" rIns="0" tIns="0" wrap="none"/>
+          <a:p>
+            <a:pPr algn="ctr"/>
+            <a:endParaRPr/>
+          </a:p>
+        </p:txBody>
+      </p:sp>
+      <p:sp>
+        <p:nvSpPr>
+          <p:cNvPr id="136" name="PlaceHolder 2"/>
+          <p:cNvSpPr>
+            <a:spLocks noGrp="1"/>
+          </p:cNvSpPr>
+          <p:nvPr>
+            <p:ph type="body"/>
+          </p:nvPr>
+        </p:nvSpPr>
+        <p:spPr>
+          <a:xfrm>
+            <a:off x="457200" y="1604520"/>
+            <a:ext cx="8228880" cy="1896480"/>
+          </a:xfrm>
+          <a:prstGeom prst="rect">
+            <a:avLst/>
+          </a:prstGeom>
+        </p:spPr>
+        <p:txBody>
+          <a:bodyPr bIns="0" lIns="0" rIns="0" tIns="0" wrap="none"/>
+          <a:p>
+            <a:endParaRPr/>
+          </a:p>
+        </p:txBody>
+      </p:sp>
+      <p:sp>
+        <p:nvSpPr>
+          <p:cNvPr id="137" name="PlaceHolder 3"/>
+          <p:cNvSpPr>
+            <a:spLocks noGrp="1"/>
+          </p:cNvSpPr>
+          <p:nvPr>
+            <p:ph type="body"/>
+          </p:nvPr>
+        </p:nvSpPr>
+        <p:spPr>
+          <a:xfrm>
+            <a:off x="457200" y="3681360"/>
+            <a:ext cx="8228880" cy="1896480"/>
+          </a:xfrm>
+          <a:prstGeom prst="rect">
+            <a:avLst/>
+          </a:prstGeom>
+        </p:spPr>
+        <p:txBody>
+          <a:bodyPr bIns="0" lIns="0" rIns="0" tIns="0" wrap="none"/>
+          <a:p>
+            <a:endParaRPr/>
+          </a:p>
+        </p:txBody>
+      </p:sp>
+    </p:spTree>
+  </p:cSld>
+</p:sldLayout>
+</file>
+
+<file path=ppt/slideLayouts/slideLayout47.xml><?xml version="1.0" encoding="utf-8"?>
+<p:sldLayout xmlns:a="http://schemas.openxmlformats.org/drawingml/2006/main" xmlns:p="http://schemas.openxmlformats.org/presentationml/2006/main" xmlns:r="http://schemas.openxmlformats.org/officeDocument/2006/relationships" preserve="1" type="fourObj">
+  <p:cSld name="Title, 4 Content">
+    <p:spTree>
+      <p:nvGrpSpPr>
+        <p:cNvPr id="1" name=""/>
+        <p:cNvGrpSpPr/>
+        <p:nvPr/>
+      </p:nvGrpSpPr>
+      <p:grpSpPr>
+        <a:xfrm>
+          <a:off x="0" y="0"/>
+          <a:ext cx="0" cy="0"/>
+          <a:chOff x="0" y="0"/>
+          <a:chExt cx="0" cy="0"/>
+        </a:xfrm>
+      </p:grpSpPr>
+      <p:sp>
+        <p:nvSpPr>
+          <p:cNvPr id="138" name="PlaceHolder 1"/>
+          <p:cNvSpPr>
+            <a:spLocks noGrp="1"/>
+          </p:cNvSpPr>
+          <p:nvPr>
+            <p:ph type="title"/>
+          </p:nvPr>
+        </p:nvSpPr>
+        <p:spPr>
+          <a:xfrm>
+            <a:off x="457200" y="273600"/>
+            <a:ext cx="8228880" cy="1145160"/>
+          </a:xfrm>
+          <a:prstGeom prst="rect">
+            <a:avLst/>
+          </a:prstGeom>
+        </p:spPr>
+        <p:txBody>
+          <a:bodyPr anchor="ctr" bIns="0" lIns="0" rIns="0" tIns="0" wrap="none"/>
+          <a:p>
+            <a:pPr algn="ctr"/>
+            <a:endParaRPr/>
+          </a:p>
+        </p:txBody>
+      </p:sp>
+      <p:sp>
+        <p:nvSpPr>
+          <p:cNvPr id="139" name="PlaceHolder 2"/>
+          <p:cNvSpPr>
+            <a:spLocks noGrp="1"/>
+          </p:cNvSpPr>
+          <p:nvPr>
+            <p:ph type="body"/>
+          </p:nvPr>
+        </p:nvSpPr>
+        <p:spPr>
+          <a:xfrm>
+            <a:off x="457200" y="1604520"/>
+            <a:ext cx="4015440" cy="1896480"/>
+          </a:xfrm>
+          <a:prstGeom prst="rect">
+            <a:avLst/>
+          </a:prstGeom>
+        </p:spPr>
+        <p:txBody>
+          <a:bodyPr bIns="0" lIns="0" rIns="0" tIns="0" wrap="none"/>
+          <a:p>
+            <a:endParaRPr/>
+          </a:p>
+        </p:txBody>
+      </p:sp>
+      <p:sp>
+        <p:nvSpPr>
+          <p:cNvPr id="140" name="PlaceHolder 3"/>
+          <p:cNvSpPr>
+            <a:spLocks noGrp="1"/>
+          </p:cNvSpPr>
+          <p:nvPr>
+            <p:ph type="body"/>
+          </p:nvPr>
+        </p:nvSpPr>
+        <p:spPr>
+          <a:xfrm>
+            <a:off x="4673520" y="1604520"/>
+            <a:ext cx="4015440" cy="1896480"/>
+          </a:xfrm>
+          <a:prstGeom prst="rect">
+            <a:avLst/>
+          </a:prstGeom>
+        </p:spPr>
+        <p:txBody>
+          <a:bodyPr bIns="0" lIns="0" rIns="0" tIns="0" wrap="none"/>
+          <a:p>
+            <a:endParaRPr/>
+          </a:p>
+        </p:txBody>
+      </p:sp>
+      <p:sp>
+        <p:nvSpPr>
+          <p:cNvPr id="141" name="PlaceHolder 4"/>
+          <p:cNvSpPr>
+            <a:spLocks noGrp="1"/>
+          </p:cNvSpPr>
+          <p:nvPr>
+            <p:ph type="body"/>
+          </p:nvPr>
+        </p:nvSpPr>
+        <p:spPr>
+          <a:xfrm>
+            <a:off x="4673520" y="3681360"/>
+            <a:ext cx="4015440" cy="1896480"/>
+          </a:xfrm>
+          <a:prstGeom prst="rect">
+            <a:avLst/>
+          </a:prstGeom>
+        </p:spPr>
+        <p:txBody>
+          <a:bodyPr bIns="0" lIns="0" rIns="0" tIns="0" wrap="none"/>
+          <a:p>
+            <a:endParaRPr/>
+          </a:p>
+        </p:txBody>
+      </p:sp>
+      <p:sp>
+        <p:nvSpPr>
+          <p:cNvPr id="142" name="PlaceHolder 5"/>
+          <p:cNvSpPr>
+            <a:spLocks noGrp="1"/>
+          </p:cNvSpPr>
+          <p:nvPr>
+            <p:ph type="body"/>
+          </p:nvPr>
+        </p:nvSpPr>
+        <p:spPr>
+          <a:xfrm>
+            <a:off x="457200" y="3681360"/>
+            <a:ext cx="4015440" cy="1896480"/>
+          </a:xfrm>
+          <a:prstGeom prst="rect">
+            <a:avLst/>
+          </a:prstGeom>
+        </p:spPr>
+        <p:txBody>
+          <a:bodyPr bIns="0" lIns="0" rIns="0" tIns="0" wrap="none"/>
+          <a:p>
+            <a:endParaRPr/>
+          </a:p>
+        </p:txBody>
+      </p:sp>
+    </p:spTree>
+  </p:cSld>
+</p:sldLayout>
+</file>
+
+<file path=ppt/slideLayouts/slideLayout48.xml><?xml version="1.0" encoding="utf-8"?>
+<p:sldLayout xmlns:a="http://schemas.openxmlformats.org/drawingml/2006/main" xmlns:p="http://schemas.openxmlformats.org/presentationml/2006/main" xmlns:r="http://schemas.openxmlformats.org/officeDocument/2006/relationships" preserve="1" type="blank">
+  <p:cSld name="Title, 6 Content">
+    <p:spTree>
+      <p:nvGrpSpPr>
+        <p:cNvPr id="1" name=""/>
+        <p:cNvGrpSpPr/>
+        <p:nvPr/>
+      </p:nvGrpSpPr>
+      <p:grpSpPr>
+        <a:xfrm>
+          <a:off x="0" y="0"/>
+          <a:ext cx="0" cy="0"/>
+          <a:chOff x="0" y="0"/>
+          <a:chExt cx="0" cy="0"/>
+        </a:xfrm>
+      </p:grpSpPr>
+      <p:sp>
+        <p:nvSpPr>
+          <p:cNvPr id="143" name="PlaceHolder 1"/>
+          <p:cNvSpPr>
+            <a:spLocks noGrp="1"/>
+          </p:cNvSpPr>
+          <p:nvPr>
+            <p:ph type="title"/>
+          </p:nvPr>
+        </p:nvSpPr>
+        <p:spPr>
+          <a:xfrm>
+            <a:off x="457200" y="273600"/>
+            <a:ext cx="8228880" cy="1145160"/>
+          </a:xfrm>
+          <a:prstGeom prst="rect">
+            <a:avLst/>
+          </a:prstGeom>
+        </p:spPr>
+        <p:txBody>
+          <a:bodyPr anchor="ctr" bIns="0" lIns="0" rIns="0" tIns="0" wrap="none"/>
+          <a:p>
+            <a:pPr algn="ctr"/>
+            <a:endParaRPr/>
+          </a:p>
+        </p:txBody>
+      </p:sp>
+      <p:sp>
+        <p:nvSpPr>
+          <p:cNvPr id="144" name="PlaceHolder 2"/>
+          <p:cNvSpPr>
+            <a:spLocks noGrp="1"/>
+          </p:cNvSpPr>
+          <p:nvPr>
+            <p:ph type="body"/>
+          </p:nvPr>
+        </p:nvSpPr>
+        <p:spPr>
+          <a:xfrm>
+            <a:off x="457200" y="1604520"/>
+            <a:ext cx="4015440" cy="1896480"/>
+          </a:xfrm>
+          <a:prstGeom prst="rect">
+            <a:avLst/>
+          </a:prstGeom>
+        </p:spPr>
+        <p:txBody>
+          <a:bodyPr bIns="0" lIns="0" rIns="0" tIns="0" wrap="none"/>
+          <a:p>
+            <a:endParaRPr/>
+          </a:p>
+        </p:txBody>
+      </p:sp>
+      <p:sp>
+        <p:nvSpPr>
+          <p:cNvPr id="145" name="PlaceHolder 3"/>
+          <p:cNvSpPr>
+            <a:spLocks noGrp="1"/>
+          </p:cNvSpPr>
+          <p:nvPr>
+            <p:ph type="body"/>
+          </p:nvPr>
+        </p:nvSpPr>
+        <p:spPr>
+          <a:xfrm>
+            <a:off x="4673520" y="1604520"/>
+            <a:ext cx="4015440" cy="1896480"/>
+          </a:xfrm>
+          <a:prstGeom prst="rect">
+            <a:avLst/>
+          </a:prstGeom>
+        </p:spPr>
+        <p:txBody>
+          <a:bodyPr bIns="0" lIns="0" rIns="0" tIns="0" wrap="none"/>
+          <a:p>
+            <a:endParaRPr/>
+          </a:p>
+        </p:txBody>
+      </p:sp>
+      <p:pic>
+        <p:nvPicPr>
+          <p:cNvPr descr="" id="146" name=""/>
+          <p:cNvPicPr/>
+          <p:nvPr/>
+        </p:nvPicPr>
+        <p:blipFill>
+          <a:blip r:embed="rId2"/>
+          <a:stretch>
+            <a:fillRect/>
+          </a:stretch>
+        </p:blipFill>
+        <p:spPr>
+          <a:xfrm>
+            <a:off x="5492880" y="3681360"/>
+            <a:ext cx="2376720" cy="1896480"/>
+          </a:xfrm>
+          <a:prstGeom prst="rect">
+            <a:avLst/>
+          </a:prstGeom>
+          <a:ln>
+            <a:noFill/>
+          </a:ln>
+        </p:spPr>
+      </p:pic>
+      <p:pic>
+        <p:nvPicPr>
+          <p:cNvPr descr="" id="147" name=""/>
+          <p:cNvPicPr/>
+          <p:nvPr/>
+        </p:nvPicPr>
+        <p:blipFill>
+          <a:blip r:embed="rId3"/>
+          <a:stretch>
+            <a:fillRect/>
+          </a:stretch>
+        </p:blipFill>
+        <p:spPr>
+          <a:xfrm>
+            <a:off x="1276560" y="3681360"/>
+            <a:ext cx="2376720" cy="1896480"/>
+          </a:xfrm>
+          <a:prstGeom prst="rect">
+            <a:avLst/>
+          </a:prstGeom>
+          <a:ln>
+            <a:noFill/>
+          </a:ln>
+        </p:spPr>
+      </p:pic>
+    </p:spTree>
+  </p:cSld>
+</p:sldLayout>
+</file>
+
+<file path=ppt/slideLayouts/slideLayout49.xml><?xml version="1.0" encoding="utf-8"?>
+<p:sldLayout xmlns:a="http://schemas.openxmlformats.org/drawingml/2006/main" xmlns:p="http://schemas.openxmlformats.org/presentationml/2006/main" xmlns:r="http://schemas.openxmlformats.org/officeDocument/2006/relationships" preserve="1" type="blank">
+  <p:cSld name="Blank Slide">
+    <p:spTree>
+      <p:nvGrpSpPr>
+        <p:cNvPr id="1" name=""/>
+        <p:cNvGrpSpPr/>
+        <p:nvPr/>
+      </p:nvGrpSpPr>
+      <p:grpSpPr>
+        <a:xfrm>
+          <a:off x="0" y="0"/>
+          <a:ext cx="0" cy="0"/>
+          <a:chOff x="0" y="0"/>
+          <a:chExt cx="0" cy="0"/>
+        </a:xfrm>
+      </p:grpSpPr>
     </p:spTree>
   </p:cSld>
 </p:sldLayout>
@@ -3047,7 +4255,7 @@
         <p:spPr>
           <a:xfrm>
             <a:off x="457200" y="273600"/>
-            <a:ext cx="8229240" cy="1145160"/>
+            <a:ext cx="8228880" cy="1145160"/>
           </a:xfrm>
           <a:prstGeom prst="rect">
             <a:avLst/>
@@ -3055,6 +4263,992 @@
         </p:spPr>
         <p:txBody>
           <a:bodyPr anchor="ctr" bIns="0" lIns="0" rIns="0" tIns="0" wrap="none"/>
+          <a:p>
+            <a:pPr algn="ctr"/>
+            <a:endParaRPr/>
+          </a:p>
+        </p:txBody>
+      </p:sp>
+    </p:spTree>
+  </p:cSld>
+</p:sldLayout>
+</file>
+
+<file path=ppt/slideLayouts/slideLayout50.xml><?xml version="1.0" encoding="utf-8"?>
+<p:sldLayout xmlns:a="http://schemas.openxmlformats.org/drawingml/2006/main" xmlns:p="http://schemas.openxmlformats.org/presentationml/2006/main" xmlns:r="http://schemas.openxmlformats.org/officeDocument/2006/relationships" preserve="1" type="tx">
+  <p:cSld name="Title Slide">
+    <p:spTree>
+      <p:nvGrpSpPr>
+        <p:cNvPr id="1" name=""/>
+        <p:cNvGrpSpPr/>
+        <p:nvPr/>
+      </p:nvGrpSpPr>
+      <p:grpSpPr>
+        <a:xfrm>
+          <a:off x="0" y="0"/>
+          <a:ext cx="0" cy="0"/>
+          <a:chOff x="0" y="0"/>
+          <a:chExt cx="0" cy="0"/>
+        </a:xfrm>
+      </p:grpSpPr>
+      <p:sp>
+        <p:nvSpPr>
+          <p:cNvPr id="151" name="PlaceHolder 1"/>
+          <p:cNvSpPr>
+            <a:spLocks noGrp="1"/>
+          </p:cNvSpPr>
+          <p:nvPr>
+            <p:ph type="title"/>
+          </p:nvPr>
+        </p:nvSpPr>
+        <p:spPr>
+          <a:xfrm>
+            <a:off x="457200" y="273600"/>
+            <a:ext cx="8228880" cy="1145160"/>
+          </a:xfrm>
+          <a:prstGeom prst="rect">
+            <a:avLst/>
+          </a:prstGeom>
+        </p:spPr>
+        <p:txBody>
+          <a:bodyPr anchor="ctr" bIns="0" lIns="0" rIns="0" tIns="0" wrap="none"/>
+          <a:p>
+            <a:pPr algn="ctr"/>
+            <a:endParaRPr/>
+          </a:p>
+        </p:txBody>
+      </p:sp>
+      <p:sp>
+        <p:nvSpPr>
+          <p:cNvPr id="152" name="PlaceHolder 2"/>
+          <p:cNvSpPr>
+            <a:spLocks noGrp="1"/>
+          </p:cNvSpPr>
+          <p:nvPr>
+            <p:ph type="subTitle"/>
+          </p:nvPr>
+        </p:nvSpPr>
+        <p:spPr>
+          <a:xfrm>
+            <a:off x="457200" y="1604520"/>
+            <a:ext cx="8228880" cy="3977280"/>
+          </a:xfrm>
+          <a:prstGeom prst="rect">
+            <a:avLst/>
+          </a:prstGeom>
+        </p:spPr>
+        <p:txBody>
+          <a:bodyPr anchor="ctr" bIns="0" lIns="0" rIns="0" tIns="0" wrap="none"/>
+          <a:p>
+            <a:pPr algn="ctr"/>
+            <a:endParaRPr/>
+          </a:p>
+        </p:txBody>
+      </p:sp>
+    </p:spTree>
+  </p:cSld>
+</p:sldLayout>
+</file>
+
+<file path=ppt/slideLayouts/slideLayout51.xml><?xml version="1.0" encoding="utf-8"?>
+<p:sldLayout xmlns:a="http://schemas.openxmlformats.org/drawingml/2006/main" xmlns:p="http://schemas.openxmlformats.org/presentationml/2006/main" xmlns:r="http://schemas.openxmlformats.org/officeDocument/2006/relationships" preserve="1" type="obj">
+  <p:cSld name="Title, Content">
+    <p:spTree>
+      <p:nvGrpSpPr>
+        <p:cNvPr id="1" name=""/>
+        <p:cNvGrpSpPr/>
+        <p:nvPr/>
+      </p:nvGrpSpPr>
+      <p:grpSpPr>
+        <a:xfrm>
+          <a:off x="0" y="0"/>
+          <a:ext cx="0" cy="0"/>
+          <a:chOff x="0" y="0"/>
+          <a:chExt cx="0" cy="0"/>
+        </a:xfrm>
+      </p:grpSpPr>
+      <p:sp>
+        <p:nvSpPr>
+          <p:cNvPr id="153" name="PlaceHolder 1"/>
+          <p:cNvSpPr>
+            <a:spLocks noGrp="1"/>
+          </p:cNvSpPr>
+          <p:nvPr>
+            <p:ph type="title"/>
+          </p:nvPr>
+        </p:nvSpPr>
+        <p:spPr>
+          <a:xfrm>
+            <a:off x="457200" y="273600"/>
+            <a:ext cx="8228880" cy="1145160"/>
+          </a:xfrm>
+          <a:prstGeom prst="rect">
+            <a:avLst/>
+          </a:prstGeom>
+        </p:spPr>
+        <p:txBody>
+          <a:bodyPr anchor="ctr" bIns="0" lIns="0" rIns="0" tIns="0" wrap="none"/>
+          <a:p>
+            <a:pPr algn="ctr"/>
+            <a:endParaRPr/>
+          </a:p>
+        </p:txBody>
+      </p:sp>
+      <p:sp>
+        <p:nvSpPr>
+          <p:cNvPr id="154" name="PlaceHolder 2"/>
+          <p:cNvSpPr>
+            <a:spLocks noGrp="1"/>
+          </p:cNvSpPr>
+          <p:nvPr>
+            <p:ph type="body"/>
+          </p:nvPr>
+        </p:nvSpPr>
+        <p:spPr>
+          <a:xfrm>
+            <a:off x="457200" y="1604520"/>
+            <a:ext cx="8228880" cy="3976920"/>
+          </a:xfrm>
+          <a:prstGeom prst="rect">
+            <a:avLst/>
+          </a:prstGeom>
+        </p:spPr>
+        <p:txBody>
+          <a:bodyPr bIns="0" lIns="0" rIns="0" tIns="0" wrap="none"/>
+          <a:p>
+            <a:endParaRPr/>
+          </a:p>
+        </p:txBody>
+      </p:sp>
+    </p:spTree>
+  </p:cSld>
+</p:sldLayout>
+</file>
+
+<file path=ppt/slideLayouts/slideLayout52.xml><?xml version="1.0" encoding="utf-8"?>
+<p:sldLayout xmlns:a="http://schemas.openxmlformats.org/drawingml/2006/main" xmlns:p="http://schemas.openxmlformats.org/presentationml/2006/main" xmlns:r="http://schemas.openxmlformats.org/officeDocument/2006/relationships" preserve="1" type="twoObj">
+  <p:cSld name="Title, 2 Content">
+    <p:spTree>
+      <p:nvGrpSpPr>
+        <p:cNvPr id="1" name=""/>
+        <p:cNvGrpSpPr/>
+        <p:nvPr/>
+      </p:nvGrpSpPr>
+      <p:grpSpPr>
+        <a:xfrm>
+          <a:off x="0" y="0"/>
+          <a:ext cx="0" cy="0"/>
+          <a:chOff x="0" y="0"/>
+          <a:chExt cx="0" cy="0"/>
+        </a:xfrm>
+      </p:grpSpPr>
+      <p:sp>
+        <p:nvSpPr>
+          <p:cNvPr id="155" name="PlaceHolder 1"/>
+          <p:cNvSpPr>
+            <a:spLocks noGrp="1"/>
+          </p:cNvSpPr>
+          <p:nvPr>
+            <p:ph type="title"/>
+          </p:nvPr>
+        </p:nvSpPr>
+        <p:spPr>
+          <a:xfrm>
+            <a:off x="457200" y="273600"/>
+            <a:ext cx="8228880" cy="1145160"/>
+          </a:xfrm>
+          <a:prstGeom prst="rect">
+            <a:avLst/>
+          </a:prstGeom>
+        </p:spPr>
+        <p:txBody>
+          <a:bodyPr anchor="ctr" bIns="0" lIns="0" rIns="0" tIns="0" wrap="none"/>
+          <a:p>
+            <a:pPr algn="ctr"/>
+            <a:endParaRPr/>
+          </a:p>
+        </p:txBody>
+      </p:sp>
+      <p:sp>
+        <p:nvSpPr>
+          <p:cNvPr id="156" name="PlaceHolder 2"/>
+          <p:cNvSpPr>
+            <a:spLocks noGrp="1"/>
+          </p:cNvSpPr>
+          <p:nvPr>
+            <p:ph type="body"/>
+          </p:nvPr>
+        </p:nvSpPr>
+        <p:spPr>
+          <a:xfrm>
+            <a:off x="457200" y="1604520"/>
+            <a:ext cx="4015440" cy="3976920"/>
+          </a:xfrm>
+          <a:prstGeom prst="rect">
+            <a:avLst/>
+          </a:prstGeom>
+        </p:spPr>
+        <p:txBody>
+          <a:bodyPr bIns="0" lIns="0" rIns="0" tIns="0" wrap="none"/>
+          <a:p>
+            <a:endParaRPr/>
+          </a:p>
+        </p:txBody>
+      </p:sp>
+      <p:sp>
+        <p:nvSpPr>
+          <p:cNvPr id="157" name="PlaceHolder 3"/>
+          <p:cNvSpPr>
+            <a:spLocks noGrp="1"/>
+          </p:cNvSpPr>
+          <p:nvPr>
+            <p:ph type="body"/>
+          </p:nvPr>
+        </p:nvSpPr>
+        <p:spPr>
+          <a:xfrm>
+            <a:off x="4673520" y="1604520"/>
+            <a:ext cx="4015440" cy="3976920"/>
+          </a:xfrm>
+          <a:prstGeom prst="rect">
+            <a:avLst/>
+          </a:prstGeom>
+        </p:spPr>
+        <p:txBody>
+          <a:bodyPr bIns="0" lIns="0" rIns="0" tIns="0" wrap="none"/>
+          <a:p>
+            <a:endParaRPr/>
+          </a:p>
+        </p:txBody>
+      </p:sp>
+    </p:spTree>
+  </p:cSld>
+</p:sldLayout>
+</file>
+
+<file path=ppt/slideLayouts/slideLayout53.xml><?xml version="1.0" encoding="utf-8"?>
+<p:sldLayout xmlns:a="http://schemas.openxmlformats.org/drawingml/2006/main" xmlns:p="http://schemas.openxmlformats.org/presentationml/2006/main" xmlns:r="http://schemas.openxmlformats.org/officeDocument/2006/relationships" preserve="1" type="titleOnly">
+  <p:cSld name="Title Only">
+    <p:spTree>
+      <p:nvGrpSpPr>
+        <p:cNvPr id="1" name=""/>
+        <p:cNvGrpSpPr/>
+        <p:nvPr/>
+      </p:nvGrpSpPr>
+      <p:grpSpPr>
+        <a:xfrm>
+          <a:off x="0" y="0"/>
+          <a:ext cx="0" cy="0"/>
+          <a:chOff x="0" y="0"/>
+          <a:chExt cx="0" cy="0"/>
+        </a:xfrm>
+      </p:grpSpPr>
+      <p:sp>
+        <p:nvSpPr>
+          <p:cNvPr id="158" name="PlaceHolder 1"/>
+          <p:cNvSpPr>
+            <a:spLocks noGrp="1"/>
+          </p:cNvSpPr>
+          <p:nvPr>
+            <p:ph type="title"/>
+          </p:nvPr>
+        </p:nvSpPr>
+        <p:spPr>
+          <a:xfrm>
+            <a:off x="457200" y="273600"/>
+            <a:ext cx="8228880" cy="1145160"/>
+          </a:xfrm>
+          <a:prstGeom prst="rect">
+            <a:avLst/>
+          </a:prstGeom>
+        </p:spPr>
+        <p:txBody>
+          <a:bodyPr anchor="ctr" bIns="0" lIns="0" rIns="0" tIns="0" wrap="none"/>
+          <a:p>
+            <a:pPr algn="ctr"/>
+            <a:endParaRPr/>
+          </a:p>
+        </p:txBody>
+      </p:sp>
+    </p:spTree>
+  </p:cSld>
+</p:sldLayout>
+</file>
+
+<file path=ppt/slideLayouts/slideLayout54.xml><?xml version="1.0" encoding="utf-8"?>
+<p:sldLayout xmlns:a="http://schemas.openxmlformats.org/drawingml/2006/main" xmlns:p="http://schemas.openxmlformats.org/presentationml/2006/main" xmlns:r="http://schemas.openxmlformats.org/officeDocument/2006/relationships" preserve="1" type="objOnly">
+  <p:cSld name="Centered Text">
+    <p:spTree>
+      <p:nvGrpSpPr>
+        <p:cNvPr id="1" name=""/>
+        <p:cNvGrpSpPr/>
+        <p:nvPr/>
+      </p:nvGrpSpPr>
+      <p:grpSpPr>
+        <a:xfrm>
+          <a:off x="0" y="0"/>
+          <a:ext cx="0" cy="0"/>
+          <a:chOff x="0" y="0"/>
+          <a:chExt cx="0" cy="0"/>
+        </a:xfrm>
+      </p:grpSpPr>
+      <p:sp>
+        <p:nvSpPr>
+          <p:cNvPr id="159" name="PlaceHolder 1"/>
+          <p:cNvSpPr>
+            <a:spLocks noGrp="1"/>
+          </p:cNvSpPr>
+          <p:nvPr>
+            <p:ph type="subTitle"/>
+          </p:nvPr>
+        </p:nvSpPr>
+        <p:spPr>
+          <a:xfrm>
+            <a:off x="457200" y="273600"/>
+            <a:ext cx="8228880" cy="5307840"/>
+          </a:xfrm>
+          <a:prstGeom prst="rect">
+            <a:avLst/>
+          </a:prstGeom>
+        </p:spPr>
+        <p:txBody>
+          <a:bodyPr anchor="ctr" bIns="0" lIns="0" rIns="0" tIns="0" wrap="none"/>
+          <a:p>
+            <a:pPr algn="ctr"/>
+            <a:endParaRPr/>
+          </a:p>
+        </p:txBody>
+      </p:sp>
+    </p:spTree>
+  </p:cSld>
+</p:sldLayout>
+</file>
+
+<file path=ppt/slideLayouts/slideLayout55.xml><?xml version="1.0" encoding="utf-8"?>
+<p:sldLayout xmlns:a="http://schemas.openxmlformats.org/drawingml/2006/main" xmlns:p="http://schemas.openxmlformats.org/presentationml/2006/main" xmlns:r="http://schemas.openxmlformats.org/officeDocument/2006/relationships" preserve="1" type="twoObjAndObj">
+  <p:cSld name="Title, 2 Content and Content">
+    <p:spTree>
+      <p:nvGrpSpPr>
+        <p:cNvPr id="1" name=""/>
+        <p:cNvGrpSpPr/>
+        <p:nvPr/>
+      </p:nvGrpSpPr>
+      <p:grpSpPr>
+        <a:xfrm>
+          <a:off x="0" y="0"/>
+          <a:ext cx="0" cy="0"/>
+          <a:chOff x="0" y="0"/>
+          <a:chExt cx="0" cy="0"/>
+        </a:xfrm>
+      </p:grpSpPr>
+      <p:sp>
+        <p:nvSpPr>
+          <p:cNvPr id="160" name="PlaceHolder 1"/>
+          <p:cNvSpPr>
+            <a:spLocks noGrp="1"/>
+          </p:cNvSpPr>
+          <p:nvPr>
+            <p:ph type="title"/>
+          </p:nvPr>
+        </p:nvSpPr>
+        <p:spPr>
+          <a:xfrm>
+            <a:off x="457200" y="273600"/>
+            <a:ext cx="8228880" cy="1145160"/>
+          </a:xfrm>
+          <a:prstGeom prst="rect">
+            <a:avLst/>
+          </a:prstGeom>
+        </p:spPr>
+        <p:txBody>
+          <a:bodyPr anchor="ctr" bIns="0" lIns="0" rIns="0" tIns="0" wrap="none"/>
+          <a:p>
+            <a:pPr algn="ctr"/>
+            <a:endParaRPr/>
+          </a:p>
+        </p:txBody>
+      </p:sp>
+      <p:sp>
+        <p:nvSpPr>
+          <p:cNvPr id="161" name="PlaceHolder 2"/>
+          <p:cNvSpPr>
+            <a:spLocks noGrp="1"/>
+          </p:cNvSpPr>
+          <p:nvPr>
+            <p:ph type="body"/>
+          </p:nvPr>
+        </p:nvSpPr>
+        <p:spPr>
+          <a:xfrm>
+            <a:off x="457200" y="1604520"/>
+            <a:ext cx="4015440" cy="1896480"/>
+          </a:xfrm>
+          <a:prstGeom prst="rect">
+            <a:avLst/>
+          </a:prstGeom>
+        </p:spPr>
+        <p:txBody>
+          <a:bodyPr bIns="0" lIns="0" rIns="0" tIns="0" wrap="none"/>
+          <a:p>
+            <a:endParaRPr/>
+          </a:p>
+        </p:txBody>
+      </p:sp>
+      <p:sp>
+        <p:nvSpPr>
+          <p:cNvPr id="162" name="PlaceHolder 3"/>
+          <p:cNvSpPr>
+            <a:spLocks noGrp="1"/>
+          </p:cNvSpPr>
+          <p:nvPr>
+            <p:ph type="body"/>
+          </p:nvPr>
+        </p:nvSpPr>
+        <p:spPr>
+          <a:xfrm>
+            <a:off x="457200" y="3681360"/>
+            <a:ext cx="4015440" cy="1896480"/>
+          </a:xfrm>
+          <a:prstGeom prst="rect">
+            <a:avLst/>
+          </a:prstGeom>
+        </p:spPr>
+        <p:txBody>
+          <a:bodyPr bIns="0" lIns="0" rIns="0" tIns="0" wrap="none"/>
+          <a:p>
+            <a:endParaRPr/>
+          </a:p>
+        </p:txBody>
+      </p:sp>
+      <p:sp>
+        <p:nvSpPr>
+          <p:cNvPr id="163" name="PlaceHolder 4"/>
+          <p:cNvSpPr>
+            <a:spLocks noGrp="1"/>
+          </p:cNvSpPr>
+          <p:nvPr>
+            <p:ph type="body"/>
+          </p:nvPr>
+        </p:nvSpPr>
+        <p:spPr>
+          <a:xfrm>
+            <a:off x="4673520" y="1604520"/>
+            <a:ext cx="4015440" cy="3976920"/>
+          </a:xfrm>
+          <a:prstGeom prst="rect">
+            <a:avLst/>
+          </a:prstGeom>
+        </p:spPr>
+        <p:txBody>
+          <a:bodyPr bIns="0" lIns="0" rIns="0" tIns="0" wrap="none"/>
+          <a:p>
+            <a:endParaRPr/>
+          </a:p>
+        </p:txBody>
+      </p:sp>
+    </p:spTree>
+  </p:cSld>
+</p:sldLayout>
+</file>
+
+<file path=ppt/slideLayouts/slideLayout56.xml><?xml version="1.0" encoding="utf-8"?>
+<p:sldLayout xmlns:a="http://schemas.openxmlformats.org/drawingml/2006/main" xmlns:p="http://schemas.openxmlformats.org/presentationml/2006/main" xmlns:r="http://schemas.openxmlformats.org/officeDocument/2006/relationships" preserve="1" type="objAndTwoObj">
+  <p:cSld name="Title Content and 2 Content">
+    <p:spTree>
+      <p:nvGrpSpPr>
+        <p:cNvPr id="1" name=""/>
+        <p:cNvGrpSpPr/>
+        <p:nvPr/>
+      </p:nvGrpSpPr>
+      <p:grpSpPr>
+        <a:xfrm>
+          <a:off x="0" y="0"/>
+          <a:ext cx="0" cy="0"/>
+          <a:chOff x="0" y="0"/>
+          <a:chExt cx="0" cy="0"/>
+        </a:xfrm>
+      </p:grpSpPr>
+      <p:sp>
+        <p:nvSpPr>
+          <p:cNvPr id="164" name="PlaceHolder 1"/>
+          <p:cNvSpPr>
+            <a:spLocks noGrp="1"/>
+          </p:cNvSpPr>
+          <p:nvPr>
+            <p:ph type="title"/>
+          </p:nvPr>
+        </p:nvSpPr>
+        <p:spPr>
+          <a:xfrm>
+            <a:off x="457200" y="273600"/>
+            <a:ext cx="8228880" cy="1145160"/>
+          </a:xfrm>
+          <a:prstGeom prst="rect">
+            <a:avLst/>
+          </a:prstGeom>
+        </p:spPr>
+        <p:txBody>
+          <a:bodyPr anchor="ctr" bIns="0" lIns="0" rIns="0" tIns="0" wrap="none"/>
+          <a:p>
+            <a:pPr algn="ctr"/>
+            <a:endParaRPr/>
+          </a:p>
+        </p:txBody>
+      </p:sp>
+      <p:sp>
+        <p:nvSpPr>
+          <p:cNvPr id="165" name="PlaceHolder 2"/>
+          <p:cNvSpPr>
+            <a:spLocks noGrp="1"/>
+          </p:cNvSpPr>
+          <p:nvPr>
+            <p:ph type="body"/>
+          </p:nvPr>
+        </p:nvSpPr>
+        <p:spPr>
+          <a:xfrm>
+            <a:off x="457200" y="1604520"/>
+            <a:ext cx="4015440" cy="3976920"/>
+          </a:xfrm>
+          <a:prstGeom prst="rect">
+            <a:avLst/>
+          </a:prstGeom>
+        </p:spPr>
+        <p:txBody>
+          <a:bodyPr bIns="0" lIns="0" rIns="0" tIns="0" wrap="none"/>
+          <a:p>
+            <a:endParaRPr/>
+          </a:p>
+        </p:txBody>
+      </p:sp>
+      <p:sp>
+        <p:nvSpPr>
+          <p:cNvPr id="166" name="PlaceHolder 3"/>
+          <p:cNvSpPr>
+            <a:spLocks noGrp="1"/>
+          </p:cNvSpPr>
+          <p:nvPr>
+            <p:ph type="body"/>
+          </p:nvPr>
+        </p:nvSpPr>
+        <p:spPr>
+          <a:xfrm>
+            <a:off x="4673520" y="1604520"/>
+            <a:ext cx="4015440" cy="1896480"/>
+          </a:xfrm>
+          <a:prstGeom prst="rect">
+            <a:avLst/>
+          </a:prstGeom>
+        </p:spPr>
+        <p:txBody>
+          <a:bodyPr bIns="0" lIns="0" rIns="0" tIns="0" wrap="none"/>
+          <a:p>
+            <a:endParaRPr/>
+          </a:p>
+        </p:txBody>
+      </p:sp>
+      <p:sp>
+        <p:nvSpPr>
+          <p:cNvPr id="167" name="PlaceHolder 4"/>
+          <p:cNvSpPr>
+            <a:spLocks noGrp="1"/>
+          </p:cNvSpPr>
+          <p:nvPr>
+            <p:ph type="body"/>
+          </p:nvPr>
+        </p:nvSpPr>
+        <p:spPr>
+          <a:xfrm>
+            <a:off x="4673520" y="3681360"/>
+            <a:ext cx="4015440" cy="1896480"/>
+          </a:xfrm>
+          <a:prstGeom prst="rect">
+            <a:avLst/>
+          </a:prstGeom>
+        </p:spPr>
+        <p:txBody>
+          <a:bodyPr bIns="0" lIns="0" rIns="0" tIns="0" wrap="none"/>
+          <a:p>
+            <a:endParaRPr/>
+          </a:p>
+        </p:txBody>
+      </p:sp>
+    </p:spTree>
+  </p:cSld>
+</p:sldLayout>
+</file>
+
+<file path=ppt/slideLayouts/slideLayout57.xml><?xml version="1.0" encoding="utf-8"?>
+<p:sldLayout xmlns:a="http://schemas.openxmlformats.org/drawingml/2006/main" xmlns:p="http://schemas.openxmlformats.org/presentationml/2006/main" xmlns:r="http://schemas.openxmlformats.org/officeDocument/2006/relationships" preserve="1" type="twoObjOverTx">
+  <p:cSld name="Title, 2 Content over Content">
+    <p:spTree>
+      <p:nvGrpSpPr>
+        <p:cNvPr id="1" name=""/>
+        <p:cNvGrpSpPr/>
+        <p:nvPr/>
+      </p:nvGrpSpPr>
+      <p:grpSpPr>
+        <a:xfrm>
+          <a:off x="0" y="0"/>
+          <a:ext cx="0" cy="0"/>
+          <a:chOff x="0" y="0"/>
+          <a:chExt cx="0" cy="0"/>
+        </a:xfrm>
+      </p:grpSpPr>
+      <p:sp>
+        <p:nvSpPr>
+          <p:cNvPr id="168" name="PlaceHolder 1"/>
+          <p:cNvSpPr>
+            <a:spLocks noGrp="1"/>
+          </p:cNvSpPr>
+          <p:nvPr>
+            <p:ph type="title"/>
+          </p:nvPr>
+        </p:nvSpPr>
+        <p:spPr>
+          <a:xfrm>
+            <a:off x="457200" y="273600"/>
+            <a:ext cx="8228880" cy="1145160"/>
+          </a:xfrm>
+          <a:prstGeom prst="rect">
+            <a:avLst/>
+          </a:prstGeom>
+        </p:spPr>
+        <p:txBody>
+          <a:bodyPr anchor="ctr" bIns="0" lIns="0" rIns="0" tIns="0" wrap="none"/>
+          <a:p>
+            <a:pPr algn="ctr"/>
+            <a:endParaRPr/>
+          </a:p>
+        </p:txBody>
+      </p:sp>
+      <p:sp>
+        <p:nvSpPr>
+          <p:cNvPr id="169" name="PlaceHolder 2"/>
+          <p:cNvSpPr>
+            <a:spLocks noGrp="1"/>
+          </p:cNvSpPr>
+          <p:nvPr>
+            <p:ph type="body"/>
+          </p:nvPr>
+        </p:nvSpPr>
+        <p:spPr>
+          <a:xfrm>
+            <a:off x="457200" y="1604520"/>
+            <a:ext cx="4015440" cy="1896480"/>
+          </a:xfrm>
+          <a:prstGeom prst="rect">
+            <a:avLst/>
+          </a:prstGeom>
+        </p:spPr>
+        <p:txBody>
+          <a:bodyPr bIns="0" lIns="0" rIns="0" tIns="0" wrap="none"/>
+          <a:p>
+            <a:endParaRPr/>
+          </a:p>
+        </p:txBody>
+      </p:sp>
+      <p:sp>
+        <p:nvSpPr>
+          <p:cNvPr id="170" name="PlaceHolder 3"/>
+          <p:cNvSpPr>
+            <a:spLocks noGrp="1"/>
+          </p:cNvSpPr>
+          <p:nvPr>
+            <p:ph type="body"/>
+          </p:nvPr>
+        </p:nvSpPr>
+        <p:spPr>
+          <a:xfrm>
+            <a:off x="4673520" y="1604520"/>
+            <a:ext cx="4015440" cy="1896480"/>
+          </a:xfrm>
+          <a:prstGeom prst="rect">
+            <a:avLst/>
+          </a:prstGeom>
+        </p:spPr>
+        <p:txBody>
+          <a:bodyPr bIns="0" lIns="0" rIns="0" tIns="0" wrap="none"/>
+          <a:p>
+            <a:endParaRPr/>
+          </a:p>
+        </p:txBody>
+      </p:sp>
+      <p:sp>
+        <p:nvSpPr>
+          <p:cNvPr id="171" name="PlaceHolder 4"/>
+          <p:cNvSpPr>
+            <a:spLocks noGrp="1"/>
+          </p:cNvSpPr>
+          <p:nvPr>
+            <p:ph type="body"/>
+          </p:nvPr>
+        </p:nvSpPr>
+        <p:spPr>
+          <a:xfrm>
+            <a:off x="457200" y="3681360"/>
+            <a:ext cx="8228520" cy="1896480"/>
+          </a:xfrm>
+          <a:prstGeom prst="rect">
+            <a:avLst/>
+          </a:prstGeom>
+        </p:spPr>
+        <p:txBody>
+          <a:bodyPr bIns="0" lIns="0" rIns="0" tIns="0" wrap="none"/>
+          <a:p>
+            <a:endParaRPr/>
+          </a:p>
+        </p:txBody>
+      </p:sp>
+    </p:spTree>
+  </p:cSld>
+</p:sldLayout>
+</file>
+
+<file path=ppt/slideLayouts/slideLayout58.xml><?xml version="1.0" encoding="utf-8"?>
+<p:sldLayout xmlns:a="http://schemas.openxmlformats.org/drawingml/2006/main" xmlns:p="http://schemas.openxmlformats.org/presentationml/2006/main" xmlns:r="http://schemas.openxmlformats.org/officeDocument/2006/relationships" preserve="1" type="objOverTx">
+  <p:cSld name="Title, Content over Content">
+    <p:spTree>
+      <p:nvGrpSpPr>
+        <p:cNvPr id="1" name=""/>
+        <p:cNvGrpSpPr/>
+        <p:nvPr/>
+      </p:nvGrpSpPr>
+      <p:grpSpPr>
+        <a:xfrm>
+          <a:off x="0" y="0"/>
+          <a:ext cx="0" cy="0"/>
+          <a:chOff x="0" y="0"/>
+          <a:chExt cx="0" cy="0"/>
+        </a:xfrm>
+      </p:grpSpPr>
+      <p:sp>
+        <p:nvSpPr>
+          <p:cNvPr id="172" name="PlaceHolder 1"/>
+          <p:cNvSpPr>
+            <a:spLocks noGrp="1"/>
+          </p:cNvSpPr>
+          <p:nvPr>
+            <p:ph type="title"/>
+          </p:nvPr>
+        </p:nvSpPr>
+        <p:spPr>
+          <a:xfrm>
+            <a:off x="457200" y="273600"/>
+            <a:ext cx="8228880" cy="1145160"/>
+          </a:xfrm>
+          <a:prstGeom prst="rect">
+            <a:avLst/>
+          </a:prstGeom>
+        </p:spPr>
+        <p:txBody>
+          <a:bodyPr anchor="ctr" bIns="0" lIns="0" rIns="0" tIns="0" wrap="none"/>
+          <a:p>
+            <a:pPr algn="ctr"/>
+            <a:endParaRPr/>
+          </a:p>
+        </p:txBody>
+      </p:sp>
+      <p:sp>
+        <p:nvSpPr>
+          <p:cNvPr id="173" name="PlaceHolder 2"/>
+          <p:cNvSpPr>
+            <a:spLocks noGrp="1"/>
+          </p:cNvSpPr>
+          <p:nvPr>
+            <p:ph type="body"/>
+          </p:nvPr>
+        </p:nvSpPr>
+        <p:spPr>
+          <a:xfrm>
+            <a:off x="457200" y="1604520"/>
+            <a:ext cx="8228880" cy="1896480"/>
+          </a:xfrm>
+          <a:prstGeom prst="rect">
+            <a:avLst/>
+          </a:prstGeom>
+        </p:spPr>
+        <p:txBody>
+          <a:bodyPr bIns="0" lIns="0" rIns="0" tIns="0" wrap="none"/>
+          <a:p>
+            <a:endParaRPr/>
+          </a:p>
+        </p:txBody>
+      </p:sp>
+      <p:sp>
+        <p:nvSpPr>
+          <p:cNvPr id="174" name="PlaceHolder 3"/>
+          <p:cNvSpPr>
+            <a:spLocks noGrp="1"/>
+          </p:cNvSpPr>
+          <p:nvPr>
+            <p:ph type="body"/>
+          </p:nvPr>
+        </p:nvSpPr>
+        <p:spPr>
+          <a:xfrm>
+            <a:off x="457200" y="3681360"/>
+            <a:ext cx="8228880" cy="1896480"/>
+          </a:xfrm>
+          <a:prstGeom prst="rect">
+            <a:avLst/>
+          </a:prstGeom>
+        </p:spPr>
+        <p:txBody>
+          <a:bodyPr bIns="0" lIns="0" rIns="0" tIns="0" wrap="none"/>
+          <a:p>
+            <a:endParaRPr/>
+          </a:p>
+        </p:txBody>
+      </p:sp>
+    </p:spTree>
+  </p:cSld>
+</p:sldLayout>
+</file>
+
+<file path=ppt/slideLayouts/slideLayout59.xml><?xml version="1.0" encoding="utf-8"?>
+<p:sldLayout xmlns:a="http://schemas.openxmlformats.org/drawingml/2006/main" xmlns:p="http://schemas.openxmlformats.org/presentationml/2006/main" xmlns:r="http://schemas.openxmlformats.org/officeDocument/2006/relationships" preserve="1" type="fourObj">
+  <p:cSld name="Title, 4 Content">
+    <p:spTree>
+      <p:nvGrpSpPr>
+        <p:cNvPr id="1" name=""/>
+        <p:cNvGrpSpPr/>
+        <p:nvPr/>
+      </p:nvGrpSpPr>
+      <p:grpSpPr>
+        <a:xfrm>
+          <a:off x="0" y="0"/>
+          <a:ext cx="0" cy="0"/>
+          <a:chOff x="0" y="0"/>
+          <a:chExt cx="0" cy="0"/>
+        </a:xfrm>
+      </p:grpSpPr>
+      <p:sp>
+        <p:nvSpPr>
+          <p:cNvPr id="175" name="PlaceHolder 1"/>
+          <p:cNvSpPr>
+            <a:spLocks noGrp="1"/>
+          </p:cNvSpPr>
+          <p:nvPr>
+            <p:ph type="title"/>
+          </p:nvPr>
+        </p:nvSpPr>
+        <p:spPr>
+          <a:xfrm>
+            <a:off x="457200" y="273600"/>
+            <a:ext cx="8228880" cy="1145160"/>
+          </a:xfrm>
+          <a:prstGeom prst="rect">
+            <a:avLst/>
+          </a:prstGeom>
+        </p:spPr>
+        <p:txBody>
+          <a:bodyPr anchor="ctr" bIns="0" lIns="0" rIns="0" tIns="0" wrap="none"/>
+          <a:p>
+            <a:pPr algn="ctr"/>
+            <a:endParaRPr/>
+          </a:p>
+        </p:txBody>
+      </p:sp>
+      <p:sp>
+        <p:nvSpPr>
+          <p:cNvPr id="176" name="PlaceHolder 2"/>
+          <p:cNvSpPr>
+            <a:spLocks noGrp="1"/>
+          </p:cNvSpPr>
+          <p:nvPr>
+            <p:ph type="body"/>
+          </p:nvPr>
+        </p:nvSpPr>
+        <p:spPr>
+          <a:xfrm>
+            <a:off x="457200" y="1604520"/>
+            <a:ext cx="4015440" cy="1896480"/>
+          </a:xfrm>
+          <a:prstGeom prst="rect">
+            <a:avLst/>
+          </a:prstGeom>
+        </p:spPr>
+        <p:txBody>
+          <a:bodyPr bIns="0" lIns="0" rIns="0" tIns="0" wrap="none"/>
+          <a:p>
+            <a:endParaRPr/>
+          </a:p>
+        </p:txBody>
+      </p:sp>
+      <p:sp>
+        <p:nvSpPr>
+          <p:cNvPr id="177" name="PlaceHolder 3"/>
+          <p:cNvSpPr>
+            <a:spLocks noGrp="1"/>
+          </p:cNvSpPr>
+          <p:nvPr>
+            <p:ph type="body"/>
+          </p:nvPr>
+        </p:nvSpPr>
+        <p:spPr>
+          <a:xfrm>
+            <a:off x="4673520" y="1604520"/>
+            <a:ext cx="4015440" cy="1896480"/>
+          </a:xfrm>
+          <a:prstGeom prst="rect">
+            <a:avLst/>
+          </a:prstGeom>
+        </p:spPr>
+        <p:txBody>
+          <a:bodyPr bIns="0" lIns="0" rIns="0" tIns="0" wrap="none"/>
+          <a:p>
+            <a:endParaRPr/>
+          </a:p>
+        </p:txBody>
+      </p:sp>
+      <p:sp>
+        <p:nvSpPr>
+          <p:cNvPr id="178" name="PlaceHolder 4"/>
+          <p:cNvSpPr>
+            <a:spLocks noGrp="1"/>
+          </p:cNvSpPr>
+          <p:nvPr>
+            <p:ph type="body"/>
+          </p:nvPr>
+        </p:nvSpPr>
+        <p:spPr>
+          <a:xfrm>
+            <a:off x="4673520" y="3681360"/>
+            <a:ext cx="4015440" cy="1896480"/>
+          </a:xfrm>
+          <a:prstGeom prst="rect">
+            <a:avLst/>
+          </a:prstGeom>
+        </p:spPr>
+        <p:txBody>
+          <a:bodyPr bIns="0" lIns="0" rIns="0" tIns="0" wrap="none"/>
+          <a:p>
+            <a:endParaRPr/>
+          </a:p>
+        </p:txBody>
+      </p:sp>
+      <p:sp>
+        <p:nvSpPr>
+          <p:cNvPr id="179" name="PlaceHolder 5"/>
+          <p:cNvSpPr>
+            <a:spLocks noGrp="1"/>
+          </p:cNvSpPr>
+          <p:nvPr>
+            <p:ph type="body"/>
+          </p:nvPr>
+        </p:nvSpPr>
+        <p:spPr>
+          <a:xfrm>
+            <a:off x="457200" y="3681360"/>
+            <a:ext cx="4015440" cy="1896480"/>
+          </a:xfrm>
+          <a:prstGeom prst="rect">
+            <a:avLst/>
+          </a:prstGeom>
+        </p:spPr>
+        <p:txBody>
+          <a:bodyPr bIns="0" lIns="0" rIns="0" tIns="0" wrap="none"/>
           <a:p>
             <a:endParaRPr/>
           </a:p>
@@ -3095,7 +5289,7 @@
         <p:spPr>
           <a:xfrm>
             <a:off x="457200" y="273600"/>
-            <a:ext cx="8229240" cy="5308200"/>
+            <a:ext cx="8228880" cy="5307840"/>
           </a:xfrm>
           <a:prstGeom prst="rect">
             <a:avLst/>
@@ -3109,6 +5303,157 @@
           </a:p>
         </p:txBody>
       </p:sp>
+    </p:spTree>
+  </p:cSld>
+</p:sldLayout>
+</file>
+
+<file path=ppt/slideLayouts/slideLayout60.xml><?xml version="1.0" encoding="utf-8"?>
+<p:sldLayout xmlns:a="http://schemas.openxmlformats.org/drawingml/2006/main" xmlns:p="http://schemas.openxmlformats.org/presentationml/2006/main" xmlns:r="http://schemas.openxmlformats.org/officeDocument/2006/relationships" preserve="1" type="blank">
+  <p:cSld name="Title, 6 Content">
+    <p:spTree>
+      <p:nvGrpSpPr>
+        <p:cNvPr id="1" name=""/>
+        <p:cNvGrpSpPr/>
+        <p:nvPr/>
+      </p:nvGrpSpPr>
+      <p:grpSpPr>
+        <a:xfrm>
+          <a:off x="0" y="0"/>
+          <a:ext cx="0" cy="0"/>
+          <a:chOff x="0" y="0"/>
+          <a:chExt cx="0" cy="0"/>
+        </a:xfrm>
+      </p:grpSpPr>
+      <p:sp>
+        <p:nvSpPr>
+          <p:cNvPr id="180" name="PlaceHolder 1"/>
+          <p:cNvSpPr>
+            <a:spLocks noGrp="1"/>
+          </p:cNvSpPr>
+          <p:nvPr>
+            <p:ph type="title"/>
+          </p:nvPr>
+        </p:nvSpPr>
+        <p:spPr>
+          <a:xfrm>
+            <a:off x="457200" y="273600"/>
+            <a:ext cx="8228880" cy="1145160"/>
+          </a:xfrm>
+          <a:prstGeom prst="rect">
+            <a:avLst/>
+          </a:prstGeom>
+        </p:spPr>
+        <p:txBody>
+          <a:bodyPr anchor="ctr" bIns="0" lIns="0" rIns="0" tIns="0" wrap="none"/>
+          <a:p>
+            <a:pPr algn="ctr"/>
+            <a:endParaRPr/>
+          </a:p>
+        </p:txBody>
+      </p:sp>
+      <p:sp>
+        <p:nvSpPr>
+          <p:cNvPr id="181" name="PlaceHolder 2"/>
+          <p:cNvSpPr>
+            <a:spLocks noGrp="1"/>
+          </p:cNvSpPr>
+          <p:nvPr>
+            <p:ph type="body"/>
+          </p:nvPr>
+        </p:nvSpPr>
+        <p:spPr>
+          <a:xfrm>
+            <a:off x="457200" y="1604520"/>
+            <a:ext cx="4015440" cy="1896480"/>
+          </a:xfrm>
+          <a:prstGeom prst="rect">
+            <a:avLst/>
+          </a:prstGeom>
+        </p:spPr>
+        <p:txBody>
+          <a:bodyPr bIns="0" lIns="0" rIns="0" tIns="0" wrap="none"/>
+          <a:p>
+            <a:endParaRPr/>
+          </a:p>
+        </p:txBody>
+      </p:sp>
+      <p:sp>
+        <p:nvSpPr>
+          <p:cNvPr id="182" name="PlaceHolder 3"/>
+          <p:cNvSpPr>
+            <a:spLocks noGrp="1"/>
+          </p:cNvSpPr>
+          <p:nvPr>
+            <p:ph type="body"/>
+          </p:nvPr>
+        </p:nvSpPr>
+        <p:spPr>
+          <a:xfrm>
+            <a:off x="4673520" y="1604520"/>
+            <a:ext cx="4015440" cy="1896480"/>
+          </a:xfrm>
+          <a:prstGeom prst="rect">
+            <a:avLst/>
+          </a:prstGeom>
+        </p:spPr>
+        <p:txBody>
+          <a:bodyPr bIns="0" lIns="0" rIns="0" tIns="0" wrap="none"/>
+          <a:p>
+            <a:endParaRPr/>
+          </a:p>
+        </p:txBody>
+      </p:sp>
+      <p:pic>
+        <p:nvPicPr>
+          <p:cNvPr descr="" id="183" name=""/>
+          <p:cNvPicPr/>
+          <p:nvPr/>
+        </p:nvPicPr>
+        <p:blipFill>
+          <a:blip r:embed="rId2"/>
+          <a:stretch>
+            <a:fillRect/>
+          </a:stretch>
+        </p:blipFill>
+        <p:spPr>
+          <a:xfrm>
+            <a:off x="5492880" y="3681360"/>
+            <a:ext cx="2376720" cy="1896480"/>
+          </a:xfrm>
+          <a:prstGeom prst="rect">
+            <a:avLst/>
+          </a:prstGeom>
+          <a:ln>
+            <a:noFill/>
+          </a:ln>
+        </p:spPr>
+      </p:pic>
+      <p:pic>
+        <p:nvPicPr>
+          <p:cNvPr descr="" id="184" name=""/>
+          <p:cNvPicPr/>
+          <p:nvPr/>
+        </p:nvPicPr>
+        <p:blipFill>
+          <a:blip r:embed="rId3"/>
+          <a:stretch>
+            <a:fillRect/>
+          </a:stretch>
+        </p:blipFill>
+        <p:spPr>
+          <a:xfrm>
+            <a:off x="1276560" y="3681360"/>
+            <a:ext cx="2376720" cy="1896480"/>
+          </a:xfrm>
+          <a:prstGeom prst="rect">
+            <a:avLst/>
+          </a:prstGeom>
+          <a:ln>
+            <a:noFill/>
+          </a:ln>
+        </p:spPr>
+      </p:pic>
     </p:spTree>
   </p:cSld>
 </p:sldLayout>
@@ -3144,7 +5489,7 @@
         <p:spPr>
           <a:xfrm>
             <a:off x="457200" y="273600"/>
-            <a:ext cx="8229240" cy="1145160"/>
+            <a:ext cx="8228880" cy="1145160"/>
           </a:xfrm>
           <a:prstGeom prst="rect">
             <a:avLst/>
@@ -3153,6 +5498,7 @@
         <p:txBody>
           <a:bodyPr anchor="ctr" bIns="0" lIns="0" rIns="0" tIns="0" wrap="none"/>
           <a:p>
+            <a:pPr algn="ctr"/>
             <a:endParaRPr/>
           </a:p>
         </p:txBody>
@@ -3170,7 +5516,7 @@
         <p:spPr>
           <a:xfrm>
             <a:off x="457200" y="1604520"/>
-            <a:ext cx="4015440" cy="1896840"/>
+            <a:ext cx="4015440" cy="1896480"/>
           </a:xfrm>
           <a:prstGeom prst="rect">
             <a:avLst/>
@@ -3195,8 +5541,8 @@
         </p:nvSpPr>
         <p:spPr>
           <a:xfrm>
-            <a:off x="457200" y="3681720"/>
-            <a:ext cx="4015440" cy="1896840"/>
+            <a:off x="457200" y="3681360"/>
+            <a:ext cx="4015440" cy="1896480"/>
           </a:xfrm>
           <a:prstGeom prst="rect">
             <a:avLst/>
@@ -3222,7 +5568,7 @@
         <p:spPr>
           <a:xfrm>
             <a:off x="4673520" y="1604520"/>
-            <a:ext cx="4015440" cy="3977280"/>
+            <a:ext cx="4015440" cy="3976920"/>
           </a:xfrm>
           <a:prstGeom prst="rect">
             <a:avLst/>
@@ -3270,7 +5616,7 @@
         <p:spPr>
           <a:xfrm>
             <a:off x="457200" y="273600"/>
-            <a:ext cx="8229240" cy="1145160"/>
+            <a:ext cx="8228880" cy="1145160"/>
           </a:xfrm>
           <a:prstGeom prst="rect">
             <a:avLst/>
@@ -3279,6 +5625,7 @@
         <p:txBody>
           <a:bodyPr anchor="ctr" bIns="0" lIns="0" rIns="0" tIns="0" wrap="none"/>
           <a:p>
+            <a:pPr algn="ctr"/>
             <a:endParaRPr/>
           </a:p>
         </p:txBody>
@@ -3296,7 +5643,7 @@
         <p:spPr>
           <a:xfrm>
             <a:off x="457200" y="1604520"/>
-            <a:ext cx="4015440" cy="3977280"/>
+            <a:ext cx="4015440" cy="3976920"/>
           </a:xfrm>
           <a:prstGeom prst="rect">
             <a:avLst/>
@@ -3322,7 +5669,7 @@
         <p:spPr>
           <a:xfrm>
             <a:off x="4673520" y="1604520"/>
-            <a:ext cx="4015440" cy="1896840"/>
+            <a:ext cx="4015440" cy="1896480"/>
           </a:xfrm>
           <a:prstGeom prst="rect">
             <a:avLst/>
@@ -3347,8 +5694,8 @@
         </p:nvSpPr>
         <p:spPr>
           <a:xfrm>
-            <a:off x="4673520" y="3681720"/>
-            <a:ext cx="4015440" cy="1896840"/>
+            <a:off x="4673520" y="3681360"/>
+            <a:ext cx="4015440" cy="1896480"/>
           </a:xfrm>
           <a:prstGeom prst="rect">
             <a:avLst/>
@@ -3396,7 +5743,7 @@
         <p:spPr>
           <a:xfrm>
             <a:off x="457200" y="273600"/>
-            <a:ext cx="8229240" cy="1145160"/>
+            <a:ext cx="8228880" cy="1145160"/>
           </a:xfrm>
           <a:prstGeom prst="rect">
             <a:avLst/>
@@ -3405,6 +5752,7 @@
         <p:txBody>
           <a:bodyPr anchor="ctr" bIns="0" lIns="0" rIns="0" tIns="0" wrap="none"/>
           <a:p>
+            <a:pPr algn="ctr"/>
             <a:endParaRPr/>
           </a:p>
         </p:txBody>
@@ -3422,7 +5770,7 @@
         <p:spPr>
           <a:xfrm>
             <a:off x="457200" y="1604520"/>
-            <a:ext cx="4015440" cy="1896840"/>
+            <a:ext cx="4015440" cy="1896480"/>
           </a:xfrm>
           <a:prstGeom prst="rect">
             <a:avLst/>
@@ -3448,7 +5796,7 @@
         <p:spPr>
           <a:xfrm>
             <a:off x="4673520" y="1604520"/>
-            <a:ext cx="4015440" cy="1896840"/>
+            <a:ext cx="4015440" cy="1896480"/>
           </a:xfrm>
           <a:prstGeom prst="rect">
             <a:avLst/>
@@ -3473,8 +5821,8 @@
         </p:nvSpPr>
         <p:spPr>
           <a:xfrm>
-            <a:off x="457200" y="3681720"/>
-            <a:ext cx="8228520" cy="1896840"/>
+            <a:off x="457200" y="3681360"/>
+            <a:ext cx="8228520" cy="1896480"/>
           </a:xfrm>
           <a:prstGeom prst="rect">
             <a:avLst/>
@@ -3531,7 +5879,7 @@
         <p:spPr>
           <a:xfrm>
             <a:off x="0" y="0"/>
-            <a:ext cx="9142920" cy="6856920"/>
+            <a:ext cx="9142560" cy="6856560"/>
           </a:xfrm>
           <a:prstGeom prst="rect">
             <a:avLst/>
@@ -3554,7 +5902,7 @@
         <p:spPr>
           <a:xfrm>
             <a:off x="457200" y="273600"/>
-            <a:ext cx="8228880" cy="1144800"/>
+            <a:ext cx="8229240" cy="1144800"/>
           </a:xfrm>
           <a:prstGeom prst="rect">
             <a:avLst/>
@@ -3563,8 +5911,9 @@
         <p:txBody>
           <a:bodyPr anchor="ctr" bIns="0" lIns="0" rIns="0" tIns="0" wrap="none"/>
           <a:p>
-            <a:r>
-              <a:rPr lang="de-DE"/>
+            <a:pPr algn="ctr"/>
+            <a:r>
+              <a:rPr lang="de-AT"/>
               <a:t>Klicken Sie, um das Format des Titeltextes zu bearbeiten</a:t>
             </a:r>
             <a:endParaRPr/>
@@ -3584,7 +5933,7 @@
         <p:spPr>
           <a:xfrm>
             <a:off x="457200" y="1604520"/>
-            <a:ext cx="8228880" cy="3976920"/>
+            <a:ext cx="8229240" cy="3977280"/>
           </a:xfrm>
           <a:prstGeom prst="rect">
             <a:avLst/>
@@ -3599,7 +5948,7 @@
               <a:buChar char=""/>
             </a:pPr>
             <a:r>
-              <a:rPr lang="de-DE"/>
+              <a:rPr lang="de-AT"/>
               <a:t>Klicken Sie, um die Formate des Gliederungstextes zu bearbeiten</a:t>
             </a:r>
             <a:endParaRPr/>
@@ -3611,7 +5960,7 @@
               <a:buChar char=""/>
             </a:pPr>
             <a:r>
-              <a:rPr lang="de-DE"/>
+              <a:rPr lang="de-AT"/>
               <a:t>Zweite Gliederungsebene</a:t>
             </a:r>
             <a:endParaRPr/>
@@ -3623,7 +5972,7 @@
               <a:buChar char=""/>
             </a:pPr>
             <a:r>
-              <a:rPr lang="de-DE"/>
+              <a:rPr lang="de-AT"/>
               <a:t>Dritte Gliederungsebene</a:t>
             </a:r>
             <a:endParaRPr/>
@@ -3635,7 +5984,7 @@
               <a:buChar char=""/>
             </a:pPr>
             <a:r>
-              <a:rPr lang="de-DE"/>
+              <a:rPr lang="de-AT"/>
               <a:t>Vierte Gliederungsebene</a:t>
             </a:r>
             <a:endParaRPr/>
@@ -3647,7 +5996,7 @@
               <a:buChar char=""/>
             </a:pPr>
             <a:r>
-              <a:rPr lang="de-DE"/>
+              <a:rPr lang="de-AT"/>
               <a:t>Fünfte Gliederungsebene</a:t>
             </a:r>
             <a:endParaRPr/>
@@ -3659,7 +6008,7 @@
               <a:buChar char=""/>
             </a:pPr>
             <a:r>
-              <a:rPr lang="de-DE"/>
+              <a:rPr lang="de-AT"/>
               <a:t>Sechste Gliederungsebene</a:t>
             </a:r>
             <a:endParaRPr/>
@@ -3671,7 +6020,7 @@
               <a:buChar char=""/>
             </a:pPr>
             <a:r>
-              <a:rPr lang="de-DE"/>
+              <a:rPr lang="de-AT"/>
               <a:t>Siebente Gliederungsebene</a:t>
             </a:r>
             <a:endParaRPr/>
@@ -3737,7 +6086,7 @@
         <p:spPr>
           <a:xfrm>
             <a:off x="0" y="0"/>
-            <a:ext cx="9142920" cy="6856920"/>
+            <a:ext cx="9142560" cy="6856560"/>
           </a:xfrm>
           <a:prstGeom prst="rect">
             <a:avLst/>
@@ -3769,8 +6118,9 @@
         <p:txBody>
           <a:bodyPr anchor="ctr" bIns="0" lIns="0" rIns="0" tIns="0" wrap="none"/>
           <a:p>
-            <a:r>
-              <a:rPr lang="de-DE"/>
+            <a:pPr algn="ctr"/>
+            <a:r>
+              <a:rPr lang="de-AT"/>
               <a:t>Klicken Sie, um das Format des Titeltextes zu bearbeiten</a:t>
             </a:r>
             <a:endParaRPr/>
@@ -3805,7 +6155,7 @@
               <a:buChar char=""/>
             </a:pPr>
             <a:r>
-              <a:rPr lang="de-DE"/>
+              <a:rPr lang="de-AT"/>
               <a:t>Klicken Sie, um die Formate des Gliederungstextes zu bearbeiten</a:t>
             </a:r>
             <a:endParaRPr/>
@@ -3817,7 +6167,7 @@
               <a:buChar char=""/>
             </a:pPr>
             <a:r>
-              <a:rPr lang="de-DE"/>
+              <a:rPr lang="de-AT"/>
               <a:t>Zweite Gliederungsebene</a:t>
             </a:r>
             <a:endParaRPr/>
@@ -3829,7 +6179,7 @@
               <a:buChar char=""/>
             </a:pPr>
             <a:r>
-              <a:rPr lang="de-DE"/>
+              <a:rPr lang="de-AT"/>
               <a:t>Dritte Gliederungsebene</a:t>
             </a:r>
             <a:endParaRPr/>
@@ -3841,7 +6191,7 @@
               <a:buChar char=""/>
             </a:pPr>
             <a:r>
-              <a:rPr lang="de-DE"/>
+              <a:rPr lang="de-AT"/>
               <a:t>Vierte Gliederungsebene</a:t>
             </a:r>
             <a:endParaRPr/>
@@ -3853,7 +6203,7 @@
               <a:buChar char=""/>
             </a:pPr>
             <a:r>
-              <a:rPr lang="de-DE"/>
+              <a:rPr lang="de-AT"/>
               <a:t>Fünfte Gliederungsebene</a:t>
             </a:r>
             <a:endParaRPr/>
@@ -3865,7 +6215,7 @@
               <a:buChar char=""/>
             </a:pPr>
             <a:r>
-              <a:rPr lang="de-DE"/>
+              <a:rPr lang="de-AT"/>
               <a:t>Sechste Gliederungsebene</a:t>
             </a:r>
             <a:endParaRPr/>
@@ -3877,7 +6227,7 @@
               <a:buChar char=""/>
             </a:pPr>
             <a:r>
-              <a:rPr lang="de-DE"/>
+              <a:rPr lang="de-AT"/>
               <a:t>Siebente Gliederungsebene</a:t>
             </a:r>
             <a:endParaRPr/>
@@ -3943,7 +6293,7 @@
         <p:spPr>
           <a:xfrm>
             <a:off x="0" y="0"/>
-            <a:ext cx="9142920" cy="6856920"/>
+            <a:ext cx="9142560" cy="6856560"/>
           </a:xfrm>
           <a:prstGeom prst="rect">
             <a:avLst/>
@@ -3975,8 +6325,9 @@
         <p:txBody>
           <a:bodyPr anchor="ctr" bIns="0" lIns="0" rIns="0" tIns="0" wrap="none"/>
           <a:p>
-            <a:r>
-              <a:rPr lang="de-DE"/>
+            <a:pPr algn="ctr"/>
+            <a:r>
+              <a:rPr lang="de-AT"/>
               <a:t>Klicken Sie, um das Format des Titeltextes zu bearbeiten</a:t>
             </a:r>
             <a:endParaRPr/>
@@ -4011,7 +6362,7 @@
               <a:buChar char=""/>
             </a:pPr>
             <a:r>
-              <a:rPr lang="de-DE"/>
+              <a:rPr lang="de-AT"/>
               <a:t>Klicken Sie, um die Formate des Gliederungstextes zu bearbeiten</a:t>
             </a:r>
             <a:endParaRPr/>
@@ -4023,7 +6374,7 @@
               <a:buChar char=""/>
             </a:pPr>
             <a:r>
-              <a:rPr lang="de-DE"/>
+              <a:rPr lang="de-AT"/>
               <a:t>Zweite Gliederungsebene</a:t>
             </a:r>
             <a:endParaRPr/>
@@ -4035,7 +6386,7 @@
               <a:buChar char=""/>
             </a:pPr>
             <a:r>
-              <a:rPr lang="de-DE"/>
+              <a:rPr lang="de-AT"/>
               <a:t>Dritte Gliederungsebene</a:t>
             </a:r>
             <a:endParaRPr/>
@@ -4047,7 +6398,7 @@
               <a:buChar char=""/>
             </a:pPr>
             <a:r>
-              <a:rPr lang="de-DE"/>
+              <a:rPr lang="de-AT"/>
               <a:t>Vierte Gliederungsebene</a:t>
             </a:r>
             <a:endParaRPr/>
@@ -4059,7 +6410,7 @@
               <a:buChar char=""/>
             </a:pPr>
             <a:r>
-              <a:rPr lang="de-DE"/>
+              <a:rPr lang="de-AT"/>
               <a:t>Fünfte Gliederungsebene</a:t>
             </a:r>
             <a:endParaRPr/>
@@ -4071,7 +6422,7 @@
               <a:buChar char=""/>
             </a:pPr>
             <a:r>
-              <a:rPr lang="de-DE"/>
+              <a:rPr lang="de-AT"/>
               <a:t>Sechste Gliederungsebene</a:t>
             </a:r>
             <a:endParaRPr/>
@@ -4083,7 +6434,7 @@
               <a:buChar char=""/>
             </a:pPr>
             <a:r>
-              <a:rPr lang="de-DE"/>
+              <a:rPr lang="de-AT"/>
               <a:t>Siebente Gliederungsebene</a:t>
             </a:r>
             <a:endParaRPr/>
@@ -4106,6 +6457,418 @@
     <p:sldLayoutId id="2147483684" r:id="rId12"/>
     <p:sldLayoutId id="2147483685" r:id="rId13"/>
     <p:sldLayoutId id="2147483686" r:id="rId14"/>
+  </p:sldLayoutIdLst>
+</p:sldMaster>
+</file>
+
+<file path=ppt/slideMasters/slideMaster4.xml><?xml version="1.0" encoding="utf-8"?>
+<p:sldMaster xmlns:a="http://schemas.openxmlformats.org/drawingml/2006/main" xmlns:p="http://schemas.openxmlformats.org/presentationml/2006/main" xmlns:r="http://schemas.openxmlformats.org/officeDocument/2006/relationships">
+  <p:cSld>
+    <p:bg>
+      <p:bgPr>
+        <a:solidFill>
+          <a:srgbClr val="ffffff"/>
+        </a:solidFill>
+      </p:bgPr>
+    </p:bg>
+    <p:spTree>
+      <p:nvGrpSpPr>
+        <p:cNvPr id="1" name=""/>
+        <p:cNvGrpSpPr/>
+        <p:nvPr/>
+      </p:nvGrpSpPr>
+      <p:grpSpPr>
+        <a:xfrm>
+          <a:off x="0" y="0"/>
+          <a:ext cx="0" cy="0"/>
+          <a:chOff x="0" y="0"/>
+          <a:chExt cx="0" cy="0"/>
+        </a:xfrm>
+      </p:grpSpPr>
+      <p:pic>
+        <p:nvPicPr>
+          <p:cNvPr descr="" id="111" name="Grafik 34"/>
+          <p:cNvPicPr/>
+          <p:nvPr/>
+        </p:nvPicPr>
+        <p:blipFill>
+          <a:blip r:embed="rId2"/>
+          <a:stretch>
+            <a:fillRect/>
+          </a:stretch>
+        </p:blipFill>
+        <p:spPr>
+          <a:xfrm>
+            <a:off x="0" y="0"/>
+            <a:ext cx="9142560" cy="6856560"/>
+          </a:xfrm>
+          <a:prstGeom prst="rect">
+            <a:avLst/>
+          </a:prstGeom>
+          <a:ln>
+            <a:noFill/>
+          </a:ln>
+        </p:spPr>
+      </p:pic>
+      <p:sp>
+        <p:nvSpPr>
+          <p:cNvPr id="112" name="PlaceHolder 1"/>
+          <p:cNvSpPr>
+            <a:spLocks noGrp="1"/>
+          </p:cNvSpPr>
+          <p:nvPr>
+            <p:ph type="title"/>
+          </p:nvPr>
+        </p:nvSpPr>
+        <p:spPr>
+          <a:xfrm>
+            <a:off x="457200" y="273600"/>
+            <a:ext cx="8228880" cy="1144800"/>
+          </a:xfrm>
+          <a:prstGeom prst="rect">
+            <a:avLst/>
+          </a:prstGeom>
+        </p:spPr>
+        <p:txBody>
+          <a:bodyPr anchor="ctr" bIns="0" lIns="0" rIns="0" tIns="0" wrap="none"/>
+          <a:p>
+            <a:r>
+              <a:rPr lang="de-AT"/>
+              <a:t>Klicken Sie, um das Format des Titeltextes zu bearbeiten</a:t>
+            </a:r>
+            <a:endParaRPr/>
+          </a:p>
+        </p:txBody>
+      </p:sp>
+      <p:sp>
+        <p:nvSpPr>
+          <p:cNvPr id="113" name="PlaceHolder 2"/>
+          <p:cNvSpPr>
+            <a:spLocks noGrp="1"/>
+          </p:cNvSpPr>
+          <p:nvPr>
+            <p:ph type="body"/>
+          </p:nvPr>
+        </p:nvSpPr>
+        <p:spPr>
+          <a:xfrm>
+            <a:off x="457200" y="1604520"/>
+            <a:ext cx="8229240" cy="3977280"/>
+          </a:xfrm>
+          <a:prstGeom prst="rect">
+            <a:avLst/>
+          </a:prstGeom>
+        </p:spPr>
+        <p:txBody>
+          <a:bodyPr bIns="0" lIns="0" rIns="0" tIns="0" wrap="none"/>
+          <a:p>
+            <a:pPr>
+              <a:buSzPct val="25000"/>
+              <a:buFont typeface="StarSymbol"/>
+              <a:buChar char=""/>
+            </a:pPr>
+            <a:r>
+              <a:rPr lang="de-AT"/>
+              <a:t>Klicken Sie, um die Formate des Gliederungstextes zu bearbeiten</a:t>
+            </a:r>
+            <a:endParaRPr/>
+          </a:p>
+          <a:p>
+            <a:pPr lvl="1">
+              <a:buSzPct val="25000"/>
+              <a:buFont typeface="StarSymbol"/>
+              <a:buChar char=""/>
+            </a:pPr>
+            <a:r>
+              <a:rPr lang="de-AT"/>
+              <a:t>Zweite Gliederungsebene</a:t>
+            </a:r>
+            <a:endParaRPr/>
+          </a:p>
+          <a:p>
+            <a:pPr lvl="2">
+              <a:buSzPct val="25000"/>
+              <a:buFont typeface="StarSymbol"/>
+              <a:buChar char=""/>
+            </a:pPr>
+            <a:r>
+              <a:rPr lang="de-AT"/>
+              <a:t>Dritte Gliederungsebene</a:t>
+            </a:r>
+            <a:endParaRPr/>
+          </a:p>
+          <a:p>
+            <a:pPr lvl="3">
+              <a:buSzPct val="25000"/>
+              <a:buFont typeface="StarSymbol"/>
+              <a:buChar char=""/>
+            </a:pPr>
+            <a:r>
+              <a:rPr lang="de-AT"/>
+              <a:t>Vierte Gliederungsebene</a:t>
+            </a:r>
+            <a:endParaRPr/>
+          </a:p>
+          <a:p>
+            <a:pPr lvl="4">
+              <a:buSzPct val="25000"/>
+              <a:buFont typeface="StarSymbol"/>
+              <a:buChar char=""/>
+            </a:pPr>
+            <a:r>
+              <a:rPr lang="de-AT"/>
+              <a:t>Fünfte Gliederungsebene</a:t>
+            </a:r>
+            <a:endParaRPr/>
+          </a:p>
+          <a:p>
+            <a:pPr lvl="5">
+              <a:buSzPct val="25000"/>
+              <a:buFont typeface="StarSymbol"/>
+              <a:buChar char=""/>
+            </a:pPr>
+            <a:r>
+              <a:rPr lang="de-AT"/>
+              <a:t>Sechste Gliederungsebene</a:t>
+            </a:r>
+            <a:endParaRPr/>
+          </a:p>
+          <a:p>
+            <a:pPr lvl="6">
+              <a:buSzPct val="25000"/>
+              <a:buFont typeface="StarSymbol"/>
+              <a:buChar char=""/>
+            </a:pPr>
+            <a:r>
+              <a:rPr lang="de-AT"/>
+              <a:t>Siebente Gliederungsebene</a:t>
+            </a:r>
+            <a:endParaRPr/>
+          </a:p>
+        </p:txBody>
+      </p:sp>
+    </p:spTree>
+  </p:cSld>
+  <p:clrMap accent1="accent1" accent2="accent2" accent3="accent3" accent4="accent4" accent5="accent5" accent6="accent6" bg1="lt1" bg2="lt2" folHlink="folHlink" hlink="hlink" tx1="dk1" tx2="dk2"/>
+  <p:sldLayoutIdLst>
+    <p:sldLayoutId id="2147483688" r:id="rId3"/>
+    <p:sldLayoutId id="2147483689" r:id="rId4"/>
+    <p:sldLayoutId id="2147483690" r:id="rId5"/>
+    <p:sldLayoutId id="2147483691" r:id="rId6"/>
+    <p:sldLayoutId id="2147483692" r:id="rId7"/>
+    <p:sldLayoutId id="2147483693" r:id="rId8"/>
+    <p:sldLayoutId id="2147483694" r:id="rId9"/>
+    <p:sldLayoutId id="2147483695" r:id="rId10"/>
+    <p:sldLayoutId id="2147483696" r:id="rId11"/>
+    <p:sldLayoutId id="2147483697" r:id="rId12"/>
+    <p:sldLayoutId id="2147483698" r:id="rId13"/>
+    <p:sldLayoutId id="2147483699" r:id="rId14"/>
+  </p:sldLayoutIdLst>
+</p:sldMaster>
+</file>
+
+<file path=ppt/slideMasters/slideMaster5.xml><?xml version="1.0" encoding="utf-8"?>
+<p:sldMaster xmlns:a="http://schemas.openxmlformats.org/drawingml/2006/main" xmlns:p="http://schemas.openxmlformats.org/presentationml/2006/main" xmlns:r="http://schemas.openxmlformats.org/officeDocument/2006/relationships">
+  <p:cSld>
+    <p:bg>
+      <p:bgPr>
+        <a:solidFill>
+          <a:srgbClr val="ffffff"/>
+        </a:solidFill>
+      </p:bgPr>
+    </p:bg>
+    <p:spTree>
+      <p:nvGrpSpPr>
+        <p:cNvPr id="1" name=""/>
+        <p:cNvGrpSpPr/>
+        <p:nvPr/>
+      </p:nvGrpSpPr>
+      <p:grpSpPr>
+        <a:xfrm>
+          <a:off x="0" y="0"/>
+          <a:ext cx="0" cy="0"/>
+          <a:chOff x="0" y="0"/>
+          <a:chExt cx="0" cy="0"/>
+        </a:xfrm>
+      </p:grpSpPr>
+      <p:pic>
+        <p:nvPicPr>
+          <p:cNvPr descr="" id="148" name="Grafik 34"/>
+          <p:cNvPicPr/>
+          <p:nvPr/>
+        </p:nvPicPr>
+        <p:blipFill>
+          <a:blip r:embed="rId2"/>
+          <a:stretch>
+            <a:fillRect/>
+          </a:stretch>
+        </p:blipFill>
+        <p:spPr>
+          <a:xfrm>
+            <a:off x="0" y="0"/>
+            <a:ext cx="9142560" cy="6856560"/>
+          </a:xfrm>
+          <a:prstGeom prst="rect">
+            <a:avLst/>
+          </a:prstGeom>
+          <a:ln>
+            <a:noFill/>
+          </a:ln>
+        </p:spPr>
+      </p:pic>
+      <p:sp>
+        <p:nvSpPr>
+          <p:cNvPr id="149" name="PlaceHolder 1"/>
+          <p:cNvSpPr>
+            <a:spLocks noGrp="1"/>
+          </p:cNvSpPr>
+          <p:nvPr>
+            <p:ph type="title"/>
+          </p:nvPr>
+        </p:nvSpPr>
+        <p:spPr>
+          <a:xfrm>
+            <a:off x="457200" y="273600"/>
+            <a:ext cx="8228880" cy="1144800"/>
+          </a:xfrm>
+          <a:prstGeom prst="rect">
+            <a:avLst/>
+          </a:prstGeom>
+        </p:spPr>
+        <p:txBody>
+          <a:bodyPr anchor="ctr" bIns="0" lIns="0" rIns="0" tIns="0" wrap="none"/>
+          <a:p>
+            <a:r>
+              <a:rPr lang="de-AT"/>
+              <a:t>Klicken Sie, um das Format des Titeltextes zu bearbeiten</a:t>
+            </a:r>
+            <a:endParaRPr/>
+          </a:p>
+        </p:txBody>
+      </p:sp>
+      <p:sp>
+        <p:nvSpPr>
+          <p:cNvPr id="150" name="PlaceHolder 2"/>
+          <p:cNvSpPr>
+            <a:spLocks noGrp="1"/>
+          </p:cNvSpPr>
+          <p:nvPr>
+            <p:ph type="body"/>
+          </p:nvPr>
+        </p:nvSpPr>
+        <p:spPr>
+          <a:xfrm>
+            <a:off x="457200" y="1604520"/>
+            <a:ext cx="8228880" cy="3976920"/>
+          </a:xfrm>
+          <a:prstGeom prst="rect">
+            <a:avLst/>
+          </a:prstGeom>
+        </p:spPr>
+        <p:txBody>
+          <a:bodyPr bIns="0" lIns="0" rIns="0" tIns="0" wrap="none"/>
+          <a:p>
+            <a:pPr>
+              <a:buSzPct val="25000"/>
+              <a:buFont typeface="StarSymbol"/>
+              <a:buChar char=""/>
+            </a:pPr>
+            <a:r>
+              <a:rPr lang="de-AT"/>
+              <a:t>Klicken Sie, um die Formate des Gliederungstextes zu bearbeiten</a:t>
+            </a:r>
+            <a:endParaRPr/>
+          </a:p>
+          <a:p>
+            <a:pPr lvl="1">
+              <a:buSzPct val="25000"/>
+              <a:buFont typeface="StarSymbol"/>
+              <a:buChar char=""/>
+            </a:pPr>
+            <a:r>
+              <a:rPr lang="de-AT"/>
+              <a:t>Zweite Gliederungsebene</a:t>
+            </a:r>
+            <a:endParaRPr/>
+          </a:p>
+          <a:p>
+            <a:pPr lvl="2">
+              <a:buSzPct val="25000"/>
+              <a:buFont typeface="StarSymbol"/>
+              <a:buChar char=""/>
+            </a:pPr>
+            <a:r>
+              <a:rPr lang="de-AT"/>
+              <a:t>Dritte Gliederungsebene</a:t>
+            </a:r>
+            <a:endParaRPr/>
+          </a:p>
+          <a:p>
+            <a:pPr lvl="3">
+              <a:buSzPct val="25000"/>
+              <a:buFont typeface="StarSymbol"/>
+              <a:buChar char=""/>
+            </a:pPr>
+            <a:r>
+              <a:rPr lang="de-AT"/>
+              <a:t>Vierte Gliederungsebene</a:t>
+            </a:r>
+            <a:endParaRPr/>
+          </a:p>
+          <a:p>
+            <a:pPr lvl="4">
+              <a:buSzPct val="25000"/>
+              <a:buFont typeface="StarSymbol"/>
+              <a:buChar char=""/>
+            </a:pPr>
+            <a:r>
+              <a:rPr lang="de-AT"/>
+              <a:t>Fünfte Gliederungsebene</a:t>
+            </a:r>
+            <a:endParaRPr/>
+          </a:p>
+          <a:p>
+            <a:pPr lvl="5">
+              <a:buSzPct val="25000"/>
+              <a:buFont typeface="StarSymbol"/>
+              <a:buChar char=""/>
+            </a:pPr>
+            <a:r>
+              <a:rPr lang="de-AT"/>
+              <a:t>Sechste Gliederungsebene</a:t>
+            </a:r>
+            <a:endParaRPr/>
+          </a:p>
+          <a:p>
+            <a:pPr lvl="6">
+              <a:buSzPct val="25000"/>
+              <a:buFont typeface="StarSymbol"/>
+              <a:buChar char=""/>
+            </a:pPr>
+            <a:r>
+              <a:rPr lang="de-AT"/>
+              <a:t>Siebente Gliederungsebene</a:t>
+            </a:r>
+            <a:endParaRPr/>
+          </a:p>
+        </p:txBody>
+      </p:sp>
+    </p:spTree>
+  </p:cSld>
+  <p:clrMap accent1="accent1" accent2="accent2" accent3="accent3" accent4="accent4" accent5="accent5" accent6="accent6" bg1="lt1" bg2="lt2" folHlink="folHlink" hlink="hlink" tx1="dk1" tx2="dk2"/>
+  <p:sldLayoutIdLst>
+    <p:sldLayoutId id="2147483701" r:id="rId3"/>
+    <p:sldLayoutId id="2147483702" r:id="rId4"/>
+    <p:sldLayoutId id="2147483703" r:id="rId5"/>
+    <p:sldLayoutId id="2147483704" r:id="rId6"/>
+    <p:sldLayoutId id="2147483705" r:id="rId7"/>
+    <p:sldLayoutId id="2147483706" r:id="rId8"/>
+    <p:sldLayoutId id="2147483707" r:id="rId9"/>
+    <p:sldLayoutId id="2147483708" r:id="rId10"/>
+    <p:sldLayoutId id="2147483709" r:id="rId11"/>
+    <p:sldLayoutId id="2147483710" r:id="rId12"/>
+    <p:sldLayoutId id="2147483711" r:id="rId13"/>
+    <p:sldLayoutId id="2147483712" r:id="rId14"/>
   </p:sldLayoutIdLst>
 </p:sldMaster>
 </file>
@@ -4129,14 +6892,14 @@
       </p:grpSpPr>
       <p:sp>
         <p:nvSpPr>
-          <p:cNvPr id="111" name="CustomShape 1"/>
+          <p:cNvPr id="185" name="CustomShape 1"/>
           <p:cNvSpPr/>
           <p:nvPr/>
         </p:nvSpPr>
         <p:spPr>
           <a:xfrm>
             <a:off x="685800" y="2130480"/>
-            <a:ext cx="7771320" cy="1468800"/>
+            <a:ext cx="7770960" cy="1468440"/>
           </a:xfrm>
           <a:prstGeom prst="rect">
             <a:avLst/>
@@ -4170,14 +6933,14 @@
       </p:sp>
       <p:sp>
         <p:nvSpPr>
-          <p:cNvPr id="112" name="CustomShape 2"/>
+          <p:cNvPr id="186" name="CustomShape 2"/>
           <p:cNvSpPr/>
           <p:nvPr/>
         </p:nvSpPr>
         <p:spPr>
           <a:xfrm>
             <a:off x="1371600" y="3886200"/>
-            <a:ext cx="6399720" cy="1751400"/>
+            <a:ext cx="6399360" cy="1751040"/>
           </a:xfrm>
           <a:prstGeom prst="rect">
             <a:avLst/>
@@ -4229,14 +6992,14 @@
       </p:sp>
       <p:sp>
         <p:nvSpPr>
-          <p:cNvPr id="113" name="CustomShape 3"/>
+          <p:cNvPr id="187" name="CustomShape 3"/>
           <p:cNvSpPr/>
           <p:nvPr/>
         </p:nvSpPr>
         <p:spPr>
           <a:xfrm>
             <a:off x="457200" y="6356520"/>
-            <a:ext cx="2132640" cy="363960"/>
+            <a:ext cx="2132280" cy="363600"/>
           </a:xfrm>
           <a:prstGeom prst="rect">
             <a:avLst/>
@@ -4270,14 +7033,14 @@
       </p:sp>
       <p:sp>
         <p:nvSpPr>
-          <p:cNvPr id="114" name="CustomShape 4"/>
+          <p:cNvPr id="188" name="CustomShape 4"/>
           <p:cNvSpPr/>
           <p:nvPr/>
         </p:nvSpPr>
         <p:spPr>
           <a:xfrm>
             <a:off x="3124080" y="6356520"/>
-            <a:ext cx="2894400" cy="363960"/>
+            <a:ext cx="2894040" cy="363600"/>
           </a:xfrm>
           <a:prstGeom prst="rect">
             <a:avLst/>
@@ -4311,14 +7074,14 @@
       </p:sp>
       <p:sp>
         <p:nvSpPr>
-          <p:cNvPr id="115" name="CustomShape 5"/>
+          <p:cNvPr id="189" name="CustomShape 5"/>
           <p:cNvSpPr/>
           <p:nvPr/>
         </p:nvSpPr>
         <p:spPr>
           <a:xfrm>
             <a:off x="6553080" y="6356520"/>
-            <a:ext cx="2132640" cy="363960"/>
+            <a:ext cx="2132280" cy="363600"/>
           </a:xfrm>
           <a:prstGeom prst="rect">
             <a:avLst/>
@@ -4336,7 +7099,7 @@
                 <a:spcPct val="100000"/>
               </a:lnSpc>
             </a:pPr>
-            <a:fld id="{A00D6FE3-4B90-4FF9-9486-96C4B9EFB6BE}" type="slidenum">
+            <a:fld id="{A02B325B-319E-4CAE-9682-723C0ED90F71}" type="slidenum">
               <a:rPr lang="de-AT" sz="1200">
                 <a:solidFill>
                   <a:srgbClr val="8b8b8b"/>
@@ -4374,14 +7137,14 @@
       </p:grpSpPr>
       <p:sp>
         <p:nvSpPr>
-          <p:cNvPr id="147" name="CustomShape 1"/>
+          <p:cNvPr id="221" name="CustomShape 1"/>
           <p:cNvSpPr/>
           <p:nvPr/>
         </p:nvSpPr>
         <p:spPr>
           <a:xfrm>
             <a:off x="457200" y="274680"/>
-            <a:ext cx="8228520" cy="1141920"/>
+            <a:ext cx="8228160" cy="1141560"/>
           </a:xfrm>
           <a:prstGeom prst="rect">
             <a:avLst/>
@@ -4415,14 +7178,14 @@
       </p:sp>
       <p:sp>
         <p:nvSpPr>
-          <p:cNvPr id="148" name="CustomShape 2"/>
+          <p:cNvPr id="222" name="CustomShape 2"/>
           <p:cNvSpPr/>
           <p:nvPr/>
         </p:nvSpPr>
         <p:spPr>
           <a:xfrm>
             <a:off x="457200" y="1600200"/>
-            <a:ext cx="8228520" cy="4524840"/>
+            <a:ext cx="8228160" cy="4524480"/>
           </a:xfrm>
           <a:prstGeom prst="rect">
             <a:avLst/>
@@ -4518,14 +7281,14 @@
       </p:sp>
       <p:sp>
         <p:nvSpPr>
-          <p:cNvPr id="149" name="CustomShape 3"/>
+          <p:cNvPr id="223" name="CustomShape 3"/>
           <p:cNvSpPr/>
           <p:nvPr/>
         </p:nvSpPr>
         <p:spPr>
           <a:xfrm>
             <a:off x="457200" y="6356520"/>
-            <a:ext cx="2132640" cy="363960"/>
+            <a:ext cx="2132280" cy="363600"/>
           </a:xfrm>
           <a:prstGeom prst="rect">
             <a:avLst/>
@@ -4559,14 +7322,14 @@
       </p:sp>
       <p:sp>
         <p:nvSpPr>
-          <p:cNvPr id="150" name="CustomShape 4"/>
+          <p:cNvPr id="224" name="CustomShape 4"/>
           <p:cNvSpPr/>
           <p:nvPr/>
         </p:nvSpPr>
         <p:spPr>
           <a:xfrm>
             <a:off x="3124080" y="6356520"/>
-            <a:ext cx="2894400" cy="363960"/>
+            <a:ext cx="2894040" cy="363600"/>
           </a:xfrm>
           <a:prstGeom prst="rect">
             <a:avLst/>
@@ -4600,14 +7363,14 @@
       </p:sp>
       <p:sp>
         <p:nvSpPr>
-          <p:cNvPr id="151" name="CustomShape 5"/>
+          <p:cNvPr id="225" name="CustomShape 5"/>
           <p:cNvSpPr/>
           <p:nvPr/>
         </p:nvSpPr>
         <p:spPr>
           <a:xfrm>
             <a:off x="6553080" y="6356520"/>
-            <a:ext cx="2132640" cy="363960"/>
+            <a:ext cx="2132280" cy="363600"/>
           </a:xfrm>
           <a:prstGeom prst="rect">
             <a:avLst/>
@@ -4625,7 +7388,7 @@
                 <a:spcPct val="100000"/>
               </a:lnSpc>
             </a:pPr>
-            <a:fld id="{25B6FEE1-6A77-4DFB-9DD4-77288823D3FE}" type="slidenum">
+            <a:fld id="{8721BA76-8E2E-4E46-9005-C0667001DCF4}" type="slidenum">
               <a:rPr lang="de-AT" sz="1200">
                 <a:solidFill>
                   <a:srgbClr val="8b8b8b"/>
@@ -4663,14 +7426,14 @@
       </p:grpSpPr>
       <p:sp>
         <p:nvSpPr>
-          <p:cNvPr id="152" name="CustomShape 1"/>
+          <p:cNvPr id="226" name="CustomShape 1"/>
           <p:cNvSpPr/>
           <p:nvPr/>
         </p:nvSpPr>
         <p:spPr>
           <a:xfrm>
             <a:off x="457200" y="274680"/>
-            <a:ext cx="8228520" cy="1141920"/>
+            <a:ext cx="8228160" cy="1141560"/>
           </a:xfrm>
           <a:prstGeom prst="rect">
             <a:avLst/>
@@ -4704,14 +7467,14 @@
       </p:sp>
       <p:sp>
         <p:nvSpPr>
-          <p:cNvPr id="153" name="CustomShape 2"/>
+          <p:cNvPr id="227" name="CustomShape 2"/>
           <p:cNvSpPr/>
           <p:nvPr/>
         </p:nvSpPr>
         <p:spPr>
           <a:xfrm>
             <a:off x="457200" y="1600200"/>
-            <a:ext cx="8228520" cy="4524840"/>
+            <a:ext cx="8228160" cy="4524480"/>
           </a:xfrm>
           <a:prstGeom prst="rect">
             <a:avLst/>
@@ -4803,14 +7566,14 @@
       </p:sp>
       <p:sp>
         <p:nvSpPr>
-          <p:cNvPr id="154" name="CustomShape 3"/>
+          <p:cNvPr id="228" name="CustomShape 3"/>
           <p:cNvSpPr/>
           <p:nvPr/>
         </p:nvSpPr>
         <p:spPr>
           <a:xfrm>
             <a:off x="457200" y="6356520"/>
-            <a:ext cx="2132640" cy="363960"/>
+            <a:ext cx="2132280" cy="363600"/>
           </a:xfrm>
           <a:prstGeom prst="rect">
             <a:avLst/>
@@ -4844,14 +7607,14 @@
       </p:sp>
       <p:sp>
         <p:nvSpPr>
-          <p:cNvPr id="155" name="CustomShape 4"/>
+          <p:cNvPr id="229" name="CustomShape 4"/>
           <p:cNvSpPr/>
           <p:nvPr/>
         </p:nvSpPr>
         <p:spPr>
           <a:xfrm>
             <a:off x="3124080" y="6356520"/>
-            <a:ext cx="2894400" cy="363960"/>
+            <a:ext cx="2894040" cy="363600"/>
           </a:xfrm>
           <a:prstGeom prst="rect">
             <a:avLst/>
@@ -4885,14 +7648,14 @@
       </p:sp>
       <p:sp>
         <p:nvSpPr>
-          <p:cNvPr id="156" name="CustomShape 5"/>
+          <p:cNvPr id="230" name="CustomShape 5"/>
           <p:cNvSpPr/>
           <p:nvPr/>
         </p:nvSpPr>
         <p:spPr>
           <a:xfrm>
             <a:off x="6553080" y="6356520"/>
-            <a:ext cx="2132640" cy="363960"/>
+            <a:ext cx="2132280" cy="363600"/>
           </a:xfrm>
           <a:prstGeom prst="rect">
             <a:avLst/>
@@ -4910,7 +7673,7 @@
                 <a:spcPct val="100000"/>
               </a:lnSpc>
             </a:pPr>
-            <a:fld id="{8BA63BF7-BFC2-4FE1-9A3C-8A9ADFF24B36}" type="slidenum">
+            <a:fld id="{4E1C9FC2-1494-4082-9A5A-FCC5F389D799}" type="slidenum">
               <a:rPr lang="de-AT" sz="1200">
                 <a:solidFill>
                   <a:srgbClr val="8b8b8b"/>
@@ -4948,14 +7711,14 @@
       </p:grpSpPr>
       <p:sp>
         <p:nvSpPr>
-          <p:cNvPr id="157" name="CustomShape 1"/>
+          <p:cNvPr id="231" name="CustomShape 1"/>
           <p:cNvSpPr/>
           <p:nvPr/>
         </p:nvSpPr>
         <p:spPr>
           <a:xfrm>
             <a:off x="457200" y="274680"/>
-            <a:ext cx="8228520" cy="1141920"/>
+            <a:ext cx="8228160" cy="1141560"/>
           </a:xfrm>
           <a:prstGeom prst="rect">
             <a:avLst/>
@@ -4989,14 +7752,14 @@
       </p:sp>
       <p:sp>
         <p:nvSpPr>
-          <p:cNvPr id="158" name="CustomShape 2"/>
+          <p:cNvPr id="232" name="CustomShape 2"/>
           <p:cNvSpPr/>
           <p:nvPr/>
         </p:nvSpPr>
         <p:spPr>
           <a:xfrm>
             <a:off x="457200" y="1600200"/>
-            <a:ext cx="8228520" cy="4524840"/>
+            <a:ext cx="8228160" cy="4524480"/>
           </a:xfrm>
           <a:prstGeom prst="rect">
             <a:avLst/>
@@ -5096,14 +7859,14 @@
       </p:sp>
       <p:sp>
         <p:nvSpPr>
-          <p:cNvPr id="159" name="CustomShape 3"/>
+          <p:cNvPr id="233" name="CustomShape 3"/>
           <p:cNvSpPr/>
           <p:nvPr/>
         </p:nvSpPr>
         <p:spPr>
           <a:xfrm>
             <a:off x="457200" y="6356520"/>
-            <a:ext cx="2132640" cy="363960"/>
+            <a:ext cx="2132280" cy="363600"/>
           </a:xfrm>
           <a:prstGeom prst="rect">
             <a:avLst/>
@@ -5137,14 +7900,14 @@
       </p:sp>
       <p:sp>
         <p:nvSpPr>
-          <p:cNvPr id="160" name="CustomShape 4"/>
+          <p:cNvPr id="234" name="CustomShape 4"/>
           <p:cNvSpPr/>
           <p:nvPr/>
         </p:nvSpPr>
         <p:spPr>
           <a:xfrm>
             <a:off x="3124080" y="6356520"/>
-            <a:ext cx="2894400" cy="363960"/>
+            <a:ext cx="2894040" cy="363600"/>
           </a:xfrm>
           <a:prstGeom prst="rect">
             <a:avLst/>
@@ -5178,14 +7941,14 @@
       </p:sp>
       <p:sp>
         <p:nvSpPr>
-          <p:cNvPr id="161" name="CustomShape 5"/>
+          <p:cNvPr id="235" name="CustomShape 5"/>
           <p:cNvSpPr/>
           <p:nvPr/>
         </p:nvSpPr>
         <p:spPr>
           <a:xfrm>
             <a:off x="6553080" y="6356520"/>
-            <a:ext cx="2132640" cy="363960"/>
+            <a:ext cx="2132280" cy="363600"/>
           </a:xfrm>
           <a:prstGeom prst="rect">
             <a:avLst/>
@@ -5203,7 +7966,7 @@
                 <a:spcPct val="100000"/>
               </a:lnSpc>
             </a:pPr>
-            <a:fld id="{134B3DC5-2E26-405E-850D-165C2C941196}" type="slidenum">
+            <a:fld id="{0B90F755-F180-4C04-A8B3-496C28AD6BF8}" type="slidenum">
               <a:rPr lang="de-AT" sz="1200">
                 <a:solidFill>
                   <a:srgbClr val="8b8b8b"/>
@@ -5268,14 +8031,14 @@
       </p:grpSpPr>
       <p:sp>
         <p:nvSpPr>
-          <p:cNvPr id="162" name="CustomShape 1"/>
+          <p:cNvPr id="236" name="CustomShape 1"/>
           <p:cNvSpPr/>
           <p:nvPr/>
         </p:nvSpPr>
         <p:spPr>
           <a:xfrm>
             <a:off x="457200" y="274680"/>
-            <a:ext cx="8228520" cy="1141920"/>
+            <a:ext cx="8228160" cy="1141560"/>
           </a:xfrm>
           <a:prstGeom prst="rect">
             <a:avLst/>
@@ -5309,14 +8072,14 @@
       </p:sp>
       <p:sp>
         <p:nvSpPr>
-          <p:cNvPr id="163" name="CustomShape 2"/>
+          <p:cNvPr id="237" name="CustomShape 2"/>
           <p:cNvSpPr/>
           <p:nvPr/>
         </p:nvSpPr>
         <p:spPr>
           <a:xfrm>
             <a:off x="457200" y="1600200"/>
-            <a:ext cx="8228520" cy="4524840"/>
+            <a:ext cx="8228160" cy="4524480"/>
           </a:xfrm>
           <a:prstGeom prst="rect">
             <a:avLst/>
@@ -5500,14 +8263,14 @@
       </p:sp>
       <p:sp>
         <p:nvSpPr>
-          <p:cNvPr id="164" name="CustomShape 3"/>
+          <p:cNvPr id="238" name="CustomShape 3"/>
           <p:cNvSpPr/>
           <p:nvPr/>
         </p:nvSpPr>
         <p:spPr>
           <a:xfrm>
             <a:off x="457200" y="6356520"/>
-            <a:ext cx="2132640" cy="363960"/>
+            <a:ext cx="2132280" cy="363600"/>
           </a:xfrm>
           <a:prstGeom prst="rect">
             <a:avLst/>
@@ -5541,14 +8304,14 @@
       </p:sp>
       <p:sp>
         <p:nvSpPr>
-          <p:cNvPr id="165" name="CustomShape 4"/>
+          <p:cNvPr id="239" name="CustomShape 4"/>
           <p:cNvSpPr/>
           <p:nvPr/>
         </p:nvSpPr>
         <p:spPr>
           <a:xfrm>
             <a:off x="3124080" y="6356520"/>
-            <a:ext cx="2894400" cy="363960"/>
+            <a:ext cx="2894040" cy="363600"/>
           </a:xfrm>
           <a:prstGeom prst="rect">
             <a:avLst/>
@@ -5582,14 +8345,14 @@
       </p:sp>
       <p:sp>
         <p:nvSpPr>
-          <p:cNvPr id="166" name="CustomShape 5"/>
+          <p:cNvPr id="240" name="CustomShape 5"/>
           <p:cNvSpPr/>
           <p:nvPr/>
         </p:nvSpPr>
         <p:spPr>
           <a:xfrm>
             <a:off x="6553080" y="6356520"/>
-            <a:ext cx="2132640" cy="363960"/>
+            <a:ext cx="2132280" cy="363600"/>
           </a:xfrm>
           <a:prstGeom prst="rect">
             <a:avLst/>
@@ -5607,7 +8370,7 @@
                 <a:spcPct val="100000"/>
               </a:lnSpc>
             </a:pPr>
-            <a:fld id="{0AED2E87-626D-4F66-9F7E-8D7312729680}" type="slidenum">
+            <a:fld id="{2D8DD670-76C3-42F5-A880-5BF5FF123B92}" type="slidenum">
               <a:rPr lang="de-AT" sz="1200">
                 <a:solidFill>
                   <a:srgbClr val="8b8b8b"/>
@@ -5623,7 +8386,7 @@
       </p:sp>
       <p:pic>
         <p:nvPicPr>
-          <p:cNvPr descr="" id="167" name="Picture 2"/>
+          <p:cNvPr descr="" id="241" name="Picture 2"/>
           <p:cNvPicPr/>
           <p:nvPr/>
         </p:nvPicPr>
@@ -5636,7 +8399,7 @@
         <p:spPr>
           <a:xfrm>
             <a:off x="424800" y="1600200"/>
-            <a:ext cx="7727400" cy="3988800"/>
+            <a:ext cx="7727040" cy="3988440"/>
           </a:xfrm>
           <a:prstGeom prst="rect">
             <a:avLst/>
@@ -5670,14 +8433,14 @@
       </p:grpSpPr>
       <p:sp>
         <p:nvSpPr>
-          <p:cNvPr id="168" name="CustomShape 1"/>
+          <p:cNvPr id="242" name="CustomShape 1"/>
           <p:cNvSpPr/>
           <p:nvPr/>
         </p:nvSpPr>
         <p:spPr>
           <a:xfrm>
             <a:off x="457200" y="274680"/>
-            <a:ext cx="8228520" cy="1141920"/>
+            <a:ext cx="8228160" cy="1141560"/>
           </a:xfrm>
           <a:prstGeom prst="rect">
             <a:avLst/>
@@ -5711,14 +8474,14 @@
       </p:sp>
       <p:sp>
         <p:nvSpPr>
-          <p:cNvPr id="169" name="CustomShape 2"/>
+          <p:cNvPr id="243" name="CustomShape 2"/>
           <p:cNvSpPr/>
           <p:nvPr/>
         </p:nvSpPr>
         <p:spPr>
           <a:xfrm>
             <a:off x="457200" y="1600200"/>
-            <a:ext cx="8228520" cy="4524840"/>
+            <a:ext cx="8228160" cy="4524480"/>
           </a:xfrm>
           <a:prstGeom prst="rect">
             <a:avLst/>
@@ -5818,14 +8581,14 @@
       </p:sp>
       <p:sp>
         <p:nvSpPr>
-          <p:cNvPr id="170" name="CustomShape 3"/>
+          <p:cNvPr id="244" name="CustomShape 3"/>
           <p:cNvSpPr/>
           <p:nvPr/>
         </p:nvSpPr>
         <p:spPr>
           <a:xfrm>
             <a:off x="457200" y="6356520"/>
-            <a:ext cx="2132640" cy="363960"/>
+            <a:ext cx="2132280" cy="363600"/>
           </a:xfrm>
           <a:prstGeom prst="rect">
             <a:avLst/>
@@ -5859,14 +8622,14 @@
       </p:sp>
       <p:sp>
         <p:nvSpPr>
-          <p:cNvPr id="171" name="CustomShape 4"/>
+          <p:cNvPr id="245" name="CustomShape 4"/>
           <p:cNvSpPr/>
           <p:nvPr/>
         </p:nvSpPr>
         <p:spPr>
           <a:xfrm>
             <a:off x="3124080" y="6356520"/>
-            <a:ext cx="2894400" cy="363960"/>
+            <a:ext cx="2894040" cy="363600"/>
           </a:xfrm>
           <a:prstGeom prst="rect">
             <a:avLst/>
@@ -5900,14 +8663,14 @@
       </p:sp>
       <p:sp>
         <p:nvSpPr>
-          <p:cNvPr id="172" name="CustomShape 5"/>
+          <p:cNvPr id="246" name="CustomShape 5"/>
           <p:cNvSpPr/>
           <p:nvPr/>
         </p:nvSpPr>
         <p:spPr>
           <a:xfrm>
             <a:off x="6553080" y="6356520"/>
-            <a:ext cx="2132640" cy="363960"/>
+            <a:ext cx="2132280" cy="363600"/>
           </a:xfrm>
           <a:prstGeom prst="rect">
             <a:avLst/>
@@ -5925,7 +8688,7 @@
                 <a:spcPct val="100000"/>
               </a:lnSpc>
             </a:pPr>
-            <a:fld id="{599B0D2F-1BA1-45E2-867B-4391BA9919BF}" type="slidenum">
+            <a:fld id="{620A9111-DFA1-4CC1-8438-743CE2CBF8BB}" type="slidenum">
               <a:rPr lang="de-AT" sz="1200">
                 <a:solidFill>
                   <a:srgbClr val="8b8b8b"/>
@@ -5990,14 +8753,14 @@
       </p:grpSpPr>
       <p:sp>
         <p:nvSpPr>
-          <p:cNvPr id="173" name="CustomShape 1"/>
+          <p:cNvPr id="247" name="CustomShape 1"/>
           <p:cNvSpPr/>
           <p:nvPr/>
         </p:nvSpPr>
         <p:spPr>
           <a:xfrm>
             <a:off x="457200" y="274680"/>
-            <a:ext cx="8228520" cy="1141920"/>
+            <a:ext cx="8228160" cy="1141560"/>
           </a:xfrm>
           <a:prstGeom prst="rect">
             <a:avLst/>
@@ -6031,14 +8794,14 @@
       </p:sp>
       <p:sp>
         <p:nvSpPr>
-          <p:cNvPr id="174" name="CustomShape 2"/>
+          <p:cNvPr id="248" name="CustomShape 2"/>
           <p:cNvSpPr/>
           <p:nvPr/>
         </p:nvSpPr>
         <p:spPr>
           <a:xfrm>
             <a:off x="457200" y="1600200"/>
-            <a:ext cx="8228520" cy="4524840"/>
+            <a:ext cx="8228160" cy="4524480"/>
           </a:xfrm>
           <a:prstGeom prst="rect">
             <a:avLst/>
@@ -6166,14 +8929,14 @@
       </p:sp>
       <p:sp>
         <p:nvSpPr>
-          <p:cNvPr id="175" name="CustomShape 3"/>
+          <p:cNvPr id="249" name="CustomShape 3"/>
           <p:cNvSpPr/>
           <p:nvPr/>
         </p:nvSpPr>
         <p:spPr>
           <a:xfrm>
             <a:off x="457200" y="6356520"/>
-            <a:ext cx="2132640" cy="363960"/>
+            <a:ext cx="2132280" cy="363600"/>
           </a:xfrm>
           <a:prstGeom prst="rect">
             <a:avLst/>
@@ -6207,14 +8970,14 @@
       </p:sp>
       <p:sp>
         <p:nvSpPr>
-          <p:cNvPr id="176" name="CustomShape 4"/>
+          <p:cNvPr id="250" name="CustomShape 4"/>
           <p:cNvSpPr/>
           <p:nvPr/>
         </p:nvSpPr>
         <p:spPr>
           <a:xfrm>
             <a:off x="3124080" y="6356520"/>
-            <a:ext cx="2894400" cy="363960"/>
+            <a:ext cx="2894040" cy="363600"/>
           </a:xfrm>
           <a:prstGeom prst="rect">
             <a:avLst/>
@@ -6248,14 +9011,14 @@
       </p:sp>
       <p:sp>
         <p:nvSpPr>
-          <p:cNvPr id="177" name="CustomShape 5"/>
+          <p:cNvPr id="251" name="CustomShape 5"/>
           <p:cNvSpPr/>
           <p:nvPr/>
         </p:nvSpPr>
         <p:spPr>
           <a:xfrm>
             <a:off x="6553080" y="6356520"/>
-            <a:ext cx="2132640" cy="363960"/>
+            <a:ext cx="2132280" cy="363600"/>
           </a:xfrm>
           <a:prstGeom prst="rect">
             <a:avLst/>
@@ -6273,7 +9036,7 @@
                 <a:spcPct val="100000"/>
               </a:lnSpc>
             </a:pPr>
-            <a:fld id="{16499ADC-AAD5-47DE-92EC-E7A4EBF4CBCF}" type="slidenum">
+            <a:fld id="{ACCFB41F-DABA-4D5D-8253-9E8BD3BA1D76}" type="slidenum">
               <a:rPr lang="de-AT" sz="1200">
                 <a:solidFill>
                   <a:srgbClr val="8b8b8b"/>
@@ -6311,14 +9074,14 @@
       </p:grpSpPr>
       <p:sp>
         <p:nvSpPr>
-          <p:cNvPr id="178" name="CustomShape 1"/>
+          <p:cNvPr id="252" name="CustomShape 1"/>
           <p:cNvSpPr/>
           <p:nvPr/>
         </p:nvSpPr>
         <p:spPr>
           <a:xfrm>
             <a:off x="457200" y="274680"/>
-            <a:ext cx="8228520" cy="1141920"/>
+            <a:ext cx="8228160" cy="1141560"/>
           </a:xfrm>
           <a:prstGeom prst="rect">
             <a:avLst/>
@@ -6352,14 +9115,14 @@
       </p:sp>
       <p:sp>
         <p:nvSpPr>
-          <p:cNvPr id="179" name="CustomShape 2"/>
+          <p:cNvPr id="253" name="CustomShape 2"/>
           <p:cNvSpPr/>
           <p:nvPr/>
         </p:nvSpPr>
         <p:spPr>
           <a:xfrm>
             <a:off x="457200" y="1600200"/>
-            <a:ext cx="8228520" cy="4524840"/>
+            <a:ext cx="8228160" cy="4524480"/>
           </a:xfrm>
           <a:prstGeom prst="rect">
             <a:avLst/>
@@ -6455,14 +9218,14 @@
       </p:sp>
       <p:sp>
         <p:nvSpPr>
-          <p:cNvPr id="180" name="CustomShape 3"/>
+          <p:cNvPr id="254" name="CustomShape 3"/>
           <p:cNvSpPr/>
           <p:nvPr/>
         </p:nvSpPr>
         <p:spPr>
           <a:xfrm>
             <a:off x="457200" y="6356520"/>
-            <a:ext cx="2132640" cy="363960"/>
+            <a:ext cx="2132280" cy="363600"/>
           </a:xfrm>
           <a:prstGeom prst="rect">
             <a:avLst/>
@@ -6496,14 +9259,14 @@
       </p:sp>
       <p:sp>
         <p:nvSpPr>
-          <p:cNvPr id="181" name="CustomShape 4"/>
+          <p:cNvPr id="255" name="CustomShape 4"/>
           <p:cNvSpPr/>
           <p:nvPr/>
         </p:nvSpPr>
         <p:spPr>
           <a:xfrm>
             <a:off x="3124080" y="6356520"/>
-            <a:ext cx="2894400" cy="363960"/>
+            <a:ext cx="2894040" cy="363600"/>
           </a:xfrm>
           <a:prstGeom prst="rect">
             <a:avLst/>
@@ -6537,14 +9300,14 @@
       </p:sp>
       <p:sp>
         <p:nvSpPr>
-          <p:cNvPr id="182" name="CustomShape 5"/>
+          <p:cNvPr id="256" name="CustomShape 5"/>
           <p:cNvSpPr/>
           <p:nvPr/>
         </p:nvSpPr>
         <p:spPr>
           <a:xfrm>
             <a:off x="6553080" y="6356520"/>
-            <a:ext cx="2132640" cy="363960"/>
+            <a:ext cx="2132280" cy="363600"/>
           </a:xfrm>
           <a:prstGeom prst="rect">
             <a:avLst/>
@@ -6562,7 +9325,7 @@
                 <a:spcPct val="100000"/>
               </a:lnSpc>
             </a:pPr>
-            <a:fld id="{E92628E3-0837-4D99-9EF9-55C8B738A13B}" type="slidenum">
+            <a:fld id="{1B9E31E5-12B8-4162-B700-A0D3F509B62F}" type="slidenum">
               <a:rPr lang="de-AT" sz="1200">
                 <a:solidFill>
                   <a:srgbClr val="8b8b8b"/>
@@ -6600,14 +9363,14 @@
       </p:grpSpPr>
       <p:sp>
         <p:nvSpPr>
-          <p:cNvPr id="183" name="CustomShape 1"/>
+          <p:cNvPr id="257" name="CustomShape 1"/>
           <p:cNvSpPr/>
           <p:nvPr/>
         </p:nvSpPr>
         <p:spPr>
           <a:xfrm>
             <a:off x="457200" y="274680"/>
-            <a:ext cx="8228520" cy="1141920"/>
+            <a:ext cx="8228160" cy="1141560"/>
           </a:xfrm>
           <a:prstGeom prst="rect">
             <a:avLst/>
@@ -6641,14 +9404,14 @@
       </p:sp>
       <p:sp>
         <p:nvSpPr>
-          <p:cNvPr id="184" name="CustomShape 2"/>
+          <p:cNvPr id="258" name="CustomShape 2"/>
           <p:cNvSpPr/>
           <p:nvPr/>
         </p:nvSpPr>
         <p:spPr>
           <a:xfrm>
             <a:off x="457200" y="1600200"/>
-            <a:ext cx="8228520" cy="4524840"/>
+            <a:ext cx="8228160" cy="4524480"/>
           </a:xfrm>
           <a:prstGeom prst="rect">
             <a:avLst/>
@@ -6748,14 +9511,14 @@
       </p:sp>
       <p:sp>
         <p:nvSpPr>
-          <p:cNvPr id="185" name="CustomShape 3"/>
+          <p:cNvPr id="259" name="CustomShape 3"/>
           <p:cNvSpPr/>
           <p:nvPr/>
         </p:nvSpPr>
         <p:spPr>
           <a:xfrm>
             <a:off x="457200" y="6356520"/>
-            <a:ext cx="2132640" cy="363960"/>
+            <a:ext cx="2132280" cy="363600"/>
           </a:xfrm>
           <a:prstGeom prst="rect">
             <a:avLst/>
@@ -6789,14 +9552,14 @@
       </p:sp>
       <p:sp>
         <p:nvSpPr>
-          <p:cNvPr id="186" name="CustomShape 4"/>
+          <p:cNvPr id="260" name="CustomShape 4"/>
           <p:cNvSpPr/>
           <p:nvPr/>
         </p:nvSpPr>
         <p:spPr>
           <a:xfrm>
             <a:off x="3124080" y="6356520"/>
-            <a:ext cx="2894400" cy="363960"/>
+            <a:ext cx="2894040" cy="363600"/>
           </a:xfrm>
           <a:prstGeom prst="rect">
             <a:avLst/>
@@ -6830,14 +9593,14 @@
       </p:sp>
       <p:sp>
         <p:nvSpPr>
-          <p:cNvPr id="187" name="CustomShape 5"/>
+          <p:cNvPr id="261" name="CustomShape 5"/>
           <p:cNvSpPr/>
           <p:nvPr/>
         </p:nvSpPr>
         <p:spPr>
           <a:xfrm>
             <a:off x="6553080" y="6356520"/>
-            <a:ext cx="2132640" cy="363960"/>
+            <a:ext cx="2132280" cy="363600"/>
           </a:xfrm>
           <a:prstGeom prst="rect">
             <a:avLst/>
@@ -6855,7 +9618,7 @@
                 <a:spcPct val="100000"/>
               </a:lnSpc>
             </a:pPr>
-            <a:fld id="{FE5DC103-4037-465F-A5C4-44E3EB6E9B2A}" type="slidenum">
+            <a:fld id="{9A98A05B-B2B8-48B1-BC98-30E5C17464D7}" type="slidenum">
               <a:rPr lang="de-AT" sz="1200">
                 <a:solidFill>
                   <a:srgbClr val="8b8b8b"/>
@@ -6893,14 +9656,14 @@
       </p:grpSpPr>
       <p:sp>
         <p:nvSpPr>
-          <p:cNvPr id="188" name="CustomShape 1"/>
+          <p:cNvPr id="262" name="CustomShape 1"/>
           <p:cNvSpPr/>
           <p:nvPr/>
         </p:nvSpPr>
         <p:spPr>
           <a:xfrm>
             <a:off x="457200" y="274680"/>
-            <a:ext cx="8228520" cy="1141920"/>
+            <a:ext cx="8228160" cy="1141560"/>
           </a:xfrm>
           <a:prstGeom prst="rect">
             <a:avLst/>
@@ -6934,14 +9697,14 @@
       </p:sp>
       <p:sp>
         <p:nvSpPr>
-          <p:cNvPr id="189" name="CustomShape 2"/>
+          <p:cNvPr id="263" name="CustomShape 2"/>
           <p:cNvSpPr/>
           <p:nvPr/>
         </p:nvSpPr>
         <p:spPr>
           <a:xfrm>
             <a:off x="457200" y="1600200"/>
-            <a:ext cx="8228520" cy="4524840"/>
+            <a:ext cx="8228160" cy="4524480"/>
           </a:xfrm>
           <a:prstGeom prst="rect">
             <a:avLst/>
@@ -7049,14 +9812,14 @@
       </p:sp>
       <p:sp>
         <p:nvSpPr>
-          <p:cNvPr id="190" name="CustomShape 3"/>
+          <p:cNvPr id="264" name="CustomShape 3"/>
           <p:cNvSpPr/>
           <p:nvPr/>
         </p:nvSpPr>
         <p:spPr>
           <a:xfrm>
             <a:off x="457200" y="6356520"/>
-            <a:ext cx="2132640" cy="363960"/>
+            <a:ext cx="2132280" cy="363600"/>
           </a:xfrm>
           <a:prstGeom prst="rect">
             <a:avLst/>
@@ -7090,14 +9853,14 @@
       </p:sp>
       <p:sp>
         <p:nvSpPr>
-          <p:cNvPr id="191" name="CustomShape 4"/>
+          <p:cNvPr id="265" name="CustomShape 4"/>
           <p:cNvSpPr/>
           <p:nvPr/>
         </p:nvSpPr>
         <p:spPr>
           <a:xfrm>
             <a:off x="3124080" y="6356520"/>
-            <a:ext cx="2894400" cy="363960"/>
+            <a:ext cx="2894040" cy="363600"/>
           </a:xfrm>
           <a:prstGeom prst="rect">
             <a:avLst/>
@@ -7131,14 +9894,14 @@
       </p:sp>
       <p:sp>
         <p:nvSpPr>
-          <p:cNvPr id="192" name="CustomShape 5"/>
+          <p:cNvPr id="266" name="CustomShape 5"/>
           <p:cNvSpPr/>
           <p:nvPr/>
         </p:nvSpPr>
         <p:spPr>
           <a:xfrm>
             <a:off x="6553080" y="6356520"/>
-            <a:ext cx="2132640" cy="363960"/>
+            <a:ext cx="2132280" cy="363600"/>
           </a:xfrm>
           <a:prstGeom prst="rect">
             <a:avLst/>
@@ -7156,7 +9919,7 @@
                 <a:spcPct val="100000"/>
               </a:lnSpc>
             </a:pPr>
-            <a:fld id="{D70DE81C-D7D6-487D-B854-D5E2941157D5}" type="slidenum">
+            <a:fld id="{E2325AC2-8329-4660-B365-E8C56CD973E3}" type="slidenum">
               <a:rPr lang="de-AT" sz="1200">
                 <a:solidFill>
                   <a:srgbClr val="8b8b8b"/>
@@ -7221,14 +9984,14 @@
       </p:grpSpPr>
       <p:sp>
         <p:nvSpPr>
-          <p:cNvPr id="193" name="CustomShape 1"/>
+          <p:cNvPr id="267" name="CustomShape 1"/>
           <p:cNvSpPr/>
           <p:nvPr/>
         </p:nvSpPr>
         <p:spPr>
           <a:xfrm>
             <a:off x="457200" y="274680"/>
-            <a:ext cx="8228520" cy="1141920"/>
+            <a:ext cx="8228160" cy="1141560"/>
           </a:xfrm>
           <a:prstGeom prst="rect">
             <a:avLst/>
@@ -7262,14 +10025,14 @@
       </p:sp>
       <p:sp>
         <p:nvSpPr>
-          <p:cNvPr id="194" name="CustomShape 2"/>
+          <p:cNvPr id="268" name="CustomShape 2"/>
           <p:cNvSpPr/>
           <p:nvPr/>
         </p:nvSpPr>
         <p:spPr>
           <a:xfrm>
             <a:off x="457200" y="1600200"/>
-            <a:ext cx="8228520" cy="4524840"/>
+            <a:ext cx="8228160" cy="4524480"/>
           </a:xfrm>
           <a:prstGeom prst="rect">
             <a:avLst/>
@@ -7361,14 +10124,14 @@
       </p:sp>
       <p:sp>
         <p:nvSpPr>
-          <p:cNvPr id="195" name="CustomShape 3"/>
+          <p:cNvPr id="269" name="CustomShape 3"/>
           <p:cNvSpPr/>
           <p:nvPr/>
         </p:nvSpPr>
         <p:spPr>
           <a:xfrm>
             <a:off x="457200" y="6356520"/>
-            <a:ext cx="2132640" cy="363960"/>
+            <a:ext cx="2132280" cy="363600"/>
           </a:xfrm>
           <a:prstGeom prst="rect">
             <a:avLst/>
@@ -7402,14 +10165,14 @@
       </p:sp>
       <p:sp>
         <p:nvSpPr>
-          <p:cNvPr id="196" name="CustomShape 4"/>
+          <p:cNvPr id="270" name="CustomShape 4"/>
           <p:cNvSpPr/>
           <p:nvPr/>
         </p:nvSpPr>
         <p:spPr>
           <a:xfrm>
             <a:off x="3124080" y="6356520"/>
-            <a:ext cx="2894400" cy="363960"/>
+            <a:ext cx="2894040" cy="363600"/>
           </a:xfrm>
           <a:prstGeom prst="rect">
             <a:avLst/>
@@ -7443,14 +10206,14 @@
       </p:sp>
       <p:sp>
         <p:nvSpPr>
-          <p:cNvPr id="197" name="CustomShape 5"/>
+          <p:cNvPr id="271" name="CustomShape 5"/>
           <p:cNvSpPr/>
           <p:nvPr/>
         </p:nvSpPr>
         <p:spPr>
           <a:xfrm>
             <a:off x="6553080" y="6356520"/>
-            <a:ext cx="2132640" cy="363960"/>
+            <a:ext cx="2132280" cy="363600"/>
           </a:xfrm>
           <a:prstGeom prst="rect">
             <a:avLst/>
@@ -7468,7 +10231,7 @@
                 <a:spcPct val="100000"/>
               </a:lnSpc>
             </a:pPr>
-            <a:fld id="{EF33A7D1-34B8-4DFA-A6AE-872419850A1A}" type="slidenum">
+            <a:fld id="{DB510ADD-CBF0-4F20-8659-85AEEA633727}" type="slidenum">
               <a:rPr lang="de-AT" sz="1200">
                 <a:solidFill>
                   <a:srgbClr val="8b8b8b"/>
@@ -7533,14 +10296,14 @@
       </p:grpSpPr>
       <p:sp>
         <p:nvSpPr>
-          <p:cNvPr id="116" name="CustomShape 1"/>
+          <p:cNvPr id="190" name="CustomShape 1"/>
           <p:cNvSpPr/>
           <p:nvPr/>
         </p:nvSpPr>
         <p:spPr>
           <a:xfrm>
             <a:off x="457200" y="274680"/>
-            <a:ext cx="8228520" cy="1141920"/>
+            <a:ext cx="8228160" cy="1141560"/>
           </a:xfrm>
           <a:prstGeom prst="rect">
             <a:avLst/>
@@ -7574,14 +10337,14 @@
       </p:sp>
       <p:sp>
         <p:nvSpPr>
-          <p:cNvPr id="117" name="CustomShape 2"/>
+          <p:cNvPr id="191" name="CustomShape 2"/>
           <p:cNvSpPr/>
           <p:nvPr/>
         </p:nvSpPr>
         <p:spPr>
           <a:xfrm>
             <a:off x="457200" y="1600200"/>
-            <a:ext cx="8228520" cy="4524840"/>
+            <a:ext cx="8228160" cy="4524480"/>
           </a:xfrm>
           <a:prstGeom prst="rect">
             <a:avLst/>
@@ -7677,14 +10440,14 @@
       </p:sp>
       <p:sp>
         <p:nvSpPr>
-          <p:cNvPr id="118" name="CustomShape 3"/>
+          <p:cNvPr id="192" name="CustomShape 3"/>
           <p:cNvSpPr/>
           <p:nvPr/>
         </p:nvSpPr>
         <p:spPr>
           <a:xfrm>
             <a:off x="457200" y="6356520"/>
-            <a:ext cx="2132640" cy="363960"/>
+            <a:ext cx="2132280" cy="363600"/>
           </a:xfrm>
           <a:prstGeom prst="rect">
             <a:avLst/>
@@ -7718,14 +10481,14 @@
       </p:sp>
       <p:sp>
         <p:nvSpPr>
-          <p:cNvPr id="119" name="CustomShape 4"/>
+          <p:cNvPr id="193" name="CustomShape 4"/>
           <p:cNvSpPr/>
           <p:nvPr/>
         </p:nvSpPr>
         <p:spPr>
           <a:xfrm>
             <a:off x="3124080" y="6356520"/>
-            <a:ext cx="2894400" cy="363960"/>
+            <a:ext cx="2894040" cy="363600"/>
           </a:xfrm>
           <a:prstGeom prst="rect">
             <a:avLst/>
@@ -7759,14 +10522,14 @@
       </p:sp>
       <p:sp>
         <p:nvSpPr>
-          <p:cNvPr id="120" name="CustomShape 5"/>
+          <p:cNvPr id="194" name="CustomShape 5"/>
           <p:cNvSpPr/>
           <p:nvPr/>
         </p:nvSpPr>
         <p:spPr>
           <a:xfrm>
             <a:off x="6553080" y="6356520"/>
-            <a:ext cx="2132640" cy="363960"/>
+            <a:ext cx="2132280" cy="363600"/>
           </a:xfrm>
           <a:prstGeom prst="rect">
             <a:avLst/>
@@ -7784,7 +10547,7 @@
                 <a:spcPct val="100000"/>
               </a:lnSpc>
             </a:pPr>
-            <a:fld id="{98DC47EC-1C80-4BC2-9DC9-5D83E281C2EA}" type="slidenum">
+            <a:fld id="{330CA445-0A03-4886-90D1-CB5D6AFA7208}" type="slidenum">
               <a:rPr lang="de-AT" sz="1200">
                 <a:solidFill>
                   <a:srgbClr val="8b8b8b"/>
@@ -7849,14 +10612,14 @@
       </p:grpSpPr>
       <p:sp>
         <p:nvSpPr>
-          <p:cNvPr id="198" name="CustomShape 1"/>
+          <p:cNvPr id="272" name="CustomShape 1"/>
           <p:cNvSpPr/>
           <p:nvPr/>
         </p:nvSpPr>
         <p:spPr>
           <a:xfrm>
             <a:off x="457200" y="274680"/>
-            <a:ext cx="8228520" cy="1141920"/>
+            <a:ext cx="8228160" cy="1141560"/>
           </a:xfrm>
           <a:prstGeom prst="rect">
             <a:avLst/>
@@ -7890,14 +10653,14 @@
       </p:sp>
       <p:sp>
         <p:nvSpPr>
-          <p:cNvPr id="199" name="CustomShape 2"/>
+          <p:cNvPr id="273" name="CustomShape 2"/>
           <p:cNvSpPr/>
           <p:nvPr/>
         </p:nvSpPr>
         <p:spPr>
           <a:xfrm>
             <a:off x="457200" y="1600200"/>
-            <a:ext cx="8228520" cy="4524840"/>
+            <a:ext cx="8228160" cy="4524480"/>
           </a:xfrm>
           <a:prstGeom prst="rect">
             <a:avLst/>
@@ -7969,14 +10732,14 @@
       </p:sp>
       <p:sp>
         <p:nvSpPr>
-          <p:cNvPr id="200" name="CustomShape 3"/>
+          <p:cNvPr id="274" name="CustomShape 3"/>
           <p:cNvSpPr/>
           <p:nvPr/>
         </p:nvSpPr>
         <p:spPr>
           <a:xfrm>
             <a:off x="457200" y="6356520"/>
-            <a:ext cx="2132640" cy="363960"/>
+            <a:ext cx="2132280" cy="363600"/>
           </a:xfrm>
           <a:prstGeom prst="rect">
             <a:avLst/>
@@ -8010,14 +10773,14 @@
       </p:sp>
       <p:sp>
         <p:nvSpPr>
-          <p:cNvPr id="201" name="CustomShape 4"/>
+          <p:cNvPr id="275" name="CustomShape 4"/>
           <p:cNvSpPr/>
           <p:nvPr/>
         </p:nvSpPr>
         <p:spPr>
           <a:xfrm>
             <a:off x="3124080" y="6356520"/>
-            <a:ext cx="2894400" cy="363960"/>
+            <a:ext cx="2894040" cy="363600"/>
           </a:xfrm>
           <a:prstGeom prst="rect">
             <a:avLst/>
@@ -8051,14 +10814,14 @@
       </p:sp>
       <p:sp>
         <p:nvSpPr>
-          <p:cNvPr id="202" name="CustomShape 5"/>
+          <p:cNvPr id="276" name="CustomShape 5"/>
           <p:cNvSpPr/>
           <p:nvPr/>
         </p:nvSpPr>
         <p:spPr>
           <a:xfrm>
             <a:off x="6553080" y="6356520"/>
-            <a:ext cx="2132640" cy="363960"/>
+            <a:ext cx="2132280" cy="363600"/>
           </a:xfrm>
           <a:prstGeom prst="rect">
             <a:avLst/>
@@ -8076,7 +10839,7 @@
                 <a:spcPct val="100000"/>
               </a:lnSpc>
             </a:pPr>
-            <a:fld id="{8D80A333-650E-4E31-B19D-FB0973EB5B99}" type="slidenum">
+            <a:fld id="{9FF1FAC7-EF1E-40DC-AC93-8DEE13F40CD2}" type="slidenum">
               <a:rPr lang="de-AT" sz="1200">
                 <a:solidFill>
                   <a:srgbClr val="8b8b8b"/>
@@ -8141,14 +10904,14 @@
       </p:grpSpPr>
       <p:sp>
         <p:nvSpPr>
-          <p:cNvPr id="203" name="CustomShape 1"/>
+          <p:cNvPr id="277" name="CustomShape 1"/>
           <p:cNvSpPr/>
           <p:nvPr/>
         </p:nvSpPr>
         <p:spPr>
           <a:xfrm>
             <a:off x="391680" y="587520"/>
-            <a:ext cx="6400080" cy="587160"/>
+            <a:ext cx="6399720" cy="586800"/>
           </a:xfrm>
           <a:prstGeom prst="rect">
             <a:avLst/>
@@ -8182,14 +10945,14 @@
       </p:sp>
       <p:sp>
         <p:nvSpPr>
-          <p:cNvPr id="204" name="CustomShape 2"/>
+          <p:cNvPr id="278" name="CustomShape 2"/>
           <p:cNvSpPr/>
           <p:nvPr/>
         </p:nvSpPr>
         <p:spPr>
           <a:xfrm>
             <a:off x="457200" y="1900440"/>
-            <a:ext cx="8045640" cy="4384080"/>
+            <a:ext cx="8045280" cy="4383720"/>
           </a:xfrm>
           <a:prstGeom prst="rect">
             <a:avLst/>
@@ -8363,7 +11126,7 @@
       </p:sp>
       <p:pic>
         <p:nvPicPr>
-          <p:cNvPr descr="" id="205" name="Grafik 187"/>
+          <p:cNvPr descr="" id="279" name="Grafik 187"/>
           <p:cNvPicPr/>
           <p:nvPr/>
         </p:nvPicPr>
@@ -8376,7 +11139,7 @@
         <p:spPr>
           <a:xfrm>
             <a:off x="288000" y="1175040"/>
-            <a:ext cx="8567280" cy="4784400"/>
+            <a:ext cx="8566920" cy="4784040"/>
           </a:xfrm>
           <a:prstGeom prst="rect">
             <a:avLst/>
@@ -8437,14 +11200,14 @@
       </p:grpSpPr>
       <p:sp>
         <p:nvSpPr>
-          <p:cNvPr id="206" name="CustomShape 1"/>
+          <p:cNvPr id="280" name="CustomShape 1"/>
           <p:cNvSpPr/>
           <p:nvPr/>
         </p:nvSpPr>
         <p:spPr>
           <a:xfrm>
             <a:off x="391680" y="587520"/>
-            <a:ext cx="6400080" cy="587160"/>
+            <a:ext cx="6399720" cy="586800"/>
           </a:xfrm>
           <a:prstGeom prst="rect">
             <a:avLst/>
@@ -8478,14 +11241,14 @@
       </p:sp>
       <p:sp>
         <p:nvSpPr>
-          <p:cNvPr id="207" name="CustomShape 2"/>
+          <p:cNvPr id="281" name="CustomShape 2"/>
           <p:cNvSpPr/>
           <p:nvPr/>
         </p:nvSpPr>
         <p:spPr>
           <a:xfrm>
             <a:off x="457200" y="1900440"/>
-            <a:ext cx="8045640" cy="4384080"/>
+            <a:ext cx="8045280" cy="4383720"/>
           </a:xfrm>
           <a:prstGeom prst="rect">
             <a:avLst/>
@@ -8498,7 +11261,7 @@
       </p:sp>
       <p:pic>
         <p:nvPicPr>
-          <p:cNvPr descr="" id="208" name="Grafik 190"/>
+          <p:cNvPr descr="" id="282" name="Grafik 190"/>
           <p:cNvPicPr/>
           <p:nvPr/>
         </p:nvPicPr>
@@ -8511,7 +11274,7 @@
         <p:spPr>
           <a:xfrm>
             <a:off x="360000" y="1584000"/>
-            <a:ext cx="7776000" cy="4614480"/>
+            <a:ext cx="7775640" cy="4614120"/>
           </a:xfrm>
           <a:prstGeom prst="rect">
             <a:avLst/>
@@ -8523,18 +11286,22 @@
       </p:pic>
       <p:sp>
         <p:nvSpPr>
-          <p:cNvPr id="209" name="TextShape 3"/>
-          <p:cNvSpPr txBox="1"/>
+          <p:cNvPr id="283" name="CustomShape 3"/>
+          <p:cNvSpPr/>
           <p:nvPr/>
         </p:nvSpPr>
         <p:spPr>
           <a:xfrm>
             <a:off x="1080000" y="6198480"/>
-            <a:ext cx="6120000" cy="347040"/>
-          </a:xfrm>
-          <a:prstGeom prst="rect">
-            <a:avLst/>
-          </a:prstGeom>
+            <a:ext cx="6119640" cy="346680"/>
+          </a:xfrm>
+          <a:prstGeom prst="rect">
+            <a:avLst/>
+          </a:prstGeom>
+          <a:noFill/>
+          <a:ln>
+            <a:noFill/>
+          </a:ln>
         </p:spPr>
         <p:txBody>
           <a:bodyPr bIns="45000" lIns="90000" rIns="90000" tIns="45000" wrap="none"/>
@@ -8609,14 +11376,14 @@
       </p:grpSpPr>
       <p:sp>
         <p:nvSpPr>
-          <p:cNvPr id="210" name="CustomShape 1"/>
+          <p:cNvPr id="284" name="CustomShape 1"/>
           <p:cNvSpPr/>
           <p:nvPr/>
         </p:nvSpPr>
         <p:spPr>
           <a:xfrm>
             <a:off x="391680" y="587520"/>
-            <a:ext cx="6400080" cy="587160"/>
+            <a:ext cx="6399720" cy="586800"/>
           </a:xfrm>
           <a:prstGeom prst="rect">
             <a:avLst/>
@@ -8650,14 +11417,14 @@
       </p:sp>
       <p:sp>
         <p:nvSpPr>
-          <p:cNvPr id="211" name="CustomShape 2"/>
+          <p:cNvPr id="285" name="CustomShape 2"/>
           <p:cNvSpPr/>
           <p:nvPr/>
         </p:nvSpPr>
         <p:spPr>
           <a:xfrm>
             <a:off x="457200" y="1900440"/>
-            <a:ext cx="8045640" cy="4384080"/>
+            <a:ext cx="8045280" cy="4383720"/>
           </a:xfrm>
           <a:prstGeom prst="rect">
             <a:avLst/>
@@ -8670,7 +11437,7 @@
       </p:sp>
       <p:pic>
         <p:nvPicPr>
-          <p:cNvPr descr="" id="212" name="Grafik 193"/>
+          <p:cNvPr descr="" id="286" name="Grafik 193"/>
           <p:cNvPicPr/>
           <p:nvPr/>
         </p:nvPicPr>
@@ -8683,7 +11450,7 @@
         <p:spPr>
           <a:xfrm>
             <a:off x="2304000" y="1296000"/>
-            <a:ext cx="4380480" cy="4824000"/>
+            <a:ext cx="4380120" cy="4823640"/>
           </a:xfrm>
           <a:prstGeom prst="rect">
             <a:avLst/>
@@ -8695,18 +11462,22 @@
       </p:pic>
       <p:sp>
         <p:nvSpPr>
-          <p:cNvPr id="213" name="TextShape 3"/>
-          <p:cNvSpPr txBox="1"/>
+          <p:cNvPr id="287" name="CustomShape 3"/>
+          <p:cNvSpPr/>
           <p:nvPr/>
         </p:nvSpPr>
         <p:spPr>
           <a:xfrm>
             <a:off x="1080000" y="6198480"/>
-            <a:ext cx="6120000" cy="347040"/>
-          </a:xfrm>
-          <a:prstGeom prst="rect">
-            <a:avLst/>
-          </a:prstGeom>
+            <a:ext cx="6119640" cy="346680"/>
+          </a:xfrm>
+          <a:prstGeom prst="rect">
+            <a:avLst/>
+          </a:prstGeom>
+          <a:noFill/>
+          <a:ln>
+            <a:noFill/>
+          </a:ln>
         </p:spPr>
         <p:txBody>
           <a:bodyPr bIns="45000" lIns="90000" rIns="90000" tIns="45000" wrap="none"/>
@@ -8781,14 +11552,14 @@
       </p:grpSpPr>
       <p:sp>
         <p:nvSpPr>
-          <p:cNvPr id="214" name="CustomShape 1"/>
+          <p:cNvPr id="288" name="CustomShape 1"/>
           <p:cNvSpPr/>
           <p:nvPr/>
         </p:nvSpPr>
         <p:spPr>
           <a:xfrm>
             <a:off x="457200" y="274680"/>
-            <a:ext cx="8228520" cy="1141920"/>
+            <a:ext cx="8228160" cy="1141560"/>
           </a:xfrm>
           <a:prstGeom prst="rect">
             <a:avLst/>
@@ -8822,14 +11593,14 @@
       </p:sp>
       <p:sp>
         <p:nvSpPr>
-          <p:cNvPr id="215" name="CustomShape 2"/>
+          <p:cNvPr id="289" name="CustomShape 2"/>
           <p:cNvSpPr/>
           <p:nvPr/>
         </p:nvSpPr>
         <p:spPr>
           <a:xfrm>
             <a:off x="457200" y="1600200"/>
-            <a:ext cx="8228520" cy="4524840"/>
+            <a:ext cx="8228160" cy="4524480"/>
           </a:xfrm>
           <a:prstGeom prst="rect">
             <a:avLst/>
@@ -8945,14 +11716,14 @@
       </p:sp>
       <p:sp>
         <p:nvSpPr>
-          <p:cNvPr id="216" name="CustomShape 3"/>
+          <p:cNvPr id="290" name="CustomShape 3"/>
           <p:cNvSpPr/>
           <p:nvPr/>
         </p:nvSpPr>
         <p:spPr>
           <a:xfrm>
             <a:off x="457200" y="6356520"/>
-            <a:ext cx="2132640" cy="363960"/>
+            <a:ext cx="2132280" cy="363600"/>
           </a:xfrm>
           <a:prstGeom prst="rect">
             <a:avLst/>
@@ -8986,14 +11757,14 @@
       </p:sp>
       <p:sp>
         <p:nvSpPr>
-          <p:cNvPr id="217" name="CustomShape 4"/>
+          <p:cNvPr id="291" name="CustomShape 4"/>
           <p:cNvSpPr/>
           <p:nvPr/>
         </p:nvSpPr>
         <p:spPr>
           <a:xfrm>
             <a:off x="3124080" y="6356520"/>
-            <a:ext cx="2894400" cy="363960"/>
+            <a:ext cx="2894040" cy="363600"/>
           </a:xfrm>
           <a:prstGeom prst="rect">
             <a:avLst/>
@@ -9027,14 +11798,14 @@
       </p:sp>
       <p:sp>
         <p:nvSpPr>
-          <p:cNvPr id="218" name="CustomShape 5"/>
+          <p:cNvPr id="292" name="CustomShape 5"/>
           <p:cNvSpPr/>
           <p:nvPr/>
         </p:nvSpPr>
         <p:spPr>
           <a:xfrm>
             <a:off x="6553080" y="6356520"/>
-            <a:ext cx="2132640" cy="363960"/>
+            <a:ext cx="2132280" cy="363600"/>
           </a:xfrm>
           <a:prstGeom prst="rect">
             <a:avLst/>
@@ -9052,7 +11823,7 @@
                 <a:spcPct val="100000"/>
               </a:lnSpc>
             </a:pPr>
-            <a:fld id="{24D64D55-87FF-48AF-AD4E-C9B640EB41DF}" type="slidenum">
+            <a:fld id="{34078D81-86EA-4BC3-AB8F-491DA3D01853}" type="slidenum">
               <a:rPr lang="de-AT" sz="1200">
                 <a:solidFill>
                   <a:srgbClr val="8b8b8b"/>
@@ -9090,14 +11861,14 @@
       </p:grpSpPr>
       <p:sp>
         <p:nvSpPr>
-          <p:cNvPr id="219" name="CustomShape 1"/>
+          <p:cNvPr id="293" name="CustomShape 1"/>
           <p:cNvSpPr/>
           <p:nvPr/>
         </p:nvSpPr>
         <p:spPr>
           <a:xfrm>
             <a:off x="457200" y="274680"/>
-            <a:ext cx="8228520" cy="1141920"/>
+            <a:ext cx="8228160" cy="1141560"/>
           </a:xfrm>
           <a:prstGeom prst="rect">
             <a:avLst/>
@@ -9131,14 +11902,14 @@
       </p:sp>
       <p:sp>
         <p:nvSpPr>
-          <p:cNvPr id="220" name="CustomShape 2"/>
+          <p:cNvPr id="294" name="CustomShape 2"/>
           <p:cNvSpPr/>
           <p:nvPr/>
         </p:nvSpPr>
         <p:spPr>
           <a:xfrm>
             <a:off x="457200" y="1600200"/>
-            <a:ext cx="8228520" cy="4524840"/>
+            <a:ext cx="8228160" cy="4524480"/>
           </a:xfrm>
           <a:prstGeom prst="rect">
             <a:avLst/>
@@ -9262,14 +12033,14 @@
       </p:sp>
       <p:sp>
         <p:nvSpPr>
-          <p:cNvPr id="221" name="CustomShape 3"/>
+          <p:cNvPr id="295" name="CustomShape 3"/>
           <p:cNvSpPr/>
           <p:nvPr/>
         </p:nvSpPr>
         <p:spPr>
           <a:xfrm>
             <a:off x="457200" y="6356520"/>
-            <a:ext cx="2132640" cy="363960"/>
+            <a:ext cx="2132280" cy="363600"/>
           </a:xfrm>
           <a:prstGeom prst="rect">
             <a:avLst/>
@@ -9303,14 +12074,14 @@
       </p:sp>
       <p:sp>
         <p:nvSpPr>
-          <p:cNvPr id="222" name="CustomShape 4"/>
+          <p:cNvPr id="296" name="CustomShape 4"/>
           <p:cNvSpPr/>
           <p:nvPr/>
         </p:nvSpPr>
         <p:spPr>
           <a:xfrm>
             <a:off x="3124080" y="6356520"/>
-            <a:ext cx="2894400" cy="363960"/>
+            <a:ext cx="2894040" cy="363600"/>
           </a:xfrm>
           <a:prstGeom prst="rect">
             <a:avLst/>
@@ -9344,14 +12115,14 @@
       </p:sp>
       <p:sp>
         <p:nvSpPr>
-          <p:cNvPr id="223" name="CustomShape 5"/>
+          <p:cNvPr id="297" name="CustomShape 5"/>
           <p:cNvSpPr/>
           <p:nvPr/>
         </p:nvSpPr>
         <p:spPr>
           <a:xfrm>
             <a:off x="6553080" y="6356520"/>
-            <a:ext cx="2132640" cy="363960"/>
+            <a:ext cx="2132280" cy="363600"/>
           </a:xfrm>
           <a:prstGeom prst="rect">
             <a:avLst/>
@@ -9369,7 +12140,7 @@
                 <a:spcPct val="100000"/>
               </a:lnSpc>
             </a:pPr>
-            <a:fld id="{B8923C6B-DC58-4EB6-B8AB-5FBE4A8EDD7B}" type="slidenum">
+            <a:fld id="{11391326-3583-4C84-84D8-0825D4940843}" type="slidenum">
               <a:rPr lang="de-AT" sz="1200">
                 <a:solidFill>
                   <a:srgbClr val="8b8b8b"/>
@@ -9407,14 +12178,14 @@
       </p:grpSpPr>
       <p:sp>
         <p:nvSpPr>
-          <p:cNvPr id="224" name="CustomShape 1"/>
+          <p:cNvPr id="298" name="CustomShape 1"/>
           <p:cNvSpPr/>
           <p:nvPr/>
         </p:nvSpPr>
         <p:spPr>
           <a:xfrm>
             <a:off x="457200" y="274680"/>
-            <a:ext cx="8228520" cy="1141920"/>
+            <a:ext cx="8228160" cy="1141560"/>
           </a:xfrm>
           <a:prstGeom prst="rect">
             <a:avLst/>
@@ -9448,14 +12219,14 @@
       </p:sp>
       <p:sp>
         <p:nvSpPr>
-          <p:cNvPr id="225" name="CustomShape 2"/>
+          <p:cNvPr id="299" name="CustomShape 2"/>
           <p:cNvSpPr/>
           <p:nvPr/>
         </p:nvSpPr>
         <p:spPr>
           <a:xfrm>
             <a:off x="457200" y="1600200"/>
-            <a:ext cx="8228520" cy="4524840"/>
+            <a:ext cx="8228160" cy="4524480"/>
           </a:xfrm>
           <a:prstGeom prst="rect">
             <a:avLst/>
@@ -9629,14 +12400,14 @@
       </p:sp>
       <p:sp>
         <p:nvSpPr>
-          <p:cNvPr id="226" name="CustomShape 3"/>
+          <p:cNvPr id="300" name="CustomShape 3"/>
           <p:cNvSpPr/>
           <p:nvPr/>
         </p:nvSpPr>
         <p:spPr>
           <a:xfrm>
             <a:off x="457200" y="6356520"/>
-            <a:ext cx="2132640" cy="363960"/>
+            <a:ext cx="2132280" cy="363600"/>
           </a:xfrm>
           <a:prstGeom prst="rect">
             <a:avLst/>
@@ -9670,14 +12441,14 @@
       </p:sp>
       <p:sp>
         <p:nvSpPr>
-          <p:cNvPr id="227" name="CustomShape 4"/>
+          <p:cNvPr id="301" name="CustomShape 4"/>
           <p:cNvSpPr/>
           <p:nvPr/>
         </p:nvSpPr>
         <p:spPr>
           <a:xfrm>
             <a:off x="3124080" y="6356520"/>
-            <a:ext cx="2894400" cy="363960"/>
+            <a:ext cx="2894040" cy="363600"/>
           </a:xfrm>
           <a:prstGeom prst="rect">
             <a:avLst/>
@@ -9711,14 +12482,14 @@
       </p:sp>
       <p:sp>
         <p:nvSpPr>
-          <p:cNvPr id="228" name="CustomShape 5"/>
+          <p:cNvPr id="302" name="CustomShape 5"/>
           <p:cNvSpPr/>
           <p:nvPr/>
         </p:nvSpPr>
         <p:spPr>
           <a:xfrm>
             <a:off x="6553080" y="6356520"/>
-            <a:ext cx="2132640" cy="363960"/>
+            <a:ext cx="2132280" cy="363600"/>
           </a:xfrm>
           <a:prstGeom prst="rect">
             <a:avLst/>
@@ -9736,7 +12507,7 @@
                 <a:spcPct val="100000"/>
               </a:lnSpc>
             </a:pPr>
-            <a:fld id="{358BCD74-07CD-450E-82DA-9CD2CADEE515}" type="slidenum">
+            <a:fld id="{81E22E36-B80D-4DB6-90C2-C350A020298E}" type="slidenum">
               <a:rPr lang="de-AT" sz="1200">
                 <a:solidFill>
                   <a:srgbClr val="8b8b8b"/>
@@ -9752,7 +12523,7 @@
       </p:sp>
       <p:pic>
         <p:nvPicPr>
-          <p:cNvPr descr="" id="229" name="Picture 2"/>
+          <p:cNvPr descr="" id="303" name="Picture 2"/>
           <p:cNvPicPr/>
           <p:nvPr/>
         </p:nvPicPr>
@@ -9765,7 +12536,7 @@
         <p:spPr>
           <a:xfrm>
             <a:off x="755640" y="1600200"/>
-            <a:ext cx="6863760" cy="3956400"/>
+            <a:ext cx="6863400" cy="3956040"/>
           </a:xfrm>
           <a:prstGeom prst="rect">
             <a:avLst/>
@@ -9799,14 +12570,14 @@
       </p:grpSpPr>
       <p:sp>
         <p:nvSpPr>
-          <p:cNvPr id="230" name="CustomShape 1"/>
+          <p:cNvPr id="304" name="CustomShape 1"/>
           <p:cNvSpPr/>
           <p:nvPr/>
         </p:nvSpPr>
         <p:spPr>
           <a:xfrm>
             <a:off x="457200" y="274680"/>
-            <a:ext cx="8228520" cy="1141920"/>
+            <a:ext cx="8228160" cy="1141560"/>
           </a:xfrm>
           <a:prstGeom prst="rect">
             <a:avLst/>
@@ -9840,14 +12611,14 @@
       </p:sp>
       <p:sp>
         <p:nvSpPr>
-          <p:cNvPr id="231" name="CustomShape 2"/>
+          <p:cNvPr id="305" name="CustomShape 2"/>
           <p:cNvSpPr/>
           <p:nvPr/>
         </p:nvSpPr>
         <p:spPr>
           <a:xfrm>
             <a:off x="457200" y="1600200"/>
-            <a:ext cx="8228520" cy="4524840"/>
+            <a:ext cx="8228160" cy="4524480"/>
           </a:xfrm>
           <a:prstGeom prst="rect">
             <a:avLst/>
@@ -9971,14 +12742,14 @@
       </p:sp>
       <p:sp>
         <p:nvSpPr>
-          <p:cNvPr id="232" name="CustomShape 3"/>
+          <p:cNvPr id="306" name="CustomShape 3"/>
           <p:cNvSpPr/>
           <p:nvPr/>
         </p:nvSpPr>
         <p:spPr>
           <a:xfrm>
             <a:off x="457200" y="6356520"/>
-            <a:ext cx="2132640" cy="363960"/>
+            <a:ext cx="2132280" cy="363600"/>
           </a:xfrm>
           <a:prstGeom prst="rect">
             <a:avLst/>
@@ -10012,14 +12783,14 @@
       </p:sp>
       <p:sp>
         <p:nvSpPr>
-          <p:cNvPr id="233" name="CustomShape 4"/>
+          <p:cNvPr id="307" name="CustomShape 4"/>
           <p:cNvSpPr/>
           <p:nvPr/>
         </p:nvSpPr>
         <p:spPr>
           <a:xfrm>
             <a:off x="3124080" y="6356520"/>
-            <a:ext cx="2894400" cy="363960"/>
+            <a:ext cx="2894040" cy="363600"/>
           </a:xfrm>
           <a:prstGeom prst="rect">
             <a:avLst/>
@@ -10053,14 +12824,14 @@
       </p:sp>
       <p:sp>
         <p:nvSpPr>
-          <p:cNvPr id="234" name="CustomShape 5"/>
+          <p:cNvPr id="308" name="CustomShape 5"/>
           <p:cNvSpPr/>
           <p:nvPr/>
         </p:nvSpPr>
         <p:spPr>
           <a:xfrm>
             <a:off x="6553080" y="6356520"/>
-            <a:ext cx="2132640" cy="363960"/>
+            <a:ext cx="2132280" cy="363600"/>
           </a:xfrm>
           <a:prstGeom prst="rect">
             <a:avLst/>
@@ -10078,7 +12849,7 @@
                 <a:spcPct val="100000"/>
               </a:lnSpc>
             </a:pPr>
-            <a:fld id="{3B80C287-EBCD-41B2-8E26-439473B855BF}" type="slidenum">
+            <a:fld id="{0CE5C842-924D-4440-8463-512CF76C05B3}" type="slidenum">
               <a:rPr lang="de-AT" sz="1200">
                 <a:solidFill>
                   <a:srgbClr val="8b8b8b"/>
@@ -10116,14 +12887,14 @@
       </p:grpSpPr>
       <p:sp>
         <p:nvSpPr>
-          <p:cNvPr id="235" name="CustomShape 1"/>
+          <p:cNvPr id="309" name="CustomShape 1"/>
           <p:cNvSpPr/>
           <p:nvPr/>
         </p:nvSpPr>
         <p:spPr>
           <a:xfrm>
             <a:off x="457200" y="274680"/>
-            <a:ext cx="8228520" cy="1141920"/>
+            <a:ext cx="8228160" cy="1141560"/>
           </a:xfrm>
           <a:prstGeom prst="rect">
             <a:avLst/>
@@ -10157,14 +12928,14 @@
       </p:sp>
       <p:sp>
         <p:nvSpPr>
-          <p:cNvPr id="236" name="CustomShape 2"/>
+          <p:cNvPr id="310" name="CustomShape 2"/>
           <p:cNvSpPr/>
           <p:nvPr/>
         </p:nvSpPr>
         <p:spPr>
           <a:xfrm>
             <a:off x="457200" y="1600200"/>
-            <a:ext cx="8228520" cy="4524840"/>
+            <a:ext cx="8228160" cy="4524480"/>
           </a:xfrm>
           <a:prstGeom prst="rect">
             <a:avLst/>
@@ -10272,14 +13043,14 @@
       </p:sp>
       <p:sp>
         <p:nvSpPr>
-          <p:cNvPr id="237" name="CustomShape 3"/>
+          <p:cNvPr id="311" name="CustomShape 3"/>
           <p:cNvSpPr/>
           <p:nvPr/>
         </p:nvSpPr>
         <p:spPr>
           <a:xfrm>
             <a:off x="457200" y="6356520"/>
-            <a:ext cx="2132640" cy="363960"/>
+            <a:ext cx="2132280" cy="363600"/>
           </a:xfrm>
           <a:prstGeom prst="rect">
             <a:avLst/>
@@ -10313,14 +13084,14 @@
       </p:sp>
       <p:sp>
         <p:nvSpPr>
-          <p:cNvPr id="238" name="CustomShape 4"/>
+          <p:cNvPr id="312" name="CustomShape 4"/>
           <p:cNvSpPr/>
           <p:nvPr/>
         </p:nvSpPr>
         <p:spPr>
           <a:xfrm>
             <a:off x="3124080" y="6356520"/>
-            <a:ext cx="2894400" cy="363960"/>
+            <a:ext cx="2894040" cy="363600"/>
           </a:xfrm>
           <a:prstGeom prst="rect">
             <a:avLst/>
@@ -10354,14 +13125,14 @@
       </p:sp>
       <p:sp>
         <p:nvSpPr>
-          <p:cNvPr id="239" name="CustomShape 5"/>
+          <p:cNvPr id="313" name="CustomShape 5"/>
           <p:cNvSpPr/>
           <p:nvPr/>
         </p:nvSpPr>
         <p:spPr>
           <a:xfrm>
             <a:off x="6553080" y="6356520"/>
-            <a:ext cx="2132640" cy="363960"/>
+            <a:ext cx="2132280" cy="363600"/>
           </a:xfrm>
           <a:prstGeom prst="rect">
             <a:avLst/>
@@ -10379,7 +13150,7 @@
                 <a:spcPct val="100000"/>
               </a:lnSpc>
             </a:pPr>
-            <a:fld id="{7B675F49-43DB-4F59-A53F-5DF0858F77D8}" type="slidenum">
+            <a:fld id="{C6961BF9-FC9A-4EB1-B52C-ABB8C353621B}" type="slidenum">
               <a:rPr lang="de-AT" sz="1200">
                 <a:solidFill>
                   <a:srgbClr val="8b8b8b"/>
@@ -10417,14 +13188,14 @@
       </p:grpSpPr>
       <p:sp>
         <p:nvSpPr>
-          <p:cNvPr id="240" name="CustomShape 1"/>
+          <p:cNvPr id="314" name="CustomShape 1"/>
           <p:cNvSpPr/>
           <p:nvPr/>
         </p:nvSpPr>
         <p:spPr>
           <a:xfrm>
             <a:off x="457200" y="274680"/>
-            <a:ext cx="8228520" cy="1141920"/>
+            <a:ext cx="8228160" cy="1141560"/>
           </a:xfrm>
           <a:prstGeom prst="rect">
             <a:avLst/>
@@ -10458,14 +13229,14 @@
       </p:sp>
       <p:sp>
         <p:nvSpPr>
-          <p:cNvPr id="241" name="CustomShape 2"/>
+          <p:cNvPr id="315" name="CustomShape 2"/>
           <p:cNvSpPr/>
           <p:nvPr/>
         </p:nvSpPr>
         <p:spPr>
           <a:xfrm>
             <a:off x="457200" y="1600200"/>
-            <a:ext cx="8228520" cy="4524840"/>
+            <a:ext cx="8228160" cy="4524480"/>
           </a:xfrm>
           <a:prstGeom prst="rect">
             <a:avLst/>
@@ -10617,14 +13388,14 @@
       </p:sp>
       <p:sp>
         <p:nvSpPr>
-          <p:cNvPr id="242" name="CustomShape 3"/>
+          <p:cNvPr id="316" name="CustomShape 3"/>
           <p:cNvSpPr/>
           <p:nvPr/>
         </p:nvSpPr>
         <p:spPr>
           <a:xfrm>
             <a:off x="457200" y="6356520"/>
-            <a:ext cx="2132640" cy="363960"/>
+            <a:ext cx="2132280" cy="363600"/>
           </a:xfrm>
           <a:prstGeom prst="rect">
             <a:avLst/>
@@ -10658,14 +13429,14 @@
       </p:sp>
       <p:sp>
         <p:nvSpPr>
-          <p:cNvPr id="243" name="CustomShape 4"/>
+          <p:cNvPr id="317" name="CustomShape 4"/>
           <p:cNvSpPr/>
           <p:nvPr/>
         </p:nvSpPr>
         <p:spPr>
           <a:xfrm>
             <a:off x="3124080" y="6356520"/>
-            <a:ext cx="2894400" cy="363960"/>
+            <a:ext cx="2894040" cy="363600"/>
           </a:xfrm>
           <a:prstGeom prst="rect">
             <a:avLst/>
@@ -10699,14 +13470,14 @@
       </p:sp>
       <p:sp>
         <p:nvSpPr>
-          <p:cNvPr id="244" name="CustomShape 5"/>
+          <p:cNvPr id="318" name="CustomShape 5"/>
           <p:cNvSpPr/>
           <p:nvPr/>
         </p:nvSpPr>
         <p:spPr>
           <a:xfrm>
             <a:off x="6553080" y="6356520"/>
-            <a:ext cx="2132640" cy="363960"/>
+            <a:ext cx="2132280" cy="363600"/>
           </a:xfrm>
           <a:prstGeom prst="rect">
             <a:avLst/>
@@ -10724,7 +13495,7 @@
                 <a:spcPct val="100000"/>
               </a:lnSpc>
             </a:pPr>
-            <a:fld id="{BE3417E4-4F66-4E69-B035-1461DF3759D6}" type="slidenum">
+            <a:fld id="{C4C1FBF2-6384-498A-B9E2-75E4582F19A6}" type="slidenum">
               <a:rPr lang="de-AT" sz="1200">
                 <a:solidFill>
                   <a:srgbClr val="8b8b8b"/>
@@ -10762,14 +13533,14 @@
       </p:grpSpPr>
       <p:sp>
         <p:nvSpPr>
-          <p:cNvPr id="121" name="CustomShape 1"/>
+          <p:cNvPr id="195" name="CustomShape 1"/>
           <p:cNvSpPr/>
           <p:nvPr/>
         </p:nvSpPr>
         <p:spPr>
           <a:xfrm>
             <a:off x="457200" y="274680"/>
-            <a:ext cx="8228520" cy="1141920"/>
+            <a:ext cx="8228160" cy="1141560"/>
           </a:xfrm>
           <a:prstGeom prst="rect">
             <a:avLst/>
@@ -10803,14 +13574,14 @@
       </p:sp>
       <p:sp>
         <p:nvSpPr>
-          <p:cNvPr id="122" name="CustomShape 2"/>
+          <p:cNvPr id="196" name="CustomShape 2"/>
           <p:cNvSpPr/>
           <p:nvPr/>
         </p:nvSpPr>
         <p:spPr>
           <a:xfrm>
             <a:off x="457200" y="1600200"/>
-            <a:ext cx="8228520" cy="4524840"/>
+            <a:ext cx="8228160" cy="4524480"/>
           </a:xfrm>
           <a:prstGeom prst="rect">
             <a:avLst/>
@@ -10886,14 +13657,14 @@
       </p:sp>
       <p:sp>
         <p:nvSpPr>
-          <p:cNvPr id="123" name="CustomShape 3"/>
+          <p:cNvPr id="197" name="CustomShape 3"/>
           <p:cNvSpPr/>
           <p:nvPr/>
         </p:nvSpPr>
         <p:spPr>
           <a:xfrm>
             <a:off x="457200" y="6356520"/>
-            <a:ext cx="2132640" cy="363960"/>
+            <a:ext cx="2132280" cy="363600"/>
           </a:xfrm>
           <a:prstGeom prst="rect">
             <a:avLst/>
@@ -10927,14 +13698,14 @@
       </p:sp>
       <p:sp>
         <p:nvSpPr>
-          <p:cNvPr id="124" name="CustomShape 4"/>
+          <p:cNvPr id="198" name="CustomShape 4"/>
           <p:cNvSpPr/>
           <p:nvPr/>
         </p:nvSpPr>
         <p:spPr>
           <a:xfrm>
             <a:off x="3124080" y="6356520"/>
-            <a:ext cx="2894400" cy="363960"/>
+            <a:ext cx="2894040" cy="363600"/>
           </a:xfrm>
           <a:prstGeom prst="rect">
             <a:avLst/>
@@ -10968,14 +13739,14 @@
       </p:sp>
       <p:sp>
         <p:nvSpPr>
-          <p:cNvPr id="125" name="CustomShape 5"/>
+          <p:cNvPr id="199" name="CustomShape 5"/>
           <p:cNvSpPr/>
           <p:nvPr/>
         </p:nvSpPr>
         <p:spPr>
           <a:xfrm>
             <a:off x="6553080" y="6356520"/>
-            <a:ext cx="2132640" cy="363960"/>
+            <a:ext cx="2132280" cy="363600"/>
           </a:xfrm>
           <a:prstGeom prst="rect">
             <a:avLst/>
@@ -10993,7 +13764,7 @@
                 <a:spcPct val="100000"/>
               </a:lnSpc>
             </a:pPr>
-            <a:fld id="{A7A4721D-CE8B-463B-BB33-81C2E1E4E377}" type="slidenum">
+            <a:fld id="{5D3E7074-2224-4BA2-9CA2-29E160A082BF}" type="slidenum">
               <a:rPr lang="de-AT" sz="1200">
                 <a:solidFill>
                   <a:srgbClr val="8b8b8b"/>
@@ -11031,14 +13802,14 @@
       </p:grpSpPr>
       <p:sp>
         <p:nvSpPr>
-          <p:cNvPr id="245" name="CustomShape 1"/>
+          <p:cNvPr id="319" name="CustomShape 1"/>
           <p:cNvSpPr/>
           <p:nvPr/>
         </p:nvSpPr>
         <p:spPr>
           <a:xfrm>
             <a:off x="457200" y="274680"/>
-            <a:ext cx="8228520" cy="1141920"/>
+            <a:ext cx="8228160" cy="1141560"/>
           </a:xfrm>
           <a:prstGeom prst="rect">
             <a:avLst/>
@@ -11072,14 +13843,14 @@
       </p:sp>
       <p:sp>
         <p:nvSpPr>
-          <p:cNvPr id="246" name="CustomShape 2"/>
+          <p:cNvPr id="320" name="CustomShape 2"/>
           <p:cNvSpPr/>
           <p:nvPr/>
         </p:nvSpPr>
         <p:spPr>
           <a:xfrm>
             <a:off x="457200" y="1600200"/>
-            <a:ext cx="8228520" cy="4524840"/>
+            <a:ext cx="8228160" cy="4524480"/>
           </a:xfrm>
           <a:prstGeom prst="rect">
             <a:avLst/>
@@ -11251,14 +14022,14 @@
       </p:sp>
       <p:sp>
         <p:nvSpPr>
-          <p:cNvPr id="247" name="CustomShape 3"/>
+          <p:cNvPr id="321" name="CustomShape 3"/>
           <p:cNvSpPr/>
           <p:nvPr/>
         </p:nvSpPr>
         <p:spPr>
           <a:xfrm>
             <a:off x="457200" y="6356520"/>
-            <a:ext cx="2132640" cy="363960"/>
+            <a:ext cx="2132280" cy="363600"/>
           </a:xfrm>
           <a:prstGeom prst="rect">
             <a:avLst/>
@@ -11292,14 +14063,14 @@
       </p:sp>
       <p:sp>
         <p:nvSpPr>
-          <p:cNvPr id="248" name="CustomShape 4"/>
+          <p:cNvPr id="322" name="CustomShape 4"/>
           <p:cNvSpPr/>
           <p:nvPr/>
         </p:nvSpPr>
         <p:spPr>
           <a:xfrm>
             <a:off x="3124080" y="6356520"/>
-            <a:ext cx="2894400" cy="363960"/>
+            <a:ext cx="2894040" cy="363600"/>
           </a:xfrm>
           <a:prstGeom prst="rect">
             <a:avLst/>
@@ -11333,14 +14104,14 @@
       </p:sp>
       <p:sp>
         <p:nvSpPr>
-          <p:cNvPr id="249" name="CustomShape 5"/>
+          <p:cNvPr id="323" name="CustomShape 5"/>
           <p:cNvSpPr/>
           <p:nvPr/>
         </p:nvSpPr>
         <p:spPr>
           <a:xfrm>
             <a:off x="6553080" y="6356520"/>
-            <a:ext cx="2132640" cy="363960"/>
+            <a:ext cx="2132280" cy="363600"/>
           </a:xfrm>
           <a:prstGeom prst="rect">
             <a:avLst/>
@@ -11358,7 +14129,7 @@
                 <a:spcPct val="100000"/>
               </a:lnSpc>
             </a:pPr>
-            <a:fld id="{E809353B-8183-4DA8-A6DD-28CD5167AB72}" type="slidenum">
+            <a:fld id="{E2A436BE-ECD5-4C7F-A528-AF101B3B8A46}" type="slidenum">
               <a:rPr lang="de-AT" sz="1200">
                 <a:solidFill>
                   <a:srgbClr val="8b8b8b"/>
@@ -11374,7 +14145,7 @@
       </p:sp>
       <p:pic>
         <p:nvPicPr>
-          <p:cNvPr descr="" id="250" name="Picture 2"/>
+          <p:cNvPr descr="" id="324" name="Picture 2"/>
           <p:cNvPicPr/>
           <p:nvPr/>
         </p:nvPicPr>
@@ -11387,7 +14158,7 @@
         <p:spPr>
           <a:xfrm>
             <a:off x="611640" y="1268640"/>
-            <a:ext cx="8074080" cy="4653360"/>
+            <a:ext cx="8073720" cy="4653000"/>
           </a:xfrm>
           <a:prstGeom prst="rect">
             <a:avLst/>
@@ -11421,14 +14192,14 @@
       </p:grpSpPr>
       <p:sp>
         <p:nvSpPr>
-          <p:cNvPr id="251" name="CustomShape 1"/>
+          <p:cNvPr id="325" name="CustomShape 1"/>
           <p:cNvSpPr/>
           <p:nvPr/>
         </p:nvSpPr>
         <p:spPr>
           <a:xfrm>
             <a:off x="457200" y="274680"/>
-            <a:ext cx="8228520" cy="1141920"/>
+            <a:ext cx="8228160" cy="1141560"/>
           </a:xfrm>
           <a:prstGeom prst="rect">
             <a:avLst/>
@@ -11462,14 +14233,14 @@
       </p:sp>
       <p:sp>
         <p:nvSpPr>
-          <p:cNvPr id="252" name="CustomShape 2"/>
+          <p:cNvPr id="326" name="CustomShape 2"/>
           <p:cNvSpPr/>
           <p:nvPr/>
         </p:nvSpPr>
         <p:spPr>
           <a:xfrm>
             <a:off x="457200" y="1600200"/>
-            <a:ext cx="8228520" cy="4524840"/>
+            <a:ext cx="8228160" cy="4524480"/>
           </a:xfrm>
           <a:prstGeom prst="rect">
             <a:avLst/>
@@ -11621,14 +14392,14 @@
       </p:sp>
       <p:sp>
         <p:nvSpPr>
-          <p:cNvPr id="253" name="CustomShape 3"/>
+          <p:cNvPr id="327" name="CustomShape 3"/>
           <p:cNvSpPr/>
           <p:nvPr/>
         </p:nvSpPr>
         <p:spPr>
           <a:xfrm>
             <a:off x="457200" y="6356520"/>
-            <a:ext cx="2132640" cy="363960"/>
+            <a:ext cx="2132280" cy="363600"/>
           </a:xfrm>
           <a:prstGeom prst="rect">
             <a:avLst/>
@@ -11662,14 +14433,14 @@
       </p:sp>
       <p:sp>
         <p:nvSpPr>
-          <p:cNvPr id="254" name="CustomShape 4"/>
+          <p:cNvPr id="328" name="CustomShape 4"/>
           <p:cNvSpPr/>
           <p:nvPr/>
         </p:nvSpPr>
         <p:spPr>
           <a:xfrm>
             <a:off x="3124080" y="6356520"/>
-            <a:ext cx="2894400" cy="363960"/>
+            <a:ext cx="2894040" cy="363600"/>
           </a:xfrm>
           <a:prstGeom prst="rect">
             <a:avLst/>
@@ -11703,14 +14474,14 @@
       </p:sp>
       <p:sp>
         <p:nvSpPr>
-          <p:cNvPr id="255" name="CustomShape 5"/>
+          <p:cNvPr id="329" name="CustomShape 5"/>
           <p:cNvSpPr/>
           <p:nvPr/>
         </p:nvSpPr>
         <p:spPr>
           <a:xfrm>
             <a:off x="6553080" y="6356520"/>
-            <a:ext cx="2132640" cy="363960"/>
+            <a:ext cx="2132280" cy="363600"/>
           </a:xfrm>
           <a:prstGeom prst="rect">
             <a:avLst/>
@@ -11728,7 +14499,7 @@
                 <a:spcPct val="100000"/>
               </a:lnSpc>
             </a:pPr>
-            <a:fld id="{548C8DF6-F52E-4AA0-AD95-E24AB094CD28}" type="slidenum">
+            <a:fld id="{0F9FCA7B-E589-41E2-AD6B-B44FF4CCC25F}" type="slidenum">
               <a:rPr lang="de-AT" sz="1200">
                 <a:solidFill>
                   <a:srgbClr val="8b8b8b"/>
@@ -11766,14 +14537,14 @@
       </p:grpSpPr>
       <p:sp>
         <p:nvSpPr>
-          <p:cNvPr id="256" name="CustomShape 1"/>
+          <p:cNvPr id="330" name="CustomShape 1"/>
           <p:cNvSpPr/>
           <p:nvPr/>
         </p:nvSpPr>
         <p:spPr>
           <a:xfrm>
             <a:off x="457200" y="274680"/>
-            <a:ext cx="8228520" cy="1141920"/>
+            <a:ext cx="8228160" cy="1141560"/>
           </a:xfrm>
           <a:prstGeom prst="rect">
             <a:avLst/>
@@ -11807,14 +14578,14 @@
       </p:sp>
       <p:sp>
         <p:nvSpPr>
-          <p:cNvPr id="257" name="CustomShape 2"/>
+          <p:cNvPr id="331" name="CustomShape 2"/>
           <p:cNvSpPr/>
           <p:nvPr/>
         </p:nvSpPr>
         <p:spPr>
           <a:xfrm>
             <a:off x="457200" y="1600200"/>
-            <a:ext cx="8228520" cy="4524840"/>
+            <a:ext cx="8228160" cy="4524480"/>
           </a:xfrm>
           <a:prstGeom prst="rect">
             <a:avLst/>
@@ -11894,14 +14665,14 @@
       </p:sp>
       <p:sp>
         <p:nvSpPr>
-          <p:cNvPr id="258" name="CustomShape 3"/>
+          <p:cNvPr id="332" name="CustomShape 3"/>
           <p:cNvSpPr/>
           <p:nvPr/>
         </p:nvSpPr>
         <p:spPr>
           <a:xfrm>
             <a:off x="457200" y="6356520"/>
-            <a:ext cx="2132640" cy="363960"/>
+            <a:ext cx="2132280" cy="363600"/>
           </a:xfrm>
           <a:prstGeom prst="rect">
             <a:avLst/>
@@ -11935,14 +14706,14 @@
       </p:sp>
       <p:sp>
         <p:nvSpPr>
-          <p:cNvPr id="259" name="CustomShape 4"/>
+          <p:cNvPr id="333" name="CustomShape 4"/>
           <p:cNvSpPr/>
           <p:nvPr/>
         </p:nvSpPr>
         <p:spPr>
           <a:xfrm>
             <a:off x="3124080" y="6356520"/>
-            <a:ext cx="2894400" cy="363960"/>
+            <a:ext cx="2894040" cy="363600"/>
           </a:xfrm>
           <a:prstGeom prst="rect">
             <a:avLst/>
@@ -11976,14 +14747,14 @@
       </p:sp>
       <p:sp>
         <p:nvSpPr>
-          <p:cNvPr id="260" name="CustomShape 5"/>
+          <p:cNvPr id="334" name="CustomShape 5"/>
           <p:cNvSpPr/>
           <p:nvPr/>
         </p:nvSpPr>
         <p:spPr>
           <a:xfrm>
             <a:off x="6553080" y="6356520"/>
-            <a:ext cx="2132640" cy="363960"/>
+            <a:ext cx="2132280" cy="363600"/>
           </a:xfrm>
           <a:prstGeom prst="rect">
             <a:avLst/>
@@ -12001,7 +14772,7 @@
                 <a:spcPct val="100000"/>
               </a:lnSpc>
             </a:pPr>
-            <a:fld id="{7CD9D8EC-B723-43CC-AD43-EB005B8C746B}" type="slidenum">
+            <a:fld id="{0075AC55-32FB-4CED-A848-E7C50556B851}" type="slidenum">
               <a:rPr lang="de-AT" sz="1200">
                 <a:solidFill>
                   <a:srgbClr val="8b8b8b"/>
@@ -12039,14 +14810,14 @@
       </p:grpSpPr>
       <p:sp>
         <p:nvSpPr>
-          <p:cNvPr id="261" name="CustomShape 1"/>
+          <p:cNvPr id="335" name="CustomShape 1"/>
           <p:cNvSpPr/>
           <p:nvPr/>
         </p:nvSpPr>
         <p:spPr>
           <a:xfrm>
             <a:off x="457200" y="274680"/>
-            <a:ext cx="8228520" cy="1141920"/>
+            <a:ext cx="8228160" cy="1141560"/>
           </a:xfrm>
           <a:prstGeom prst="rect">
             <a:avLst/>
@@ -12080,14 +14851,14 @@
       </p:sp>
       <p:sp>
         <p:nvSpPr>
-          <p:cNvPr id="262" name="CustomShape 2"/>
+          <p:cNvPr id="336" name="CustomShape 2"/>
           <p:cNvSpPr/>
           <p:nvPr/>
         </p:nvSpPr>
         <p:spPr>
           <a:xfrm>
             <a:off x="457200" y="1600200"/>
-            <a:ext cx="8228520" cy="4524840"/>
+            <a:ext cx="8228160" cy="4524480"/>
           </a:xfrm>
           <a:prstGeom prst="rect">
             <a:avLst/>
@@ -12159,14 +14930,14 @@
       </p:sp>
       <p:sp>
         <p:nvSpPr>
-          <p:cNvPr id="263" name="CustomShape 3"/>
+          <p:cNvPr id="337" name="CustomShape 3"/>
           <p:cNvSpPr/>
           <p:nvPr/>
         </p:nvSpPr>
         <p:spPr>
           <a:xfrm>
             <a:off x="457200" y="6356520"/>
-            <a:ext cx="2132640" cy="363960"/>
+            <a:ext cx="2132280" cy="363600"/>
           </a:xfrm>
           <a:prstGeom prst="rect">
             <a:avLst/>
@@ -12200,14 +14971,14 @@
       </p:sp>
       <p:sp>
         <p:nvSpPr>
-          <p:cNvPr id="264" name="CustomShape 4"/>
+          <p:cNvPr id="338" name="CustomShape 4"/>
           <p:cNvSpPr/>
           <p:nvPr/>
         </p:nvSpPr>
         <p:spPr>
           <a:xfrm>
             <a:off x="3124080" y="6356520"/>
-            <a:ext cx="2894400" cy="363960"/>
+            <a:ext cx="2894040" cy="363600"/>
           </a:xfrm>
           <a:prstGeom prst="rect">
             <a:avLst/>
@@ -12241,14 +15012,14 @@
       </p:sp>
       <p:sp>
         <p:nvSpPr>
-          <p:cNvPr id="265" name="CustomShape 5"/>
+          <p:cNvPr id="339" name="CustomShape 5"/>
           <p:cNvSpPr/>
           <p:nvPr/>
         </p:nvSpPr>
         <p:spPr>
           <a:xfrm>
             <a:off x="6553080" y="6356520"/>
-            <a:ext cx="2132640" cy="363960"/>
+            <a:ext cx="2132280" cy="363600"/>
           </a:xfrm>
           <a:prstGeom prst="rect">
             <a:avLst/>
@@ -12266,7 +15037,7 @@
                 <a:spcPct val="100000"/>
               </a:lnSpc>
             </a:pPr>
-            <a:fld id="{43B6AC13-9C99-405C-9386-69EBE46D193C}" type="slidenum">
+            <a:fld id="{D1C61112-63E2-4129-831D-0D561DAA3EA3}" type="slidenum">
               <a:rPr lang="de-AT" sz="1200">
                 <a:solidFill>
                   <a:srgbClr val="8b8b8b"/>
@@ -12304,14 +15075,14 @@
       </p:grpSpPr>
       <p:sp>
         <p:nvSpPr>
-          <p:cNvPr id="266" name="CustomShape 1"/>
+          <p:cNvPr id="340" name="CustomShape 1"/>
           <p:cNvSpPr/>
           <p:nvPr/>
         </p:nvSpPr>
         <p:spPr>
           <a:xfrm>
             <a:off x="391680" y="540000"/>
-            <a:ext cx="6400080" cy="682560"/>
+            <a:ext cx="6399720" cy="682200"/>
           </a:xfrm>
           <a:prstGeom prst="rect">
             <a:avLst/>
@@ -12345,44 +15116,50 @@
       </p:sp>
       <p:sp>
         <p:nvSpPr>
-          <p:cNvPr id="267" name="TextShape 2"/>
-          <p:cNvSpPr txBox="1"/>
+          <p:cNvPr id="341" name="CustomShape 2"/>
+          <p:cNvSpPr/>
           <p:nvPr/>
         </p:nvSpPr>
         <p:spPr>
           <a:xfrm>
             <a:off x="457200" y="273600"/>
-            <a:ext cx="8229240" cy="1144800"/>
-          </a:xfrm>
-          <a:prstGeom prst="rect">
-            <a:avLst/>
-          </a:prstGeom>
+            <a:ext cx="8228880" cy="1144440"/>
+          </a:xfrm>
+          <a:prstGeom prst="rect">
+            <a:avLst/>
+          </a:prstGeom>
+          <a:noFill/>
+          <a:ln>
+            <a:noFill/>
+          </a:ln>
+        </p:spPr>
+      </p:sp>
+      <p:sp>
+        <p:nvSpPr>
+          <p:cNvPr id="342" name="CustomShape 3"/>
+          <p:cNvSpPr/>
+          <p:nvPr/>
+        </p:nvSpPr>
+        <p:spPr>
+          <a:xfrm>
+            <a:off x="360000" y="1728000"/>
+            <a:ext cx="8279640" cy="4024440"/>
+          </a:xfrm>
+          <a:prstGeom prst="rect">
+            <a:avLst/>
+          </a:prstGeom>
+          <a:noFill/>
+          <a:ln>
+            <a:noFill/>
+          </a:ln>
         </p:spPr>
         <p:txBody>
           <a:bodyPr anchor="ctr" bIns="0" lIns="0" rIns="0" tIns="0" wrap="none"/>
           <a:p>
-            <a:endParaRPr/>
-          </a:p>
-        </p:txBody>
-      </p:sp>
-      <p:sp>
-        <p:nvSpPr>
-          <p:cNvPr id="268" name="TextShape 3"/>
-          <p:cNvSpPr txBox="1"/>
-          <p:nvPr/>
-        </p:nvSpPr>
-        <p:spPr>
-          <a:xfrm>
-            <a:off x="410760" y="1775520"/>
-            <a:ext cx="8229240" cy="3977280"/>
-          </a:xfrm>
-          <a:prstGeom prst="rect">
-            <a:avLst/>
-          </a:prstGeom>
-        </p:spPr>
-        <p:txBody>
-          <a:bodyPr anchor="ctr" bIns="0" lIns="0" rIns="0" tIns="0" wrap="none"/>
-          <a:p>
+            <a:r>
+              <a:rPr lang="de-AT" sz="1600"/>
+              <a:t>	</a:t>
+            </a:r>
             <a:r>
               <a:rPr lang="de-AT" sz="1600"/>
               <a:t>http://www.nik.no/2002/Engelhardtsen.pdf </a:t>
@@ -12392,6 +15169,10 @@
           <a:p>
             <a:r>
               <a:rPr lang="de-AT" sz="1600"/>
+              <a:t>	</a:t>
+            </a:r>
+            <a:r>
+              <a:rPr lang="de-AT" sz="1600"/>
               <a:t>Diplomarbeit,Integration von Corso Space-Based Computing in J2EE,Johannes Marchart</a:t>
             </a:r>
             <a:endParaRPr/>
@@ -12399,86 +15180,253 @@
           <a:p>
             <a:r>
               <a:rPr lang="de-AT" sz="1600"/>
-              <a:t>Diplomarbeit,Design and Implementation of JavaSpaces API Standart for XSVM, Laszlo Keszthelyi</a:t>
-            </a:r>
-            <a:endParaRPr/>
-          </a:p>
-          <a:p>
+              <a:t>	</a:t>
+            </a:r>
+            <a:r>
+              <a:rPr lang="de-AT" sz="1600"/>
+              <a:t>Diplomarbeit,Design and Implementation of JavaSpaces API Standart for XSVM, </a:t>
+            </a:r>
+            <a:endParaRPr/>
+          </a:p>
+          <a:p>
+            <a:r>
+              <a:rPr lang="de-AT" sz="1600"/>
+              <a:t>	</a:t>
+            </a:r>
+            <a:r>
+              <a:rPr lang="de-AT" sz="1600"/>
+              <a:t>	</a:t>
+            </a:r>
+            <a:r>
+              <a:rPr lang="de-AT" sz="1600"/>
+              <a:t>Laszlo Keszthelyi</a:t>
+            </a:r>
+            <a:endParaRPr/>
+          </a:p>
+          <a:p>
+            <a:r>
+              <a:rPr lang="de-AT" sz="1600" u="sng">
+                <a:solidFill>
+                  <a:srgbClr val="0000ff"/>
+                </a:solidFill>
+              </a:rPr>
+              <a:t>	</a:t>
+            </a:r>
+            <a:r>
+              <a:rPr lang="de-AT" sz="1600" u="sng">
+                <a:solidFill>
+                  <a:srgbClr val="0000ff"/>
+                </a:solidFill>
+                <a:hlinkClick r:id="rId1"/>
+              </a:rPr>
+              <a:t>http://wiki.gigaspaces.com/wiki/display/XAP9/Terminology+-+Space-Based+Architecture</a:t>
+            </a:r>
+            <a:endParaRPr/>
+          </a:p>
+          <a:p>
+            <a:r>
+              <a:rPr lang="de-AT" sz="1600" u="sng">
+                <a:solidFill>
+                  <a:srgbClr val="0000ff"/>
+                </a:solidFill>
+              </a:rPr>
+              <a:t>	</a:t>
+            </a:r>
+            <a:r>
+              <a:rPr lang="de-AT" sz="1600" u="sng">
+                <a:solidFill>
+                  <a:srgbClr val="0000ff"/>
+                </a:solidFill>
+                <a:hlinkClick r:id="rId2"/>
+              </a:rPr>
+              <a:t>http://www.slideshare.net/amin59/an-introduction-to-space-based-architecture</a:t>
+            </a:r>
+            <a:endParaRPr/>
+          </a:p>
+          <a:p>
+            <a:r>
+              <a:rPr lang="de-AT" sz="1600" u="sng">
+                <a:solidFill>
+                  <a:srgbClr val="0000ff"/>
+                </a:solidFill>
+              </a:rPr>
+              <a:t>	</a:t>
+            </a:r>
+            <a:r>
+              <a:rPr lang="de-AT" sz="1600" u="sng">
+                <a:solidFill>
+                  <a:srgbClr val="0000ff"/>
+                </a:solidFill>
+                <a:hlinkClick r:id="rId3"/>
+              </a:rPr>
+              <a:t>http://www.gigaspaces.com/WhitePapers</a:t>
+            </a:r>
             <a:r>
               <a:rPr lang="de-AT" sz="1600">
-                <a:hlinkClick r:id="rId1"/>
-              </a:rPr>
-              <a:t>http://wiki.gigaspaces.com/wiki/display/XAP9/Terminology+-+Space-Based+Architecture</a:t>
+                <a:solidFill>
+                  <a:srgbClr val="0000ff"/>
+                </a:solidFill>
+              </a:rPr>
+              <a:t>#a1</a:t>
             </a:r>
             <a:endParaRPr/>
           </a:p>
           <a:p>
             <a:r>
               <a:rPr lang="de-AT" sz="1600">
-                <a:hlinkClick r:id="rId2"/>
-              </a:rPr>
-              <a:t>http://www.slideshare.net/amin59/an-introduction-to-space-based-architecture</a:t>
-            </a:r>
-            <a:endParaRPr/>
-          </a:p>
-          <a:p>
+                <a:solidFill>
+                  <a:srgbClr val="0000ff"/>
+                </a:solidFill>
+              </a:rPr>
+              <a:t>	</a:t>
+            </a:r>
             <a:r>
               <a:rPr lang="de-AT" sz="1600">
-                <a:hlinkClick r:id="rId3"/>
-              </a:rPr>
-              <a:t>http://www.gigaspaces.com/WhitePapers</a:t>
-            </a:r>
-            <a:r>
-              <a:rPr lang="de-AT" sz="1600"/>
-              <a:t>\#a1</a:t>
-            </a:r>
-            <a:endParaRPr/>
-          </a:p>
-          <a:p>
-            <a:r>
-              <a:rPr lang="de-AT" sz="1600"/>
+                <a:solidFill>
+                  <a:srgbClr val="0000ff"/>
+                </a:solidFill>
+              </a:rPr>
               <a:t>Diplomarbeit, Design and Implementation of TinySpaces, Alexander Marek </a:t>
             </a:r>
             <a:endParaRPr/>
           </a:p>
           <a:p>
             <a:r>
-              <a:rPr lang="de-AT" sz="1600"/>
+              <a:rPr lang="de-AT" sz="1600">
+                <a:solidFill>
+                  <a:srgbClr val="0000ff"/>
+                </a:solidFill>
+              </a:rPr>
+              <a:t>	</a:t>
+            </a:r>
+            <a:r>
+              <a:rPr lang="de-AT" sz="1600">
+                <a:solidFill>
+                  <a:srgbClr val="0000ff"/>
+                </a:solidFill>
+              </a:rPr>
               <a:t>http://www.spacebasedcomputing.org/fileadmin/files/SBC-Paradigm-v1.0.pdf </a:t>
             </a:r>
             <a:endParaRPr/>
           </a:p>
           <a:p>
             <a:r>
-              <a:rPr lang="de-AT" sz="1600"/>
-              <a:t>http://elib.uni-stuttgart.de/opus/volltexte/2006/2580/pdf/TR\_2006\_05.pdf </a:t>
-            </a:r>
-            <a:endParaRPr/>
-          </a:p>
-          <a:p>
-            <a:r>
-              <a:rPr lang="de-AT" sz="1600"/>
+              <a:rPr lang="de-AT" sz="1600">
+                <a:solidFill>
+                  <a:srgbClr val="0000ff"/>
+                </a:solidFill>
+              </a:rPr>
+              <a:t>	</a:t>
+            </a:r>
+            <a:r>
+              <a:rPr lang="de-AT" sz="1600">
+                <a:solidFill>
+                  <a:srgbClr val="0000ff"/>
+                </a:solidFill>
+              </a:rPr>
+              <a:t>http://elib.uni-stuttgart.de/opus/volltexte/2006/2580/pdf/TR_2006_05.pdf </a:t>
+            </a:r>
+            <a:endParaRPr/>
+          </a:p>
+          <a:p>
+            <a:r>
+              <a:rPr lang="de-AT" sz="1600">
+                <a:solidFill>
+                  <a:srgbClr val="0000ff"/>
+                </a:solidFill>
+              </a:rPr>
+              <a:t>	</a:t>
+            </a:r>
+            <a:r>
+              <a:rPr lang="de-AT" sz="1600">
+                <a:solidFill>
+                  <a:srgbClr val="0000ff"/>
+                </a:solidFill>
+              </a:rPr>
               <a:t>http://www.wsmo.org/TR/d21/v0.1/20050613/d21.v01.pdf </a:t>
             </a:r>
             <a:endParaRPr/>
           </a:p>
           <a:p>
             <a:r>
-              <a:rPr lang="de-AT" sz="1600"/>
-              <a:t>http://www.mozartspaces.org/2.2-SNAPSHOT/docs/MozartSpaces\_DA\_Martin-Barisits.pdf </a:t>
-            </a:r>
-            <a:endParaRPr/>
-          </a:p>
-          <a:p>
-            <a:r>
-              <a:rPr lang="de-AT" sz="1600"/>
-              <a:t>Dissertation, Managing Complex and Dynamic Software Systems with Space-Based Computing, Richard Mordinyi </a:t>
-            </a:r>
-            <a:endParaRPr/>
-          </a:p>
-          <a:p>
-            <a:r>
-              <a:rPr lang="de-AT" sz="1600"/>
+              <a:rPr lang="de-AT" sz="1600">
+                <a:solidFill>
+                  <a:srgbClr val="0000ff"/>
+                </a:solidFill>
+              </a:rPr>
+              <a:t>	</a:t>
+            </a:r>
+            <a:r>
+              <a:rPr lang="de-AT" sz="1600">
+                <a:solidFill>
+                  <a:srgbClr val="0000ff"/>
+                </a:solidFill>
+              </a:rPr>
+              <a:t>http://www.mozartspaces.org/2.2-SNAPSHOT/docs/MozartSpaces_DA_Martin-Barisits.pdf </a:t>
+            </a:r>
+            <a:endParaRPr/>
+          </a:p>
+          <a:p>
+            <a:r>
+              <a:rPr lang="de-AT" sz="1600">
+                <a:solidFill>
+                  <a:srgbClr val="0000ff"/>
+                </a:solidFill>
+              </a:rPr>
+              <a:t>	</a:t>
+            </a:r>
+            <a:r>
+              <a:rPr lang="de-AT" sz="1600">
+                <a:solidFill>
+                  <a:srgbClr val="0000ff"/>
+                </a:solidFill>
+              </a:rPr>
+              <a:t>Dissertation, Managing Complex and Dynamic Software Systems with </a:t>
+            </a:r>
+            <a:endParaRPr/>
+          </a:p>
+          <a:p>
+            <a:r>
+              <a:rPr lang="de-AT" sz="1600">
+                <a:solidFill>
+                  <a:srgbClr val="0000ff"/>
+                </a:solidFill>
+              </a:rPr>
+              <a:t>	</a:t>
+            </a:r>
+            <a:r>
+              <a:rPr lang="de-AT" sz="1600">
+                <a:solidFill>
+                  <a:srgbClr val="0000ff"/>
+                </a:solidFill>
+              </a:rPr>
+              <a:t>	</a:t>
+            </a:r>
+            <a:r>
+              <a:rPr lang="de-AT" sz="1600">
+                <a:solidFill>
+                  <a:srgbClr val="0000ff"/>
+                </a:solidFill>
+              </a:rPr>
+              <a:t>Space-Based Computing, Richard Mordinyi </a:t>
+            </a:r>
+            <a:endParaRPr/>
+          </a:p>
+          <a:p>
+            <a:r>
+              <a:rPr lang="de-AT" sz="1600">
+                <a:solidFill>
+                  <a:srgbClr val="0000ff"/>
+                </a:solidFill>
+              </a:rPr>
+              <a:t>	</a:t>
+            </a:r>
+            <a:r>
+              <a:rPr lang="de-AT" sz="1600">
+                <a:solidFill>
+                  <a:srgbClr val="0000ff"/>
+                </a:solidFill>
+              </a:rPr>
               <a:t>Peer-to-Peer Systems III 2005, G. Voelker, S Shenker </a:t>
             </a:r>
             <a:endParaRPr/>
@@ -12536,24 +15484,28 @@
       </p:grpSpPr>
       <p:sp>
         <p:nvSpPr>
-          <p:cNvPr id="269" name="TextShape 1"/>
-          <p:cNvSpPr txBox="1"/>
+          <p:cNvPr id="343" name="CustomShape 1"/>
+          <p:cNvSpPr/>
           <p:nvPr/>
         </p:nvSpPr>
         <p:spPr>
           <a:xfrm>
             <a:off x="457200" y="273600"/>
-            <a:ext cx="8229240" cy="1144800"/>
-          </a:xfrm>
-          <a:prstGeom prst="rect">
-            <a:avLst/>
-          </a:prstGeom>
+            <a:ext cx="8228880" cy="1144440"/>
+          </a:xfrm>
+          <a:prstGeom prst="rect">
+            <a:avLst/>
+          </a:prstGeom>
+          <a:noFill/>
+          <a:ln>
+            <a:noFill/>
+          </a:ln>
         </p:spPr>
         <p:txBody>
           <a:bodyPr anchor="ctr" bIns="0" lIns="0" rIns="0" tIns="0" wrap="none"/>
           <a:p>
             <a:r>
-              <a:rPr lang="de-DE" sz="3600">
+              <a:rPr lang="de-AT" sz="3600">
                 <a:latin typeface="Calibri"/>
               </a:rPr>
               <a:t>6.1 Primärquellen</a:t>
@@ -12564,29 +15516,36 @@
       </p:sp>
       <p:sp>
         <p:nvSpPr>
-          <p:cNvPr id="270" name="TextShape 2"/>
-          <p:cNvSpPr txBox="1"/>
+          <p:cNvPr id="344" name="CustomShape 2"/>
+          <p:cNvSpPr/>
           <p:nvPr/>
         </p:nvSpPr>
         <p:spPr>
           <a:xfrm>
             <a:off x="457200" y="1604520"/>
-            <a:ext cx="8229240" cy="3977280"/>
-          </a:xfrm>
-          <a:prstGeom prst="rect">
-            <a:avLst/>
-          </a:prstGeom>
+            <a:ext cx="8228880" cy="3976920"/>
+          </a:xfrm>
+          <a:prstGeom prst="rect">
+            <a:avLst/>
+          </a:prstGeom>
+          <a:noFill/>
+          <a:ln>
+            <a:noFill/>
+          </a:ln>
         </p:spPr>
         <p:txBody>
           <a:bodyPr bIns="0" lIns="0" rIns="0" tIns="0" wrap="none"/>
           <a:p>
             <a:pPr>
+              <a:lnSpc>
+                <a:spcPct val="100000"/>
+              </a:lnSpc>
               <a:buSzPct val="25000"/>
               <a:buFont typeface="StarSymbol"/>
-              <a:buChar char=""/>
-            </a:pPr>
-            <a:r>
-              <a:rPr lang="de-DE" sz="3600">
+              <a:buChar char="l"/>
+            </a:pPr>
+            <a:r>
+              <a:rPr lang="de-AT" sz="3600">
                 <a:latin typeface="Calibri"/>
               </a:rPr>
               <a:t>Verteilete Systeme Prinzipien und Paradigmen, A. Tannenbaum, 2. Auflage</a:t>
@@ -12595,12 +15554,15 @@
           </a:p>
           <a:p>
             <a:pPr>
+              <a:lnSpc>
+                <a:spcPct val="100000"/>
+              </a:lnSpc>
               <a:buSzPct val="25000"/>
               <a:buFont typeface="StarSymbol"/>
-              <a:buChar char=""/>
-            </a:pPr>
-            <a:r>
-              <a:rPr lang="de-DE" sz="3600">
+              <a:buChar char="l"/>
+            </a:pPr>
+            <a:r>
+              <a:rPr lang="de-AT" sz="3600">
                 <a:latin typeface="Calibri"/>
               </a:rPr>
               <a:t>Peer-toPeer Systems and Applications 2005, R. Steinmetz,K. Wehrle</a:t>
@@ -12609,12 +15571,15 @@
           </a:p>
           <a:p>
             <a:pPr>
+              <a:lnSpc>
+                <a:spcPct val="100000"/>
+              </a:lnSpc>
               <a:buSzPct val="25000"/>
               <a:buFont typeface="StarSymbol"/>
-              <a:buChar char=""/>
-            </a:pPr>
-            <a:r>
-              <a:rPr lang="de-DE" sz="3600">
+              <a:buChar char="l"/>
+            </a:pPr>
+            <a:r>
+              <a:rPr lang="de-AT" sz="3600">
                 <a:latin typeface="Calibri"/>
               </a:rPr>
               <a:t>http://www.spacebasedcomputing.org/, Aufgerufen am 13.12.2013</a:t>
@@ -12674,14 +15639,14 @@
       </p:grpSpPr>
       <p:sp>
         <p:nvSpPr>
-          <p:cNvPr id="126" name="CustomShape 1"/>
+          <p:cNvPr id="200" name="CustomShape 1"/>
           <p:cNvSpPr/>
           <p:nvPr/>
         </p:nvSpPr>
         <p:spPr>
           <a:xfrm>
             <a:off x="391680" y="587520"/>
-            <a:ext cx="6400080" cy="587160"/>
+            <a:ext cx="6399720" cy="586800"/>
           </a:xfrm>
           <a:prstGeom prst="rect">
             <a:avLst/>
@@ -12715,14 +15680,14 @@
       </p:sp>
       <p:sp>
         <p:nvSpPr>
-          <p:cNvPr id="127" name="CustomShape 2"/>
+          <p:cNvPr id="201" name="CustomShape 2"/>
           <p:cNvSpPr/>
           <p:nvPr/>
         </p:nvSpPr>
         <p:spPr>
           <a:xfrm>
             <a:off x="457200" y="1900440"/>
-            <a:ext cx="8045640" cy="3976920"/>
+            <a:ext cx="8045280" cy="3976560"/>
           </a:xfrm>
           <a:prstGeom prst="rect">
             <a:avLst/>
@@ -12896,14 +15861,14 @@
       </p:grpSpPr>
       <p:sp>
         <p:nvSpPr>
-          <p:cNvPr id="128" name="CustomShape 1"/>
+          <p:cNvPr id="202" name="CustomShape 1"/>
           <p:cNvSpPr/>
           <p:nvPr/>
         </p:nvSpPr>
         <p:spPr>
           <a:xfrm>
             <a:off x="391680" y="587520"/>
-            <a:ext cx="6400080" cy="587160"/>
+            <a:ext cx="6399720" cy="586800"/>
           </a:xfrm>
           <a:prstGeom prst="rect">
             <a:avLst/>
@@ -12937,14 +15902,14 @@
       </p:sp>
       <p:sp>
         <p:nvSpPr>
-          <p:cNvPr id="129" name="CustomShape 2"/>
+          <p:cNvPr id="203" name="CustomShape 2"/>
           <p:cNvSpPr/>
           <p:nvPr/>
         </p:nvSpPr>
         <p:spPr>
           <a:xfrm>
             <a:off x="457200" y="1852920"/>
-            <a:ext cx="8045640" cy="4071960"/>
+            <a:ext cx="8045280" cy="4071600"/>
           </a:xfrm>
           <a:prstGeom prst="rect">
             <a:avLst/>
@@ -13116,14 +16081,14 @@
       </p:grpSpPr>
       <p:sp>
         <p:nvSpPr>
-          <p:cNvPr id="130" name="CustomShape 1"/>
+          <p:cNvPr id="204" name="CustomShape 1"/>
           <p:cNvSpPr/>
           <p:nvPr/>
         </p:nvSpPr>
         <p:spPr>
           <a:xfrm>
             <a:off x="391680" y="587520"/>
-            <a:ext cx="6400080" cy="587160"/>
+            <a:ext cx="6399720" cy="586800"/>
           </a:xfrm>
           <a:prstGeom prst="rect">
             <a:avLst/>
@@ -13157,14 +16122,14 @@
       </p:sp>
       <p:sp>
         <p:nvSpPr>
-          <p:cNvPr id="131" name="CustomShape 2"/>
+          <p:cNvPr id="205" name="CustomShape 2"/>
           <p:cNvSpPr/>
           <p:nvPr/>
         </p:nvSpPr>
         <p:spPr>
           <a:xfrm>
             <a:off x="457200" y="1900440"/>
-            <a:ext cx="8045640" cy="4384080"/>
+            <a:ext cx="8045280" cy="4383720"/>
           </a:xfrm>
           <a:prstGeom prst="rect">
             <a:avLst/>
@@ -13328,14 +16293,14 @@
       </p:grpSpPr>
       <p:sp>
         <p:nvSpPr>
-          <p:cNvPr id="132" name="CustomShape 1"/>
+          <p:cNvPr id="206" name="CustomShape 1"/>
           <p:cNvSpPr/>
           <p:nvPr/>
         </p:nvSpPr>
         <p:spPr>
           <a:xfrm>
             <a:off x="457200" y="274680"/>
-            <a:ext cx="8228520" cy="1141920"/>
+            <a:ext cx="8228160" cy="1141560"/>
           </a:xfrm>
           <a:prstGeom prst="rect">
             <a:avLst/>
@@ -13369,14 +16334,14 @@
       </p:sp>
       <p:sp>
         <p:nvSpPr>
-          <p:cNvPr id="133" name="CustomShape 2"/>
+          <p:cNvPr id="207" name="CustomShape 2"/>
           <p:cNvSpPr/>
           <p:nvPr/>
         </p:nvSpPr>
         <p:spPr>
           <a:xfrm>
             <a:off x="457200" y="1600200"/>
-            <a:ext cx="8228520" cy="4524840"/>
+            <a:ext cx="8228160" cy="4524480"/>
           </a:xfrm>
           <a:prstGeom prst="rect">
             <a:avLst/>
@@ -13432,14 +16397,14 @@
       </p:sp>
       <p:sp>
         <p:nvSpPr>
-          <p:cNvPr id="134" name="CustomShape 3"/>
+          <p:cNvPr id="208" name="CustomShape 3"/>
           <p:cNvSpPr/>
           <p:nvPr/>
         </p:nvSpPr>
         <p:spPr>
           <a:xfrm>
             <a:off x="457200" y="6356520"/>
-            <a:ext cx="2132640" cy="363960"/>
+            <a:ext cx="2132280" cy="363600"/>
           </a:xfrm>
           <a:prstGeom prst="rect">
             <a:avLst/>
@@ -13473,14 +16438,14 @@
       </p:sp>
       <p:sp>
         <p:nvSpPr>
-          <p:cNvPr id="135" name="CustomShape 4"/>
+          <p:cNvPr id="209" name="CustomShape 4"/>
           <p:cNvSpPr/>
           <p:nvPr/>
         </p:nvSpPr>
         <p:spPr>
           <a:xfrm>
             <a:off x="3124080" y="6356520"/>
-            <a:ext cx="2894400" cy="363960"/>
+            <a:ext cx="2894040" cy="363600"/>
           </a:xfrm>
           <a:prstGeom prst="rect">
             <a:avLst/>
@@ -13514,14 +16479,14 @@
       </p:sp>
       <p:sp>
         <p:nvSpPr>
-          <p:cNvPr id="136" name="CustomShape 5"/>
+          <p:cNvPr id="210" name="CustomShape 5"/>
           <p:cNvSpPr/>
           <p:nvPr/>
         </p:nvSpPr>
         <p:spPr>
           <a:xfrm>
             <a:off x="6553080" y="6356520"/>
-            <a:ext cx="2132640" cy="363960"/>
+            <a:ext cx="2132280" cy="363600"/>
           </a:xfrm>
           <a:prstGeom prst="rect">
             <a:avLst/>
@@ -13539,7 +16504,7 @@
                 <a:spcPct val="100000"/>
               </a:lnSpc>
             </a:pPr>
-            <a:fld id="{ABB6FBD0-7F53-4BF3-9DE2-78B1B60A2A29}" type="slidenum">
+            <a:fld id="{A87B8895-BB2B-4737-B1D2-66DEABF60324}" type="slidenum">
               <a:rPr lang="de-AT" sz="1200">
                 <a:solidFill>
                   <a:srgbClr val="8b8b8b"/>
@@ -13577,14 +16542,14 @@
       </p:grpSpPr>
       <p:sp>
         <p:nvSpPr>
-          <p:cNvPr id="137" name="CustomShape 1"/>
+          <p:cNvPr id="211" name="CustomShape 1"/>
           <p:cNvSpPr/>
           <p:nvPr/>
         </p:nvSpPr>
         <p:spPr>
           <a:xfrm>
             <a:off x="457200" y="274680"/>
-            <a:ext cx="8228520" cy="1141920"/>
+            <a:ext cx="8228160" cy="1141560"/>
           </a:xfrm>
           <a:prstGeom prst="rect">
             <a:avLst/>
@@ -13618,14 +16583,14 @@
       </p:sp>
       <p:sp>
         <p:nvSpPr>
-          <p:cNvPr id="138" name="CustomShape 2"/>
+          <p:cNvPr id="212" name="CustomShape 2"/>
           <p:cNvSpPr/>
           <p:nvPr/>
         </p:nvSpPr>
         <p:spPr>
           <a:xfrm>
             <a:off x="457200" y="1600200"/>
-            <a:ext cx="8228520" cy="4524840"/>
+            <a:ext cx="8228160" cy="4524480"/>
           </a:xfrm>
           <a:prstGeom prst="rect">
             <a:avLst/>
@@ -13725,14 +16690,14 @@
       </p:sp>
       <p:sp>
         <p:nvSpPr>
-          <p:cNvPr id="139" name="CustomShape 3"/>
+          <p:cNvPr id="213" name="CustomShape 3"/>
           <p:cNvSpPr/>
           <p:nvPr/>
         </p:nvSpPr>
         <p:spPr>
           <a:xfrm>
             <a:off x="457200" y="6356520"/>
-            <a:ext cx="2132640" cy="363960"/>
+            <a:ext cx="2132280" cy="363600"/>
           </a:xfrm>
           <a:prstGeom prst="rect">
             <a:avLst/>
@@ -13766,14 +16731,14 @@
       </p:sp>
       <p:sp>
         <p:nvSpPr>
-          <p:cNvPr id="140" name="CustomShape 4"/>
+          <p:cNvPr id="214" name="CustomShape 4"/>
           <p:cNvSpPr/>
           <p:nvPr/>
         </p:nvSpPr>
         <p:spPr>
           <a:xfrm>
             <a:off x="3124080" y="6356520"/>
-            <a:ext cx="2894400" cy="363960"/>
+            <a:ext cx="2894040" cy="363600"/>
           </a:xfrm>
           <a:prstGeom prst="rect">
             <a:avLst/>
@@ -13807,14 +16772,14 @@
       </p:sp>
       <p:sp>
         <p:nvSpPr>
-          <p:cNvPr id="141" name="CustomShape 5"/>
+          <p:cNvPr id="215" name="CustomShape 5"/>
           <p:cNvSpPr/>
           <p:nvPr/>
         </p:nvSpPr>
         <p:spPr>
           <a:xfrm>
             <a:off x="6553080" y="6356520"/>
-            <a:ext cx="2132640" cy="363960"/>
+            <a:ext cx="2132280" cy="363600"/>
           </a:xfrm>
           <a:prstGeom prst="rect">
             <a:avLst/>
@@ -13832,7 +16797,7 @@
                 <a:spcPct val="100000"/>
               </a:lnSpc>
             </a:pPr>
-            <a:fld id="{59ED116F-E680-49A4-8E62-B1F3B7DC167A}" type="slidenum">
+            <a:fld id="{81CA1B81-8A63-40BC-8124-81C3E6DB75E2}" type="slidenum">
               <a:rPr lang="de-AT" sz="1200">
                 <a:solidFill>
                   <a:srgbClr val="8b8b8b"/>
@@ -13897,14 +16862,14 @@
       </p:grpSpPr>
       <p:sp>
         <p:nvSpPr>
-          <p:cNvPr id="142" name="CustomShape 1"/>
+          <p:cNvPr id="216" name="CustomShape 1"/>
           <p:cNvSpPr/>
           <p:nvPr/>
         </p:nvSpPr>
         <p:spPr>
           <a:xfrm>
             <a:off x="457200" y="274680"/>
-            <a:ext cx="8228520" cy="1141920"/>
+            <a:ext cx="8228160" cy="1141560"/>
           </a:xfrm>
           <a:prstGeom prst="rect">
             <a:avLst/>
@@ -13938,14 +16903,14 @@
       </p:sp>
       <p:sp>
         <p:nvSpPr>
-          <p:cNvPr id="143" name="CustomShape 2"/>
+          <p:cNvPr id="217" name="CustomShape 2"/>
           <p:cNvSpPr/>
           <p:nvPr/>
         </p:nvSpPr>
         <p:spPr>
           <a:xfrm>
             <a:off x="457200" y="1600200"/>
-            <a:ext cx="8228520" cy="4524840"/>
+            <a:ext cx="8228160" cy="4524480"/>
           </a:xfrm>
           <a:prstGeom prst="rect">
             <a:avLst/>
@@ -14066,14 +17031,14 @@
       </p:sp>
       <p:sp>
         <p:nvSpPr>
-          <p:cNvPr id="144" name="CustomShape 3"/>
+          <p:cNvPr id="218" name="CustomShape 3"/>
           <p:cNvSpPr/>
           <p:nvPr/>
         </p:nvSpPr>
         <p:spPr>
           <a:xfrm>
             <a:off x="457200" y="6356520"/>
-            <a:ext cx="2132640" cy="363960"/>
+            <a:ext cx="2132280" cy="363600"/>
           </a:xfrm>
           <a:prstGeom prst="rect">
             <a:avLst/>
@@ -14107,14 +17072,14 @@
       </p:sp>
       <p:sp>
         <p:nvSpPr>
-          <p:cNvPr id="145" name="CustomShape 4"/>
+          <p:cNvPr id="219" name="CustomShape 4"/>
           <p:cNvSpPr/>
           <p:nvPr/>
         </p:nvSpPr>
         <p:spPr>
           <a:xfrm>
             <a:off x="3124080" y="6356520"/>
-            <a:ext cx="2894400" cy="363960"/>
+            <a:ext cx="2894040" cy="363600"/>
           </a:xfrm>
           <a:prstGeom prst="rect">
             <a:avLst/>
@@ -14148,14 +17113,14 @@
       </p:sp>
       <p:sp>
         <p:nvSpPr>
-          <p:cNvPr id="146" name="CustomShape 5"/>
+          <p:cNvPr id="220" name="CustomShape 5"/>
           <p:cNvSpPr/>
           <p:nvPr/>
         </p:nvSpPr>
         <p:spPr>
           <a:xfrm>
             <a:off x="6553080" y="6356520"/>
-            <a:ext cx="2132640" cy="363960"/>
+            <a:ext cx="2132280" cy="363600"/>
           </a:xfrm>
           <a:prstGeom prst="rect">
             <a:avLst/>
@@ -14173,7 +17138,7 @@
                 <a:spcPct val="100000"/>
               </a:lnSpc>
             </a:pPr>
-            <a:fld id="{EB4396D4-7727-4C62-B6C6-E05B0E29A7E8}" type="slidenum">
+            <a:fld id="{88252B7E-FC0E-4EF5-8A2D-96ED96F47A43}" type="slidenum">
               <a:rPr lang="de-AT" sz="1200">
                 <a:solidFill>
                   <a:srgbClr val="8b8b8b"/>
@@ -14859,4 +17824,450 @@
     </a:fmtScheme>
   </a:themeElements>
 </a:theme>
+</file>
+
+<file path=ppt/theme/theme4.xml><?xml version="1.0" encoding="utf-8"?>
+<a:theme xmlns:a="http://schemas.openxmlformats.org/drawingml/2006/main" name="Office Theme">
+  <a:themeElements>
+    <a:clrScheme name="Office">
+      <a:dk1>
+        <a:sysClr val="windowText" lastClr="000000"/>
+      </a:dk1>
+      <a:lt1>
+        <a:sysClr val="window" lastClr="FFFFFF"/>
+      </a:lt1>
+      <a:dk2>
+        <a:srgbClr val="1F497D"/>
+      </a:dk2>
+      <a:lt2>
+        <a:srgbClr val="EEECE1"/>
+      </a:lt2>
+      <a:accent1>
+        <a:srgbClr val="4F81BD"/>
+      </a:accent1>
+      <a:accent2>
+        <a:srgbClr val="C0504D"/>
+      </a:accent2>
+      <a:accent3>
+        <a:srgbClr val="9BBB59"/>
+      </a:accent3>
+      <a:accent4>
+        <a:srgbClr val="8064A2"/>
+      </a:accent4>
+      <a:accent5>
+        <a:srgbClr val="4BACC6"/>
+      </a:accent5>
+      <a:accent6>
+        <a:srgbClr val="F79646"/>
+      </a:accent6>
+      <a:hlink>
+        <a:srgbClr val="0000FF"/>
+      </a:hlink>
+      <a:folHlink>
+        <a:srgbClr val="800080"/>
+      </a:folHlink>
+    </a:clrScheme>
+    <a:fontScheme name="Office">
+      <a:majorFont>
+        <a:latin typeface="Arial"/>
+        <a:ea typeface="DejaVu Sans"/>
+        <a:cs typeface="DejaVu Sans"/>
+      </a:majorFont>
+      <a:minorFont>
+        <a:latin typeface="Arial"/>
+        <a:ea typeface="DejaVu Sans"/>
+        <a:cs typeface="DejaVu Sans"/>
+      </a:minorFont>
+    </a:fontScheme>
+    <a:fmtScheme name="Office">
+      <a:fillStyleLst>
+        <a:solidFill>
+          <a:schemeClr val="phClr"/>
+        </a:solidFill>
+        <a:gradFill rotWithShape="1">
+          <a:gsLst>
+            <a:gs pos="0">
+              <a:schemeClr val="phClr">
+                <a:tint val="50000"/>
+                <a:satMod val="300000"/>
+              </a:schemeClr>
+            </a:gs>
+            <a:gs pos="35000">
+              <a:schemeClr val="phClr">
+                <a:tint val="37000"/>
+                <a:satMod val="300000"/>
+              </a:schemeClr>
+            </a:gs>
+            <a:gs pos="100000">
+              <a:schemeClr val="phClr">
+                <a:tint val="15000"/>
+                <a:satMod val="350000"/>
+              </a:schemeClr>
+            </a:gs>
+          </a:gsLst>
+          <a:lin ang="16200000" scaled="1"/>
+        </a:gradFill>
+        <a:gradFill rotWithShape="1">
+          <a:gsLst>
+            <a:gs pos="0">
+              <a:schemeClr val="phClr">
+                <a:shade val="51000"/>
+                <a:satMod val="130000"/>
+              </a:schemeClr>
+            </a:gs>
+            <a:gs pos="80000">
+              <a:schemeClr val="phClr">
+                <a:shade val="93000"/>
+                <a:satMod val="130000"/>
+              </a:schemeClr>
+            </a:gs>
+            <a:gs pos="100000">
+              <a:schemeClr val="phClr">
+                <a:shade val="94000"/>
+                <a:satMod val="135000"/>
+              </a:schemeClr>
+            </a:gs>
+          </a:gsLst>
+          <a:lin ang="16200000" scaled="0"/>
+        </a:gradFill>
+      </a:fillStyleLst>
+      <a:lnStyleLst>
+        <a:ln w="9525" cap="flat" cmpd="sng" algn="ctr">
+          <a:solidFill>
+            <a:schemeClr val="phClr">
+              <a:shade val="95000"/>
+              <a:satMod val="105000"/>
+            </a:schemeClr>
+          </a:solidFill>
+          <a:prstDash val="solid"/>
+        </a:ln>
+        <a:ln w="25400" cap="flat" cmpd="sng" algn="ctr">
+          <a:solidFill>
+            <a:schemeClr val="phClr"/>
+          </a:solidFill>
+          <a:prstDash val="solid"/>
+        </a:ln>
+        <a:ln w="38100" cap="flat" cmpd="sng" algn="ctr">
+          <a:solidFill>
+            <a:schemeClr val="phClr"/>
+          </a:solidFill>
+          <a:prstDash val="solid"/>
+        </a:ln>
+      </a:lnStyleLst>
+      <a:effectStyleLst>
+        <a:effectStyle>
+          <a:effectLst>
+            <a:outerShdw blurRad="40000" dist="20000" dir="5400000" rotWithShape="0">
+              <a:srgbClr val="000000">
+                <a:alpha val="38000"/>
+              </a:srgbClr>
+            </a:outerShdw>
+          </a:effectLst>
+        </a:effectStyle>
+        <a:effectStyle>
+          <a:effectLst>
+            <a:outerShdw blurRad="40000" dist="23000" dir="5400000" rotWithShape="0">
+              <a:srgbClr val="000000">
+                <a:alpha val="35000"/>
+              </a:srgbClr>
+            </a:outerShdw>
+          </a:effectLst>
+        </a:effectStyle>
+        <a:effectStyle>
+          <a:effectLst>
+            <a:outerShdw blurRad="40000" dist="23000" dir="5400000" rotWithShape="0">
+              <a:srgbClr val="000000">
+                <a:alpha val="35000"/>
+              </a:srgbClr>
+            </a:outerShdw>
+          </a:effectLst>
+          <a:scene3d>
+            <a:camera prst="orthographicFront">
+              <a:rot lat="0" lon="0" rev="0"/>
+            </a:camera>
+            <a:lightRig rig="threePt" dir="t">
+              <a:rot lat="0" lon="0" rev="1200000"/>
+            </a:lightRig>
+          </a:scene3d>
+          <a:sp3d>
+            <a:bevelT w="63500" h="25400"/>
+          </a:sp3d>
+        </a:effectStyle>
+      </a:effectStyleLst>
+      <a:bgFillStyleLst>
+        <a:solidFill>
+          <a:schemeClr val="phClr"/>
+        </a:solidFill>
+        <a:gradFill rotWithShape="1">
+          <a:gsLst>
+            <a:gs pos="0">
+              <a:schemeClr val="phClr">
+                <a:tint val="40000"/>
+                <a:satMod val="350000"/>
+              </a:schemeClr>
+            </a:gs>
+            <a:gs pos="40000">
+              <a:schemeClr val="phClr">
+                <a:tint val="45000"/>
+                <a:shade val="99000"/>
+                <a:satMod val="350000"/>
+              </a:schemeClr>
+            </a:gs>
+            <a:gs pos="100000">
+              <a:schemeClr val="phClr">
+                <a:shade val="20000"/>
+                <a:satMod val="255000"/>
+              </a:schemeClr>
+            </a:gs>
+          </a:gsLst>
+          <a:path path="circle">
+            <a:fillToRect l="50000" t="-80000" r="50000" b="180000"/>
+          </a:path>
+        </a:gradFill>
+        <a:gradFill rotWithShape="1">
+          <a:gsLst>
+            <a:gs pos="0">
+              <a:schemeClr val="phClr">
+                <a:tint val="80000"/>
+                <a:satMod val="300000"/>
+              </a:schemeClr>
+            </a:gs>
+            <a:gs pos="100000">
+              <a:schemeClr val="phClr">
+                <a:shade val="30000"/>
+                <a:satMod val="200000"/>
+              </a:schemeClr>
+            </a:gs>
+          </a:gsLst>
+          <a:path path="circle">
+            <a:fillToRect l="50000" t="50000" r="50000" b="50000"/>
+          </a:path>
+        </a:gradFill>
+      </a:bgFillStyleLst>
+    </a:fmtScheme>
+  </a:themeElements>
+</a:theme>
+</file>
+
+<file path=ppt/theme/theme5.xml><?xml version="1.0" encoding="utf-8"?>
+<a:theme xmlns:a="http://schemas.openxmlformats.org/drawingml/2006/main" name="Office Theme">
+  <a:themeElements>
+    <a:clrScheme name="Office">
+      <a:dk1>
+        <a:sysClr val="windowText" lastClr="000000"/>
+      </a:dk1>
+      <a:lt1>
+        <a:sysClr val="window" lastClr="FFFFFF"/>
+      </a:lt1>
+      <a:dk2>
+        <a:srgbClr val="1F497D"/>
+      </a:dk2>
+      <a:lt2>
+        <a:srgbClr val="EEECE1"/>
+      </a:lt2>
+      <a:accent1>
+        <a:srgbClr val="4F81BD"/>
+      </a:accent1>
+      <a:accent2>
+        <a:srgbClr val="C0504D"/>
+      </a:accent2>
+      <a:accent3>
+        <a:srgbClr val="9BBB59"/>
+      </a:accent3>
+      <a:accent4>
+        <a:srgbClr val="8064A2"/>
+      </a:accent4>
+      <a:accent5>
+        <a:srgbClr val="4BACC6"/>
+      </a:accent5>
+      <a:accent6>
+        <a:srgbClr val="F79646"/>
+      </a:accent6>
+      <a:hlink>
+        <a:srgbClr val="0000FF"/>
+      </a:hlink>
+      <a:folHlink>
+        <a:srgbClr val="800080"/>
+      </a:folHlink>
+    </a:clrScheme>
+    <a:fontScheme name="Office">
+      <a:majorFont>
+        <a:latin typeface="Arial"/>
+        <a:ea typeface="DejaVu Sans"/>
+        <a:cs typeface="DejaVu Sans"/>
+      </a:majorFont>
+      <a:minorFont>
+        <a:latin typeface="Arial"/>
+        <a:ea typeface="DejaVu Sans"/>
+        <a:cs typeface="DejaVu Sans"/>
+      </a:minorFont>
+    </a:fontScheme>
+    <a:fmtScheme name="Office">
+      <a:fillStyleLst>
+        <a:solidFill>
+          <a:schemeClr val="phClr"/>
+        </a:solidFill>
+        <a:gradFill rotWithShape="1">
+          <a:gsLst>
+            <a:gs pos="0">
+              <a:schemeClr val="phClr">
+                <a:tint val="50000"/>
+                <a:satMod val="300000"/>
+              </a:schemeClr>
+            </a:gs>
+            <a:gs pos="35000">
+              <a:schemeClr val="phClr">
+                <a:tint val="37000"/>
+                <a:satMod val="300000"/>
+              </a:schemeClr>
+            </a:gs>
+            <a:gs pos="100000">
+              <a:schemeClr val="phClr">
+                <a:tint val="15000"/>
+                <a:satMod val="350000"/>
+              </a:schemeClr>
+            </a:gs>
+          </a:gsLst>
+          <a:lin ang="16200000" scaled="1"/>
+        </a:gradFill>
+        <a:gradFill rotWithShape="1">
+          <a:gsLst>
+            <a:gs pos="0">
+              <a:schemeClr val="phClr">
+                <a:shade val="51000"/>
+                <a:satMod val="130000"/>
+              </a:schemeClr>
+            </a:gs>
+            <a:gs pos="80000">
+              <a:schemeClr val="phClr">
+                <a:shade val="93000"/>
+                <a:satMod val="130000"/>
+              </a:schemeClr>
+            </a:gs>
+            <a:gs pos="100000">
+              <a:schemeClr val="phClr">
+                <a:shade val="94000"/>
+                <a:satMod val="135000"/>
+              </a:schemeClr>
+            </a:gs>
+          </a:gsLst>
+          <a:lin ang="16200000" scaled="0"/>
+        </a:gradFill>
+      </a:fillStyleLst>
+      <a:lnStyleLst>
+        <a:ln w="9525" cap="flat" cmpd="sng" algn="ctr">
+          <a:solidFill>
+            <a:schemeClr val="phClr">
+              <a:shade val="95000"/>
+              <a:satMod val="105000"/>
+            </a:schemeClr>
+          </a:solidFill>
+          <a:prstDash val="solid"/>
+        </a:ln>
+        <a:ln w="25400" cap="flat" cmpd="sng" algn="ctr">
+          <a:solidFill>
+            <a:schemeClr val="phClr"/>
+          </a:solidFill>
+          <a:prstDash val="solid"/>
+        </a:ln>
+        <a:ln w="38100" cap="flat" cmpd="sng" algn="ctr">
+          <a:solidFill>
+            <a:schemeClr val="phClr"/>
+          </a:solidFill>
+          <a:prstDash val="solid"/>
+        </a:ln>
+      </a:lnStyleLst>
+      <a:effectStyleLst>
+        <a:effectStyle>
+          <a:effectLst>
+            <a:outerShdw blurRad="40000" dist="20000" dir="5400000" rotWithShape="0">
+              <a:srgbClr val="000000">
+                <a:alpha val="38000"/>
+              </a:srgbClr>
+            </a:outerShdw>
+          </a:effectLst>
+        </a:effectStyle>
+        <a:effectStyle>
+          <a:effectLst>
+            <a:outerShdw blurRad="40000" dist="23000" dir="5400000" rotWithShape="0">
+              <a:srgbClr val="000000">
+                <a:alpha val="35000"/>
+              </a:srgbClr>
+            </a:outerShdw>
+          </a:effectLst>
+        </a:effectStyle>
+        <a:effectStyle>
+          <a:effectLst>
+            <a:outerShdw blurRad="40000" dist="23000" dir="5400000" rotWithShape="0">
+              <a:srgbClr val="000000">
+                <a:alpha val="35000"/>
+              </a:srgbClr>
+            </a:outerShdw>
+          </a:effectLst>
+          <a:scene3d>
+            <a:camera prst="orthographicFront">
+              <a:rot lat="0" lon="0" rev="0"/>
+            </a:camera>
+            <a:lightRig rig="threePt" dir="t">
+              <a:rot lat="0" lon="0" rev="1200000"/>
+            </a:lightRig>
+          </a:scene3d>
+          <a:sp3d>
+            <a:bevelT w="63500" h="25400"/>
+          </a:sp3d>
+        </a:effectStyle>
+      </a:effectStyleLst>
+      <a:bgFillStyleLst>
+        <a:solidFill>
+          <a:schemeClr val="phClr"/>
+        </a:solidFill>
+        <a:gradFill rotWithShape="1">
+          <a:gsLst>
+            <a:gs pos="0">
+              <a:schemeClr val="phClr">
+                <a:tint val="40000"/>
+                <a:satMod val="350000"/>
+              </a:schemeClr>
+            </a:gs>
+            <a:gs pos="40000">
+              <a:schemeClr val="phClr">
+                <a:tint val="45000"/>
+                <a:shade val="99000"/>
+                <a:satMod val="350000"/>
+              </a:schemeClr>
+            </a:gs>
+            <a:gs pos="100000">
+              <a:schemeClr val="phClr">
+                <a:shade val="20000"/>
+                <a:satMod val="255000"/>
+              </a:schemeClr>
+            </a:gs>
+          </a:gsLst>
+          <a:path path="circle">
+            <a:fillToRect l="50000" t="-80000" r="50000" b="180000"/>
+          </a:path>
+        </a:gradFill>
+        <a:gradFill rotWithShape="1">
+          <a:gsLst>
+            <a:gs pos="0">
+              <a:schemeClr val="phClr">
+                <a:tint val="80000"/>
+                <a:satMod val="300000"/>
+              </a:schemeClr>
+            </a:gs>
+            <a:gs pos="100000">
+              <a:schemeClr val="phClr">
+                <a:shade val="30000"/>
+                <a:satMod val="200000"/>
+              </a:schemeClr>
+            </a:gs>
+          </a:gsLst>
+          <a:path path="circle">
+            <a:fillToRect l="50000" t="50000" r="50000" b="50000"/>
+          </a:path>
+        </a:gradFill>
+      </a:bgFillStyleLst>
+    </a:fmtScheme>
+  </a:themeElements>
+</a:theme>
 </file>